--- a/Capstone.pptx
+++ b/Capstone.pptx
@@ -1,12 +1,18 @@
 
 <file path=ppt/presentation.xml><?xml version="1.0" encoding="utf-8"?>
-<p:presentation xmlns:a="http://schemas.openxmlformats.org/drawingml/2006/main" xmlns:p="http://schemas.openxmlformats.org/presentationml/2006/main" xmlns:r="http://schemas.openxmlformats.org/officeDocument/2006/relationships" saveSubsetFonts="1">
+<p:presentation xmlns:a="http://schemas.openxmlformats.org/drawingml/2006/main" xmlns:r="http://schemas.openxmlformats.org/officeDocument/2006/relationships" xmlns:p="http://schemas.openxmlformats.org/presentationml/2006/main" saveSubsetFonts="1">
   <p:sldMasterIdLst>
-    <p:sldMasterId id="2147483648" r:id="rId1"/>
+    <p:sldMasterId id="2147483725" r:id="rId1"/>
   </p:sldMasterIdLst>
   <p:sldIdLst>
-    <p:sldId id="256" r:id="rId6"/>
-    <p:sldId id="257" r:id="rId7"/>
+    <p:sldId id="256" r:id="rId2"/>
+    <p:sldId id="257" r:id="rId3"/>
+    <p:sldId id="261" r:id="rId4"/>
+    <p:sldId id="259" r:id="rId5"/>
+    <p:sldId id="263" r:id="rId6"/>
+    <p:sldId id="260" r:id="rId7"/>
+    <p:sldId id="262" r:id="rId8"/>
+    <p:sldId id="258" r:id="rId9"/>
   </p:sldIdLst>
   <p:sldSz cx="12192000" cy="6858000"/>
   <p:notesSz cx="6858000" cy="9144000"/>
@@ -14,8 +20,8 @@
     <a:defPPr>
       <a:defRPr lang="en-US"/>
     </a:defPPr>
-    <a:lvl1pPr algn="l" defTabSz="914400" eaLnBrk="1" hangingPunct="1" latinLnBrk="0" marL="0" rtl="0">
-      <a:defRPr kern="1200" sz="1800">
+    <a:lvl1pPr marL="0" algn="l" defTabSz="457200" rtl="0" eaLnBrk="1" latinLnBrk="0" hangingPunct="1">
+      <a:defRPr sz="1800" kern="1200">
         <a:solidFill>
           <a:schemeClr val="tx1"/>
         </a:solidFill>
@@ -24,8 +30,8 @@
         <a:cs typeface="+mn-cs"/>
       </a:defRPr>
     </a:lvl1pPr>
-    <a:lvl2pPr algn="l" defTabSz="914400" eaLnBrk="1" hangingPunct="1" latinLnBrk="0" marL="457200" rtl="0">
-      <a:defRPr kern="1200" sz="1800">
+    <a:lvl2pPr marL="457200" algn="l" defTabSz="457200" rtl="0" eaLnBrk="1" latinLnBrk="0" hangingPunct="1">
+      <a:defRPr sz="1800" kern="1200">
         <a:solidFill>
           <a:schemeClr val="tx1"/>
         </a:solidFill>
@@ -34,8 +40,8 @@
         <a:cs typeface="+mn-cs"/>
       </a:defRPr>
     </a:lvl2pPr>
-    <a:lvl3pPr algn="l" defTabSz="914400" eaLnBrk="1" hangingPunct="1" latinLnBrk="0" marL="914400" rtl="0">
-      <a:defRPr kern="1200" sz="1800">
+    <a:lvl3pPr marL="914400" algn="l" defTabSz="457200" rtl="0" eaLnBrk="1" latinLnBrk="0" hangingPunct="1">
+      <a:defRPr sz="1800" kern="1200">
         <a:solidFill>
           <a:schemeClr val="tx1"/>
         </a:solidFill>
@@ -44,8 +50,8 @@
         <a:cs typeface="+mn-cs"/>
       </a:defRPr>
     </a:lvl3pPr>
-    <a:lvl4pPr algn="l" defTabSz="914400" eaLnBrk="1" hangingPunct="1" latinLnBrk="0" marL="1371600" rtl="0">
-      <a:defRPr kern="1200" sz="1800">
+    <a:lvl4pPr marL="1371600" algn="l" defTabSz="457200" rtl="0" eaLnBrk="1" latinLnBrk="0" hangingPunct="1">
+      <a:defRPr sz="1800" kern="1200">
         <a:solidFill>
           <a:schemeClr val="tx1"/>
         </a:solidFill>
@@ -54,8 +60,8 @@
         <a:cs typeface="+mn-cs"/>
       </a:defRPr>
     </a:lvl4pPr>
-    <a:lvl5pPr algn="l" defTabSz="914400" eaLnBrk="1" hangingPunct="1" latinLnBrk="0" marL="1828800" rtl="0">
-      <a:defRPr kern="1200" sz="1800">
+    <a:lvl5pPr marL="1828800" algn="l" defTabSz="457200" rtl="0" eaLnBrk="1" latinLnBrk="0" hangingPunct="1">
+      <a:defRPr sz="1800" kern="1200">
         <a:solidFill>
           <a:schemeClr val="tx1"/>
         </a:solidFill>
@@ -64,8 +70,8 @@
         <a:cs typeface="+mn-cs"/>
       </a:defRPr>
     </a:lvl5pPr>
-    <a:lvl6pPr algn="l" defTabSz="914400" eaLnBrk="1" hangingPunct="1" latinLnBrk="0" marL="2286000" rtl="0">
-      <a:defRPr kern="1200" sz="1800">
+    <a:lvl6pPr marL="2286000" algn="l" defTabSz="457200" rtl="0" eaLnBrk="1" latinLnBrk="0" hangingPunct="1">
+      <a:defRPr sz="1800" kern="1200">
         <a:solidFill>
           <a:schemeClr val="tx1"/>
         </a:solidFill>
@@ -74,8 +80,8 @@
         <a:cs typeface="+mn-cs"/>
       </a:defRPr>
     </a:lvl6pPr>
-    <a:lvl7pPr algn="l" defTabSz="914400" eaLnBrk="1" hangingPunct="1" latinLnBrk="0" marL="2743200" rtl="0">
-      <a:defRPr kern="1200" sz="1800">
+    <a:lvl7pPr marL="2743200" algn="l" defTabSz="457200" rtl="0" eaLnBrk="1" latinLnBrk="0" hangingPunct="1">
+      <a:defRPr sz="1800" kern="1200">
         <a:solidFill>
           <a:schemeClr val="tx1"/>
         </a:solidFill>
@@ -84,8 +90,8 @@
         <a:cs typeface="+mn-cs"/>
       </a:defRPr>
     </a:lvl7pPr>
-    <a:lvl8pPr algn="l" defTabSz="914400" eaLnBrk="1" hangingPunct="1" latinLnBrk="0" marL="3200400" rtl="0">
-      <a:defRPr kern="1200" sz="1800">
+    <a:lvl8pPr marL="3200400" algn="l" defTabSz="457200" rtl="0" eaLnBrk="1" latinLnBrk="0" hangingPunct="1">
+      <a:defRPr sz="1800" kern="1200">
         <a:solidFill>
           <a:schemeClr val="tx1"/>
         </a:solidFill>
@@ -94,8 +100,8 @@
         <a:cs typeface="+mn-cs"/>
       </a:defRPr>
     </a:lvl8pPr>
-    <a:lvl9pPr algn="l" defTabSz="914400" eaLnBrk="1" hangingPunct="1" latinLnBrk="0" marL="3657600" rtl="0">
-      <a:defRPr kern="1200" sz="1800">
+    <a:lvl9pPr marL="3657600" algn="l" defTabSz="457200" rtl="0" eaLnBrk="1" latinLnBrk="0" hangingPunct="1">
+      <a:defRPr sz="1800" kern="1200">
         <a:solidFill>
           <a:schemeClr val="tx1"/>
         </a:solidFill>
@@ -105,12 +111,25 @@
       </a:defRPr>
     </a:lvl9pPr>
   </p:defaultTextStyle>
+  <p:extLst>
+    <p:ext uri="{EFAFB233-063F-42B5-8137-9DF3F51BA10A}">
+      <p15:sldGuideLst xmlns:p15="http://schemas.microsoft.com/office/powerpoint/2012/main"/>
+    </p:ext>
+  </p:extLst>
 </p:presentation>
 </file>
 
 <file path=ppt/slideLayouts/slideLayout1.xml><?xml version="1.0" encoding="utf-8"?>
 <p:sldLayout xmlns:a="http://schemas.openxmlformats.org/drawingml/2006/main" xmlns:r="http://schemas.openxmlformats.org/officeDocument/2006/relationships" xmlns:p="http://schemas.openxmlformats.org/presentationml/2006/main" type="title" preserve="1">
   <p:cSld name="Title Slide">
+    <p:bg>
+      <p:bgPr>
+        <a:solidFill>
+          <a:schemeClr val="accent2"/>
+        </a:solidFill>
+        <a:effectLst/>
+      </p:bgPr>
+    </p:bg>
     <p:spTree>
       <p:nvGrpSpPr>
         <p:cNvPr id="1" name=""/>
@@ -127,69 +146,82 @@
       </p:grpSpPr>
       <p:sp>
         <p:nvSpPr>
-          <p:cNvPr id="2" name="Title 1">
-            <a:extLst>
-              <a:ext uri="{FF2B5EF4-FFF2-40B4-BE49-F238E27FC236}">
-                <a16:creationId xmlns:a16="http://schemas.microsoft.com/office/drawing/2014/main" id="{00D1A6E6-075E-4828-AF88-09BD0A74259E}"/>
-              </a:ext>
-            </a:extLst>
-          </p:cNvPr>
+          <p:cNvPr id="2" name="Title 1"/>
           <p:cNvSpPr>
             <a:spLocks noGrp="1"/>
           </p:cNvSpPr>
           <p:nvPr>
             <p:ph type="ctrTitle"/>
+          </p:nvPr>
+        </p:nvSpPr>
+        <p:spPr bwMode="blackWhite">
+          <a:xfrm>
+            <a:off x="1600200" y="2386744"/>
+            <a:ext cx="8991600" cy="1645920"/>
+          </a:xfrm>
+          <a:solidFill>
+            <a:srgbClr val="FFFFFF"/>
+          </a:solidFill>
+          <a:ln w="38100">
+            <a:solidFill>
+              <a:srgbClr val="404040"/>
+            </a:solidFill>
+          </a:ln>
+        </p:spPr>
+        <p:txBody>
+          <a:bodyPr lIns="274320" rIns="274320" anchor="ctr" anchorCtr="1">
+            <a:normAutofit/>
+          </a:bodyPr>
+          <a:lstStyle>
+            <a:lvl1pPr algn="ctr">
+              <a:defRPr sz="3800">
+                <a:solidFill>
+                  <a:srgbClr val="262626"/>
+                </a:solidFill>
+              </a:defRPr>
+            </a:lvl1pPr>
+          </a:lstStyle>
+          <a:p>
+            <a:r>
+              <a:rPr lang="en-US"/>
+              <a:t>Click to edit Master title style</a:t>
+            </a:r>
+            <a:endParaRPr lang="en-US" dirty="0"/>
+          </a:p>
+        </p:txBody>
+      </p:sp>
+      <p:sp>
+        <p:nvSpPr>
+          <p:cNvPr id="3" name="Subtitle 2"/>
+          <p:cNvSpPr>
+            <a:spLocks noGrp="1"/>
+          </p:cNvSpPr>
+          <p:nvPr>
+            <p:ph type="subTitle" idx="1"/>
           </p:nvPr>
         </p:nvSpPr>
         <p:spPr>
           <a:xfrm>
-            <a:off x="1524000" y="1122363"/>
-            <a:ext cx="9144000" cy="2387600"/>
+            <a:off x="2695194" y="4352544"/>
+            <a:ext cx="6801612" cy="1239894"/>
           </a:xfrm>
+          <a:noFill/>
         </p:spPr>
         <p:txBody>
-          <a:bodyPr anchor="b"/>
-          <a:lstStyle>
-            <a:lvl1pPr algn="ctr">
-              <a:defRPr sz="6000"/>
-            </a:lvl1pPr>
-          </a:lstStyle>
-          <a:p>
-            <a:r>
-              <a:rPr lang="en-US"/>
-              <a:t>Click to edit Master title style</a:t>
-            </a:r>
-          </a:p>
-        </p:txBody>
-      </p:sp>
-      <p:sp>
-        <p:nvSpPr>
-          <p:cNvPr id="3" name="Subtitle 2">
-            <a:extLst>
-              <a:ext uri="{FF2B5EF4-FFF2-40B4-BE49-F238E27FC236}">
-                <a16:creationId xmlns:a16="http://schemas.microsoft.com/office/drawing/2014/main" id="{5F3800DB-487B-4E23-AC0B-90C9ED4E1076}"/>
-              </a:ext>
-            </a:extLst>
-          </p:cNvPr>
-          <p:cNvSpPr>
-            <a:spLocks noGrp="1"/>
-          </p:cNvSpPr>
-          <p:nvPr>
-            <p:ph type="subTitle" idx="1"/>
-          </p:nvPr>
-        </p:nvSpPr>
-        <p:spPr>
-          <a:xfrm>
-            <a:off x="1524000" y="3602038"/>
-            <a:ext cx="9144000" cy="1655762"/>
-          </a:xfrm>
-        </p:spPr>
-        <p:txBody>
-          <a:bodyPr/>
+          <a:bodyPr>
+            <a:normAutofit/>
+          </a:bodyPr>
           <a:lstStyle>
             <a:lvl1pPr marL="0" indent="0" algn="ctr">
               <a:buNone/>
-              <a:defRPr sz="2400"/>
+              <a:defRPr sz="2000">
+                <a:solidFill>
+                  <a:schemeClr val="tx1">
+                    <a:lumMod val="75000"/>
+                    <a:lumOff val="25000"/>
+                  </a:schemeClr>
+                </a:solidFill>
+              </a:defRPr>
             </a:lvl1pPr>
             <a:lvl2pPr marL="457200" indent="0" algn="ctr">
               <a:buNone/>
@@ -229,18 +261,13 @@
               <a:rPr lang="en-US"/>
               <a:t>Click to edit Master subtitle style</a:t>
             </a:r>
-          </a:p>
-        </p:txBody>
-      </p:sp>
-      <p:sp>
-        <p:nvSpPr>
-          <p:cNvPr id="4" name="Date Placeholder 3">
-            <a:extLst>
-              <a:ext uri="{FF2B5EF4-FFF2-40B4-BE49-F238E27FC236}">
-                <a16:creationId xmlns:a16="http://schemas.microsoft.com/office/drawing/2014/main" id="{664DF5B1-3694-42A9-866E-9F1FF6CF0C01}"/>
-              </a:ext>
-            </a:extLst>
-          </p:cNvPr>
+            <a:endParaRPr lang="en-US" dirty="0"/>
+          </a:p>
+        </p:txBody>
+      </p:sp>
+      <p:sp>
+        <p:nvSpPr>
+          <p:cNvPr id="7" name="Date Placeholder 6"/>
           <p:cNvSpPr>
             <a:spLocks noGrp="1"/>
           </p:cNvSpPr>
@@ -255,7 +282,7 @@
           <a:p>
             <a:fld id="{EED1C14C-A143-42F5-B247-D0E800131009}" type="datetimeFigureOut">
               <a:rPr lang="en-US" smtClean="0"/>
-              <a:t>8/15/2018</a:t>
+              <a:t>7/24/22</a:t>
             </a:fld>
             <a:endParaRPr lang="en-US"/>
           </a:p>
@@ -263,13 +290,7 @@
       </p:sp>
       <p:sp>
         <p:nvSpPr>
-          <p:cNvPr id="5" name="Footer Placeholder 4">
-            <a:extLst>
-              <a:ext uri="{FF2B5EF4-FFF2-40B4-BE49-F238E27FC236}">
-                <a16:creationId xmlns:a16="http://schemas.microsoft.com/office/drawing/2014/main" id="{54718E67-8162-4BE0-9B01-22B89A120ADC}"/>
-              </a:ext>
-            </a:extLst>
-          </p:cNvPr>
+          <p:cNvPr id="8" name="Footer Placeholder 7"/>
           <p:cNvSpPr>
             <a:spLocks noGrp="1"/>
           </p:cNvSpPr>
@@ -288,13 +309,7 @@
       </p:sp>
       <p:sp>
         <p:nvSpPr>
-          <p:cNvPr id="6" name="Slide Number Placeholder 5">
-            <a:extLst>
-              <a:ext uri="{FF2B5EF4-FFF2-40B4-BE49-F238E27FC236}">
-                <a16:creationId xmlns:a16="http://schemas.microsoft.com/office/drawing/2014/main" id="{91568B9D-A8C9-40C5-85B0-14F435F39C81}"/>
-              </a:ext>
-            </a:extLst>
-          </p:cNvPr>
+          <p:cNvPr id="9" name="Slide Number Placeholder 8"/>
           <p:cNvSpPr>
             <a:spLocks noGrp="1"/>
           </p:cNvSpPr>
@@ -318,12 +333,12 @@
     </p:spTree>
     <p:extLst>
       <p:ext uri="{BB962C8B-B14F-4D97-AF65-F5344CB8AC3E}">
-        <p14:creationId xmlns:p14="http://schemas.microsoft.com/office/powerpoint/2010/main" val="896738362"/>
+        <p14:creationId xmlns:p14="http://schemas.microsoft.com/office/powerpoint/2010/main" val="1128690101"/>
       </p:ext>
     </p:extLst>
   </p:cSld>
   <p:clrMapOvr>
-    <a:masterClrMapping/>
+    <a:overrideClrMapping bg1="dk1" tx1="lt1" bg2="dk2" tx2="lt2" accent1="accent1" accent2="accent2" accent3="accent3" accent4="accent4" accent5="accent5" accent6="accent6" hlink="hlink" folHlink="folHlink"/>
   </p:clrMapOvr>
 </p:sldLayout>
 </file>
@@ -347,13 +362,7 @@
       </p:grpSpPr>
       <p:sp>
         <p:nvSpPr>
-          <p:cNvPr id="2" name="Title 1">
-            <a:extLst>
-              <a:ext uri="{FF2B5EF4-FFF2-40B4-BE49-F238E27FC236}">
-                <a16:creationId xmlns:a16="http://schemas.microsoft.com/office/drawing/2014/main" id="{AA6536FE-B6CA-4D45-A719-6B51F3FF6D96}"/>
-              </a:ext>
-            </a:extLst>
-          </p:cNvPr>
+          <p:cNvPr id="2" name="Title 1"/>
           <p:cNvSpPr>
             <a:spLocks noGrp="1"/>
           </p:cNvSpPr>
@@ -370,18 +379,13 @@
               <a:rPr lang="en-US"/>
               <a:t>Click to edit Master title style</a:t>
             </a:r>
-          </a:p>
-        </p:txBody>
-      </p:sp>
-      <p:sp>
-        <p:nvSpPr>
-          <p:cNvPr id="3" name="Vertical Text Placeholder 2">
-            <a:extLst>
-              <a:ext uri="{FF2B5EF4-FFF2-40B4-BE49-F238E27FC236}">
-                <a16:creationId xmlns:a16="http://schemas.microsoft.com/office/drawing/2014/main" id="{DFB9388C-63B0-4DA8-97D0-BEEDCF401CA2}"/>
-              </a:ext>
-            </a:extLst>
-          </p:cNvPr>
+            <a:endParaRPr lang="en-US" dirty="0"/>
+          </a:p>
+        </p:txBody>
+      </p:sp>
+      <p:sp>
+        <p:nvSpPr>
+          <p:cNvPr id="3" name="Vertical Text Placeholder 2"/>
           <p:cNvSpPr>
             <a:spLocks noGrp="1"/>
           </p:cNvSpPr>
@@ -397,7 +401,7 @@
             <a:pPr lvl="0"/>
             <a:r>
               <a:rPr lang="en-US"/>
-              <a:t>Edit Master text styles</a:t>
+              <a:t>Click to edit Master text styles</a:t>
             </a:r>
           </a:p>
           <a:p>
@@ -427,18 +431,13 @@
               <a:rPr lang="en-US"/>
               <a:t>Fifth level</a:t>
             </a:r>
-          </a:p>
-        </p:txBody>
-      </p:sp>
-      <p:sp>
-        <p:nvSpPr>
-          <p:cNvPr id="4" name="Date Placeholder 3">
-            <a:extLst>
-              <a:ext uri="{FF2B5EF4-FFF2-40B4-BE49-F238E27FC236}">
-                <a16:creationId xmlns:a16="http://schemas.microsoft.com/office/drawing/2014/main" id="{3ED9BDB0-2A2B-43AC-965A-A9E7E7F741CD}"/>
-              </a:ext>
-            </a:extLst>
-          </p:cNvPr>
+            <a:endParaRPr lang="en-US" dirty="0"/>
+          </a:p>
+        </p:txBody>
+      </p:sp>
+      <p:sp>
+        <p:nvSpPr>
+          <p:cNvPr id="4" name="Date Placeholder 3"/>
           <p:cNvSpPr>
             <a:spLocks noGrp="1"/>
           </p:cNvSpPr>
@@ -453,7 +452,7 @@
           <a:p>
             <a:fld id="{EED1C14C-A143-42F5-B247-D0E800131009}" type="datetimeFigureOut">
               <a:rPr lang="en-US" smtClean="0"/>
-              <a:t>8/15/2018</a:t>
+              <a:t>7/24/22</a:t>
             </a:fld>
             <a:endParaRPr lang="en-US"/>
           </a:p>
@@ -461,13 +460,7 @@
       </p:sp>
       <p:sp>
         <p:nvSpPr>
-          <p:cNvPr id="5" name="Footer Placeholder 4">
-            <a:extLst>
-              <a:ext uri="{FF2B5EF4-FFF2-40B4-BE49-F238E27FC236}">
-                <a16:creationId xmlns:a16="http://schemas.microsoft.com/office/drawing/2014/main" id="{B67DA7C3-2A5B-4BED-A540-9136486CC5B6}"/>
-              </a:ext>
-            </a:extLst>
-          </p:cNvPr>
+          <p:cNvPr id="5" name="Footer Placeholder 4"/>
           <p:cNvSpPr>
             <a:spLocks noGrp="1"/>
           </p:cNvSpPr>
@@ -486,13 +479,7 @@
       </p:sp>
       <p:sp>
         <p:nvSpPr>
-          <p:cNvPr id="6" name="Slide Number Placeholder 5">
-            <a:extLst>
-              <a:ext uri="{FF2B5EF4-FFF2-40B4-BE49-F238E27FC236}">
-                <a16:creationId xmlns:a16="http://schemas.microsoft.com/office/drawing/2014/main" id="{835888E8-31D6-4E51-9228-0D6066FED555}"/>
-              </a:ext>
-            </a:extLst>
-          </p:cNvPr>
+          <p:cNvPr id="6" name="Slide Number Placeholder 5"/>
           <p:cNvSpPr>
             <a:spLocks noGrp="1"/>
           </p:cNvSpPr>
@@ -516,7 +503,7 @@
     </p:spTree>
     <p:extLst>
       <p:ext uri="{BB962C8B-B14F-4D97-AF65-F5344CB8AC3E}">
-        <p14:creationId xmlns:p14="http://schemas.microsoft.com/office/powerpoint/2010/main" val="3471160673"/>
+        <p14:creationId xmlns:p14="http://schemas.microsoft.com/office/powerpoint/2010/main" val="3632225162"/>
       </p:ext>
     </p:extLst>
   </p:cSld>
@@ -545,13 +532,7 @@
       </p:grpSpPr>
       <p:sp>
         <p:nvSpPr>
-          <p:cNvPr id="2" name="Vertical Title 1">
-            <a:extLst>
-              <a:ext uri="{FF2B5EF4-FFF2-40B4-BE49-F238E27FC236}">
-                <a16:creationId xmlns:a16="http://schemas.microsoft.com/office/drawing/2014/main" id="{E3D010CA-6776-433E-8E25-97899E08288F}"/>
-              </a:ext>
-            </a:extLst>
-          </p:cNvPr>
+          <p:cNvPr id="2" name="Vertical Title 1"/>
           <p:cNvSpPr>
             <a:spLocks noGrp="1"/>
           </p:cNvSpPr>
@@ -561,8 +542,8 @@
         </p:nvSpPr>
         <p:spPr>
           <a:xfrm>
-            <a:off x="8724900" y="365125"/>
-            <a:ext cx="2628900" cy="5811838"/>
+            <a:off x="8653112" y="937260"/>
+            <a:ext cx="1298608" cy="4983480"/>
           </a:xfrm>
         </p:spPr>
         <p:txBody>
@@ -573,18 +554,13 @@
               <a:rPr lang="en-US"/>
               <a:t>Click to edit Master title style</a:t>
             </a:r>
-          </a:p>
-        </p:txBody>
-      </p:sp>
-      <p:sp>
-        <p:nvSpPr>
-          <p:cNvPr id="3" name="Vertical Text Placeholder 2">
-            <a:extLst>
-              <a:ext uri="{FF2B5EF4-FFF2-40B4-BE49-F238E27FC236}">
-                <a16:creationId xmlns:a16="http://schemas.microsoft.com/office/drawing/2014/main" id="{06391E6E-3CF5-4535-B37E-E30058EA2848}"/>
-              </a:ext>
-            </a:extLst>
-          </p:cNvPr>
+            <a:endParaRPr lang="en-US" dirty="0"/>
+          </a:p>
+        </p:txBody>
+      </p:sp>
+      <p:sp>
+        <p:nvSpPr>
+          <p:cNvPr id="3" name="Vertical Text Placeholder 2"/>
           <p:cNvSpPr>
             <a:spLocks noGrp="1"/>
           </p:cNvSpPr>
@@ -594,8 +570,8 @@
         </p:nvSpPr>
         <p:spPr>
           <a:xfrm>
-            <a:off x="838200" y="365125"/>
-            <a:ext cx="7734300" cy="5811838"/>
+            <a:off x="2231136" y="937260"/>
+            <a:ext cx="6198489" cy="4983480"/>
           </a:xfrm>
         </p:spPr>
         <p:txBody>
@@ -605,7 +581,7 @@
             <a:pPr lvl="0"/>
             <a:r>
               <a:rPr lang="en-US"/>
-              <a:t>Edit Master text styles</a:t>
+              <a:t>Click to edit Master text styles</a:t>
             </a:r>
           </a:p>
           <a:p>
@@ -635,18 +611,13 @@
               <a:rPr lang="en-US"/>
               <a:t>Fifth level</a:t>
             </a:r>
-          </a:p>
-        </p:txBody>
-      </p:sp>
-      <p:sp>
-        <p:nvSpPr>
-          <p:cNvPr id="4" name="Date Placeholder 3">
-            <a:extLst>
-              <a:ext uri="{FF2B5EF4-FFF2-40B4-BE49-F238E27FC236}">
-                <a16:creationId xmlns:a16="http://schemas.microsoft.com/office/drawing/2014/main" id="{9A6ADEE3-AAA7-4846-8EC6-84B1537C1D74}"/>
-              </a:ext>
-            </a:extLst>
-          </p:cNvPr>
+            <a:endParaRPr lang="en-US" dirty="0"/>
+          </a:p>
+        </p:txBody>
+      </p:sp>
+      <p:sp>
+        <p:nvSpPr>
+          <p:cNvPr id="4" name="Date Placeholder 3"/>
           <p:cNvSpPr>
             <a:spLocks noGrp="1"/>
           </p:cNvSpPr>
@@ -661,7 +632,7 @@
           <a:p>
             <a:fld id="{EED1C14C-A143-42F5-B247-D0E800131009}" type="datetimeFigureOut">
               <a:rPr lang="en-US" smtClean="0"/>
-              <a:t>8/15/2018</a:t>
+              <a:t>7/24/22</a:t>
             </a:fld>
             <a:endParaRPr lang="en-US"/>
           </a:p>
@@ -669,13 +640,7 @@
       </p:sp>
       <p:sp>
         <p:nvSpPr>
-          <p:cNvPr id="5" name="Footer Placeholder 4">
-            <a:extLst>
-              <a:ext uri="{FF2B5EF4-FFF2-40B4-BE49-F238E27FC236}">
-                <a16:creationId xmlns:a16="http://schemas.microsoft.com/office/drawing/2014/main" id="{001DABD6-6E60-4895-89B1-3604A484D2DD}"/>
-              </a:ext>
-            </a:extLst>
-          </p:cNvPr>
+          <p:cNvPr id="5" name="Footer Placeholder 4"/>
           <p:cNvSpPr>
             <a:spLocks noGrp="1"/>
           </p:cNvSpPr>
@@ -694,13 +659,7 @@
       </p:sp>
       <p:sp>
         <p:nvSpPr>
-          <p:cNvPr id="6" name="Slide Number Placeholder 5">
-            <a:extLst>
-              <a:ext uri="{FF2B5EF4-FFF2-40B4-BE49-F238E27FC236}">
-                <a16:creationId xmlns:a16="http://schemas.microsoft.com/office/drawing/2014/main" id="{59A4D314-6D1C-4A42-A445-B77646B2B295}"/>
-              </a:ext>
-            </a:extLst>
-          </p:cNvPr>
+          <p:cNvPr id="6" name="Slide Number Placeholder 5"/>
           <p:cNvSpPr>
             <a:spLocks noGrp="1"/>
           </p:cNvSpPr>
@@ -724,7 +683,7 @@
     </p:spTree>
     <p:extLst>
       <p:ext uri="{BB962C8B-B14F-4D97-AF65-F5344CB8AC3E}">
-        <p14:creationId xmlns:p14="http://schemas.microsoft.com/office/powerpoint/2010/main" val="4195526759"/>
+        <p14:creationId xmlns:p14="http://schemas.microsoft.com/office/powerpoint/2010/main" val="3925951012"/>
       </p:ext>
     </p:extLst>
   </p:cSld>
@@ -753,13 +712,7 @@
       </p:grpSpPr>
       <p:sp>
         <p:nvSpPr>
-          <p:cNvPr id="2" name="Title 1">
-            <a:extLst>
-              <a:ext uri="{FF2B5EF4-FFF2-40B4-BE49-F238E27FC236}">
-                <a16:creationId xmlns:a16="http://schemas.microsoft.com/office/drawing/2014/main" id="{6B34D5D7-9AEB-44F2-8A04-0694BE1520D8}"/>
-              </a:ext>
-            </a:extLst>
-          </p:cNvPr>
+          <p:cNvPr id="2" name="Title 1"/>
           <p:cNvSpPr>
             <a:spLocks noGrp="1"/>
           </p:cNvSpPr>
@@ -776,18 +729,13 @@
               <a:rPr lang="en-US"/>
               <a:t>Click to edit Master title style</a:t>
             </a:r>
-          </a:p>
-        </p:txBody>
-      </p:sp>
-      <p:sp>
-        <p:nvSpPr>
-          <p:cNvPr id="3" name="Content Placeholder 2">
-            <a:extLst>
-              <a:ext uri="{FF2B5EF4-FFF2-40B4-BE49-F238E27FC236}">
-                <a16:creationId xmlns:a16="http://schemas.microsoft.com/office/drawing/2014/main" id="{F3CE933F-693D-4770-8DC4-A5A086AC8ACE}"/>
-              </a:ext>
-            </a:extLst>
-          </p:cNvPr>
+            <a:endParaRPr lang="en-US" dirty="0"/>
+          </a:p>
+        </p:txBody>
+      </p:sp>
+      <p:sp>
+        <p:nvSpPr>
+          <p:cNvPr id="3" name="Content Placeholder 2"/>
           <p:cNvSpPr>
             <a:spLocks noGrp="1"/>
           </p:cNvSpPr>
@@ -803,7 +751,7 @@
             <a:pPr lvl="0"/>
             <a:r>
               <a:rPr lang="en-US"/>
-              <a:t>Edit Master text styles</a:t>
+              <a:t>Click to edit Master text styles</a:t>
             </a:r>
           </a:p>
           <a:p>
@@ -833,18 +781,13 @@
               <a:rPr lang="en-US"/>
               <a:t>Fifth level</a:t>
             </a:r>
-          </a:p>
-        </p:txBody>
-      </p:sp>
-      <p:sp>
-        <p:nvSpPr>
-          <p:cNvPr id="4" name="Date Placeholder 3">
-            <a:extLst>
-              <a:ext uri="{FF2B5EF4-FFF2-40B4-BE49-F238E27FC236}">
-                <a16:creationId xmlns:a16="http://schemas.microsoft.com/office/drawing/2014/main" id="{02A7849A-1CE6-4F5C-95D7-EA8DA5EE5551}"/>
-              </a:ext>
-            </a:extLst>
-          </p:cNvPr>
+            <a:endParaRPr lang="en-US" dirty="0"/>
+          </a:p>
+        </p:txBody>
+      </p:sp>
+      <p:sp>
+        <p:nvSpPr>
+          <p:cNvPr id="7" name="Date Placeholder 6"/>
           <p:cNvSpPr>
             <a:spLocks noGrp="1"/>
           </p:cNvSpPr>
@@ -859,7 +802,7 @@
           <a:p>
             <a:fld id="{EED1C14C-A143-42F5-B247-D0E800131009}" type="datetimeFigureOut">
               <a:rPr lang="en-US" smtClean="0"/>
-              <a:t>8/15/2018</a:t>
+              <a:t>7/24/22</a:t>
             </a:fld>
             <a:endParaRPr lang="en-US"/>
           </a:p>
@@ -867,13 +810,7 @@
       </p:sp>
       <p:sp>
         <p:nvSpPr>
-          <p:cNvPr id="5" name="Footer Placeholder 4">
-            <a:extLst>
-              <a:ext uri="{FF2B5EF4-FFF2-40B4-BE49-F238E27FC236}">
-                <a16:creationId xmlns:a16="http://schemas.microsoft.com/office/drawing/2014/main" id="{39FE1FD0-B95E-4CF6-9A27-0F91F96DAE00}"/>
-              </a:ext>
-            </a:extLst>
-          </p:cNvPr>
+          <p:cNvPr id="8" name="Footer Placeholder 7"/>
           <p:cNvSpPr>
             <a:spLocks noGrp="1"/>
           </p:cNvSpPr>
@@ -892,13 +829,7 @@
       </p:sp>
       <p:sp>
         <p:nvSpPr>
-          <p:cNvPr id="6" name="Slide Number Placeholder 5">
-            <a:extLst>
-              <a:ext uri="{FF2B5EF4-FFF2-40B4-BE49-F238E27FC236}">
-                <a16:creationId xmlns:a16="http://schemas.microsoft.com/office/drawing/2014/main" id="{596123BE-5891-49D6-A758-867A98F38D77}"/>
-              </a:ext>
-            </a:extLst>
-          </p:cNvPr>
+          <p:cNvPr id="9" name="Slide Number Placeholder 8"/>
           <p:cNvSpPr>
             <a:spLocks noGrp="1"/>
           </p:cNvSpPr>
@@ -922,7 +853,7 @@
     </p:spTree>
     <p:extLst>
       <p:ext uri="{BB962C8B-B14F-4D97-AF65-F5344CB8AC3E}">
-        <p14:creationId xmlns:p14="http://schemas.microsoft.com/office/powerpoint/2010/main" val="2359722614"/>
+        <p14:creationId xmlns:p14="http://schemas.microsoft.com/office/powerpoint/2010/main" val="2955935334"/>
       </p:ext>
     </p:extLst>
   </p:cSld>
@@ -935,6 +866,14 @@
 <file path=ppt/slideLayouts/slideLayout3.xml><?xml version="1.0" encoding="utf-8"?>
 <p:sldLayout xmlns:a="http://schemas.openxmlformats.org/drawingml/2006/main" xmlns:r="http://schemas.openxmlformats.org/officeDocument/2006/relationships" xmlns:p="http://schemas.openxmlformats.org/presentationml/2006/main" type="secHead" preserve="1">
   <p:cSld name="Section Header">
+    <p:bg>
+      <p:bgPr>
+        <a:solidFill>
+          <a:schemeClr val="accent1"/>
+        </a:solidFill>
+        <a:effectLst/>
+      </p:bgPr>
+    </p:bg>
     <p:spTree>
       <p:nvGrpSpPr>
         <p:cNvPr id="1" name=""/>
@@ -951,73 +890,76 @@
       </p:grpSpPr>
       <p:sp>
         <p:nvSpPr>
-          <p:cNvPr id="2" name="Title 1">
-            <a:extLst>
-              <a:ext uri="{FF2B5EF4-FFF2-40B4-BE49-F238E27FC236}">
-                <a16:creationId xmlns:a16="http://schemas.microsoft.com/office/drawing/2014/main" id="{4BA85FC7-1BEA-438E-A0A7-88FF55112279}"/>
-              </a:ext>
-            </a:extLst>
-          </p:cNvPr>
+          <p:cNvPr id="2" name="Title 1"/>
           <p:cNvSpPr>
             <a:spLocks noGrp="1"/>
           </p:cNvSpPr>
           <p:nvPr>
             <p:ph type="title"/>
+          </p:nvPr>
+        </p:nvSpPr>
+        <p:spPr bwMode="blackWhite">
+          <a:xfrm>
+            <a:off x="1600200" y="2386744"/>
+            <a:ext cx="8991600" cy="1645920"/>
+          </a:xfrm>
+          <a:solidFill>
+            <a:srgbClr val="FFFFFF"/>
+          </a:solidFill>
+          <a:ln w="38100">
+            <a:solidFill>
+              <a:srgbClr val="404040"/>
+            </a:solidFill>
+          </a:ln>
+        </p:spPr>
+        <p:txBody>
+          <a:bodyPr lIns="274320" rIns="274320" anchor="ctr" anchorCtr="1">
+            <a:normAutofit/>
+          </a:bodyPr>
+          <a:lstStyle>
+            <a:lvl1pPr>
+              <a:defRPr sz="3800">
+                <a:solidFill>
+                  <a:srgbClr val="262626"/>
+                </a:solidFill>
+              </a:defRPr>
+            </a:lvl1pPr>
+          </a:lstStyle>
+          <a:p>
+            <a:r>
+              <a:rPr lang="en-US"/>
+              <a:t>Click to edit Master title style</a:t>
+            </a:r>
+            <a:endParaRPr lang="en-US" dirty="0"/>
+          </a:p>
+        </p:txBody>
+      </p:sp>
+      <p:sp>
+        <p:nvSpPr>
+          <p:cNvPr id="3" name="Text Placeholder 2"/>
+          <p:cNvSpPr>
+            <a:spLocks noGrp="1"/>
+          </p:cNvSpPr>
+          <p:nvPr>
+            <p:ph type="body" idx="1"/>
           </p:nvPr>
         </p:nvSpPr>
         <p:spPr>
           <a:xfrm>
-            <a:off x="831850" y="1709738"/>
-            <a:ext cx="10515600" cy="2852737"/>
+            <a:off x="2695194" y="4352465"/>
+            <a:ext cx="6801612" cy="1265082"/>
           </a:xfrm>
         </p:spPr>
         <p:txBody>
-          <a:bodyPr anchor="b"/>
-          <a:lstStyle>
-            <a:lvl1pPr>
-              <a:defRPr sz="6000"/>
-            </a:lvl1pPr>
-          </a:lstStyle>
-          <a:p>
-            <a:r>
-              <a:rPr lang="en-US"/>
-              <a:t>Click to edit Master title style</a:t>
-            </a:r>
-          </a:p>
-        </p:txBody>
-      </p:sp>
-      <p:sp>
-        <p:nvSpPr>
-          <p:cNvPr id="3" name="Text Placeholder 2">
-            <a:extLst>
-              <a:ext uri="{FF2B5EF4-FFF2-40B4-BE49-F238E27FC236}">
-                <a16:creationId xmlns:a16="http://schemas.microsoft.com/office/drawing/2014/main" id="{0BD5F5C0-417B-4A28-8AE9-A79AC74A6250}"/>
-              </a:ext>
-            </a:extLst>
-          </p:cNvPr>
-          <p:cNvSpPr>
-            <a:spLocks noGrp="1"/>
-          </p:cNvSpPr>
-          <p:nvPr>
-            <p:ph type="body" idx="1"/>
-          </p:nvPr>
-        </p:nvSpPr>
-        <p:spPr>
-          <a:xfrm>
-            <a:off x="831850" y="4589463"/>
-            <a:ext cx="10515600" cy="1500187"/>
-          </a:xfrm>
-        </p:spPr>
-        <p:txBody>
-          <a:bodyPr/>
+          <a:bodyPr anchor="t" anchorCtr="1">
+            <a:normAutofit/>
+          </a:bodyPr>
           <a:lstStyle>
             <a:lvl1pPr marL="0" indent="0">
               <a:buNone/>
-              <a:defRPr sz="2400">
+              <a:defRPr sz="2000">
                 <a:solidFill>
-                  <a:schemeClr val="tx1">
-                    <a:tint val="75000"/>
-                  </a:schemeClr>
+                  <a:schemeClr val="tx1"/>
                 </a:solidFill>
               </a:defRPr>
             </a:lvl1pPr>
@@ -1106,20 +1048,14 @@
             <a:pPr lvl="0"/>
             <a:r>
               <a:rPr lang="en-US"/>
-              <a:t>Edit Master text styles</a:t>
-            </a:r>
-          </a:p>
-        </p:txBody>
-      </p:sp>
-      <p:sp>
-        <p:nvSpPr>
-          <p:cNvPr id="4" name="Date Placeholder 3">
-            <a:extLst>
-              <a:ext uri="{FF2B5EF4-FFF2-40B4-BE49-F238E27FC236}">
-                <a16:creationId xmlns:a16="http://schemas.microsoft.com/office/drawing/2014/main" id="{34BC6257-C490-4059-9E97-16E46673C65A}"/>
-              </a:ext>
-            </a:extLst>
-          </p:cNvPr>
+              <a:t>Click to edit Master text styles</a:t>
+            </a:r>
+          </a:p>
+        </p:txBody>
+      </p:sp>
+      <p:sp>
+        <p:nvSpPr>
+          <p:cNvPr id="7" name="Date Placeholder 6"/>
           <p:cNvSpPr>
             <a:spLocks noGrp="1"/>
           </p:cNvSpPr>
@@ -1134,7 +1070,7 @@
           <a:p>
             <a:fld id="{EED1C14C-A143-42F5-B247-D0E800131009}" type="datetimeFigureOut">
               <a:rPr lang="en-US" smtClean="0"/>
-              <a:t>8/15/2018</a:t>
+              <a:t>7/24/22</a:t>
             </a:fld>
             <a:endParaRPr lang="en-US"/>
           </a:p>
@@ -1142,13 +1078,7 @@
       </p:sp>
       <p:sp>
         <p:nvSpPr>
-          <p:cNvPr id="5" name="Footer Placeholder 4">
-            <a:extLst>
-              <a:ext uri="{FF2B5EF4-FFF2-40B4-BE49-F238E27FC236}">
-                <a16:creationId xmlns:a16="http://schemas.microsoft.com/office/drawing/2014/main" id="{7A4051CD-74EC-43C1-9F21-D33BD297FC2D}"/>
-              </a:ext>
-            </a:extLst>
-          </p:cNvPr>
+          <p:cNvPr id="8" name="Footer Placeholder 7"/>
           <p:cNvSpPr>
             <a:spLocks noGrp="1"/>
           </p:cNvSpPr>
@@ -1167,13 +1097,7 @@
       </p:sp>
       <p:sp>
         <p:nvSpPr>
-          <p:cNvPr id="6" name="Slide Number Placeholder 5">
-            <a:extLst>
-              <a:ext uri="{FF2B5EF4-FFF2-40B4-BE49-F238E27FC236}">
-                <a16:creationId xmlns:a16="http://schemas.microsoft.com/office/drawing/2014/main" id="{8BC95141-29DC-41BA-BE25-E899055F3178}"/>
-              </a:ext>
-            </a:extLst>
-          </p:cNvPr>
+          <p:cNvPr id="9" name="Slide Number Placeholder 8"/>
           <p:cNvSpPr>
             <a:spLocks noGrp="1"/>
           </p:cNvSpPr>
@@ -1197,12 +1121,12 @@
     </p:spTree>
     <p:extLst>
       <p:ext uri="{BB962C8B-B14F-4D97-AF65-F5344CB8AC3E}">
-        <p14:creationId xmlns:p14="http://schemas.microsoft.com/office/powerpoint/2010/main" val="694532379"/>
+        <p14:creationId xmlns:p14="http://schemas.microsoft.com/office/powerpoint/2010/main" val="486144491"/>
       </p:ext>
     </p:extLst>
   </p:cSld>
   <p:clrMapOvr>
-    <a:masterClrMapping/>
+    <a:overrideClrMapping bg1="dk1" tx1="lt1" bg2="dk2" tx2="lt2" accent1="accent1" accent2="accent2" accent3="accent3" accent4="accent4" accent5="accent5" accent6="accent6" hlink="hlink" folHlink="folHlink"/>
   </p:clrMapOvr>
 </p:sldLayout>
 </file>
@@ -1226,13 +1150,7 @@
       </p:grpSpPr>
       <p:sp>
         <p:nvSpPr>
-          <p:cNvPr id="2" name="Title 1">
-            <a:extLst>
-              <a:ext uri="{FF2B5EF4-FFF2-40B4-BE49-F238E27FC236}">
-                <a16:creationId xmlns:a16="http://schemas.microsoft.com/office/drawing/2014/main" id="{2134FC21-AE04-4050-80E6-D9DCA4B50C9B}"/>
-              </a:ext>
-            </a:extLst>
-          </p:cNvPr>
+          <p:cNvPr id="2" name="Title 1"/>
           <p:cNvSpPr>
             <a:spLocks noGrp="1"/>
           </p:cNvSpPr>
@@ -1249,18 +1167,13 @@
               <a:rPr lang="en-US"/>
               <a:t>Click to edit Master title style</a:t>
             </a:r>
-          </a:p>
-        </p:txBody>
-      </p:sp>
-      <p:sp>
-        <p:nvSpPr>
-          <p:cNvPr id="3" name="Content Placeholder 2">
-            <a:extLst>
-              <a:ext uri="{FF2B5EF4-FFF2-40B4-BE49-F238E27FC236}">
-                <a16:creationId xmlns:a16="http://schemas.microsoft.com/office/drawing/2014/main" id="{51885F7E-EF45-48F7-9E54-C6806D0E9638}"/>
-              </a:ext>
-            </a:extLst>
-          </p:cNvPr>
+            <a:endParaRPr lang="en-US" dirty="0"/>
+          </a:p>
+        </p:txBody>
+      </p:sp>
+      <p:sp>
+        <p:nvSpPr>
+          <p:cNvPr id="3" name="Content Placeholder 2"/>
           <p:cNvSpPr>
             <a:spLocks noGrp="1"/>
           </p:cNvSpPr>
@@ -1270,8 +1183,8 @@
         </p:nvSpPr>
         <p:spPr>
           <a:xfrm>
-            <a:off x="838200" y="1825625"/>
-            <a:ext cx="5181600" cy="4351338"/>
+            <a:off x="1581912" y="2638044"/>
+            <a:ext cx="4271771" cy="3101982"/>
           </a:xfrm>
         </p:spPr>
         <p:txBody>
@@ -1281,7 +1194,7 @@
             <a:pPr lvl="0"/>
             <a:r>
               <a:rPr lang="en-US"/>
-              <a:t>Edit Master text styles</a:t>
+              <a:t>Click to edit Master text styles</a:t>
             </a:r>
           </a:p>
           <a:p>
@@ -1311,18 +1224,13 @@
               <a:rPr lang="en-US"/>
               <a:t>Fifth level</a:t>
             </a:r>
-          </a:p>
-        </p:txBody>
-      </p:sp>
-      <p:sp>
-        <p:nvSpPr>
-          <p:cNvPr id="4" name="Content Placeholder 3">
-            <a:extLst>
-              <a:ext uri="{FF2B5EF4-FFF2-40B4-BE49-F238E27FC236}">
-                <a16:creationId xmlns:a16="http://schemas.microsoft.com/office/drawing/2014/main" id="{7724501F-6ED5-4112-B037-D3E9F8CF2C81}"/>
-              </a:ext>
-            </a:extLst>
-          </p:cNvPr>
+            <a:endParaRPr lang="en-US" dirty="0"/>
+          </a:p>
+        </p:txBody>
+      </p:sp>
+      <p:sp>
+        <p:nvSpPr>
+          <p:cNvPr id="4" name="Content Placeholder 3"/>
           <p:cNvSpPr>
             <a:spLocks noGrp="1"/>
           </p:cNvSpPr>
@@ -1332,8 +1240,8 @@
         </p:nvSpPr>
         <p:spPr>
           <a:xfrm>
-            <a:off x="6172200" y="1825625"/>
-            <a:ext cx="5181600" cy="4351338"/>
+            <a:off x="6338315" y="2638044"/>
+            <a:ext cx="4270247" cy="3101982"/>
           </a:xfrm>
         </p:spPr>
         <p:txBody>
@@ -1343,7 +1251,7 @@
             <a:pPr lvl="0"/>
             <a:r>
               <a:rPr lang="en-US"/>
-              <a:t>Edit Master text styles</a:t>
+              <a:t>Click to edit Master text styles</a:t>
             </a:r>
           </a:p>
           <a:p>
@@ -1373,18 +1281,13 @@
               <a:rPr lang="en-US"/>
               <a:t>Fifth level</a:t>
             </a:r>
-          </a:p>
-        </p:txBody>
-      </p:sp>
-      <p:sp>
-        <p:nvSpPr>
-          <p:cNvPr id="5" name="Date Placeholder 4">
-            <a:extLst>
-              <a:ext uri="{FF2B5EF4-FFF2-40B4-BE49-F238E27FC236}">
-                <a16:creationId xmlns:a16="http://schemas.microsoft.com/office/drawing/2014/main" id="{E861E48C-176E-4E60-8CB3-5425169963CD}"/>
-              </a:ext>
-            </a:extLst>
-          </p:cNvPr>
+            <a:endParaRPr lang="en-US" dirty="0"/>
+          </a:p>
+        </p:txBody>
+      </p:sp>
+      <p:sp>
+        <p:nvSpPr>
+          <p:cNvPr id="8" name="Date Placeholder 7"/>
           <p:cNvSpPr>
             <a:spLocks noGrp="1"/>
           </p:cNvSpPr>
@@ -1399,7 +1302,7 @@
           <a:p>
             <a:fld id="{EED1C14C-A143-42F5-B247-D0E800131009}" type="datetimeFigureOut">
               <a:rPr lang="en-US" smtClean="0"/>
-              <a:t>8/15/2018</a:t>
+              <a:t>7/24/22</a:t>
             </a:fld>
             <a:endParaRPr lang="en-US"/>
           </a:p>
@@ -1407,13 +1310,7 @@
       </p:sp>
       <p:sp>
         <p:nvSpPr>
-          <p:cNvPr id="6" name="Footer Placeholder 5">
-            <a:extLst>
-              <a:ext uri="{FF2B5EF4-FFF2-40B4-BE49-F238E27FC236}">
-                <a16:creationId xmlns:a16="http://schemas.microsoft.com/office/drawing/2014/main" id="{5852202B-C929-4B39-AF47-D17C38F868E8}"/>
-              </a:ext>
-            </a:extLst>
-          </p:cNvPr>
+          <p:cNvPr id="9" name="Footer Placeholder 8"/>
           <p:cNvSpPr>
             <a:spLocks noGrp="1"/>
           </p:cNvSpPr>
@@ -1432,13 +1329,7 @@
       </p:sp>
       <p:sp>
         <p:nvSpPr>
-          <p:cNvPr id="7" name="Slide Number Placeholder 6">
-            <a:extLst>
-              <a:ext uri="{FF2B5EF4-FFF2-40B4-BE49-F238E27FC236}">
-                <a16:creationId xmlns:a16="http://schemas.microsoft.com/office/drawing/2014/main" id="{7DEEEBF3-930A-4A23-810D-C1880E7A6D29}"/>
-              </a:ext>
-            </a:extLst>
-          </p:cNvPr>
+          <p:cNvPr id="10" name="Slide Number Placeholder 9"/>
           <p:cNvSpPr>
             <a:spLocks noGrp="1"/>
           </p:cNvSpPr>
@@ -1462,7 +1353,7 @@
     </p:spTree>
     <p:extLst>
       <p:ext uri="{BB962C8B-B14F-4D97-AF65-F5344CB8AC3E}">
-        <p14:creationId xmlns:p14="http://schemas.microsoft.com/office/powerpoint/2010/main" val="1723384594"/>
+        <p14:creationId xmlns:p14="http://schemas.microsoft.com/office/powerpoint/2010/main" val="1132235376"/>
       </p:ext>
     </p:extLst>
   </p:cSld>
@@ -1491,69 +1382,38 @@
       </p:grpSpPr>
       <p:sp>
         <p:nvSpPr>
-          <p:cNvPr id="2" name="Title 1">
-            <a:extLst>
-              <a:ext uri="{FF2B5EF4-FFF2-40B4-BE49-F238E27FC236}">
-                <a16:creationId xmlns:a16="http://schemas.microsoft.com/office/drawing/2014/main" id="{40448E08-A828-430D-B8A6-7302E570AD2B}"/>
-              </a:ext>
-            </a:extLst>
-          </p:cNvPr>
-          <p:cNvSpPr>
-            <a:spLocks noGrp="1"/>
-          </p:cNvSpPr>
-          <p:nvPr>
-            <p:ph type="title"/>
+          <p:cNvPr id="3" name="Text Placeholder 2"/>
+          <p:cNvSpPr>
+            <a:spLocks noGrp="1"/>
+          </p:cNvSpPr>
+          <p:nvPr>
+            <p:ph type="body" idx="1"/>
           </p:nvPr>
         </p:nvSpPr>
         <p:spPr>
           <a:xfrm>
-            <a:off x="839788" y="365125"/>
-            <a:ext cx="10515600" cy="1325563"/>
+            <a:off x="1583436" y="2313433"/>
+            <a:ext cx="4270248" cy="704087"/>
           </a:xfrm>
         </p:spPr>
         <p:txBody>
-          <a:bodyPr/>
-          <a:lstStyle/>
-          <a:p>
-            <a:r>
-              <a:rPr lang="en-US"/>
-              <a:t>Click to edit Master title style</a:t>
-            </a:r>
-          </a:p>
-        </p:txBody>
-      </p:sp>
-      <p:sp>
-        <p:nvSpPr>
-          <p:cNvPr id="3" name="Text Placeholder 2">
-            <a:extLst>
-              <a:ext uri="{FF2B5EF4-FFF2-40B4-BE49-F238E27FC236}">
-                <a16:creationId xmlns:a16="http://schemas.microsoft.com/office/drawing/2014/main" id="{71FF5402-465C-4E68-BF7E-BFE1177B55A2}"/>
-              </a:ext>
-            </a:extLst>
-          </p:cNvPr>
-          <p:cNvSpPr>
-            <a:spLocks noGrp="1"/>
-          </p:cNvSpPr>
-          <p:nvPr>
-            <p:ph type="body" idx="1"/>
-          </p:nvPr>
-        </p:nvSpPr>
-        <p:spPr>
-          <a:xfrm>
-            <a:off x="839788" y="1681163"/>
-            <a:ext cx="5157787" cy="823912"/>
-          </a:xfrm>
-        </p:spPr>
-        <p:txBody>
-          <a:bodyPr anchor="b"/>
+          <a:bodyPr anchor="b" anchorCtr="1">
+            <a:normAutofit/>
+          </a:bodyPr>
           <a:lstStyle>
-            <a:lvl1pPr marL="0" indent="0">
-              <a:buNone/>
-              <a:defRPr sz="2400" b="1"/>
+            <a:lvl1pPr marL="0" indent="0" algn="ctr">
+              <a:buNone/>
+              <a:defRPr sz="1900" b="0" cap="all" spc="100" baseline="0">
+                <a:solidFill>
+                  <a:schemeClr val="accent2">
+                    <a:lumMod val="75000"/>
+                  </a:schemeClr>
+                </a:solidFill>
+              </a:defRPr>
             </a:lvl1pPr>
             <a:lvl2pPr marL="457200" indent="0">
               <a:buNone/>
-              <a:defRPr sz="2000" b="1"/>
+              <a:defRPr sz="1900" b="1"/>
             </a:lvl2pPr>
             <a:lvl3pPr marL="914400" indent="0">
               <a:buNone/>
@@ -1588,20 +1448,14 @@
             <a:pPr lvl="0"/>
             <a:r>
               <a:rPr lang="en-US"/>
-              <a:t>Edit Master text styles</a:t>
-            </a:r>
-          </a:p>
-        </p:txBody>
-      </p:sp>
-      <p:sp>
-        <p:nvSpPr>
-          <p:cNvPr id="4" name="Content Placeholder 3">
-            <a:extLst>
-              <a:ext uri="{FF2B5EF4-FFF2-40B4-BE49-F238E27FC236}">
-                <a16:creationId xmlns:a16="http://schemas.microsoft.com/office/drawing/2014/main" id="{469B917D-5EC9-44FC-B8A7-9ADF4ADC4FAB}"/>
-              </a:ext>
-            </a:extLst>
-          </p:cNvPr>
+              <a:t>Click to edit Master text styles</a:t>
+            </a:r>
+          </a:p>
+        </p:txBody>
+      </p:sp>
+      <p:sp>
+        <p:nvSpPr>
+          <p:cNvPr id="4" name="Content Placeholder 3"/>
           <p:cNvSpPr>
             <a:spLocks noGrp="1"/>
           </p:cNvSpPr>
@@ -1611,8 +1465,8 @@
         </p:nvSpPr>
         <p:spPr>
           <a:xfrm>
-            <a:off x="839788" y="2505075"/>
-            <a:ext cx="5157787" cy="3684588"/>
+            <a:off x="1583436" y="3143250"/>
+            <a:ext cx="4270248" cy="2596776"/>
           </a:xfrm>
         </p:spPr>
         <p:txBody>
@@ -1622,7 +1476,7 @@
             <a:pPr lvl="0"/>
             <a:r>
               <a:rPr lang="en-US"/>
-              <a:t>Edit Master text styles</a:t>
+              <a:t>Click to edit Master text styles</a:t>
             </a:r>
           </a:p>
           <a:p>
@@ -1652,41 +1506,105 @@
               <a:rPr lang="en-US"/>
               <a:t>Fifth level</a:t>
             </a:r>
-          </a:p>
-        </p:txBody>
-      </p:sp>
-      <p:sp>
-        <p:nvSpPr>
-          <p:cNvPr id="5" name="Text Placeholder 4">
-            <a:extLst>
-              <a:ext uri="{FF2B5EF4-FFF2-40B4-BE49-F238E27FC236}">
-                <a16:creationId xmlns:a16="http://schemas.microsoft.com/office/drawing/2014/main" id="{43DCF5D4-E55C-42FF-A7E5-2466DE35B8C0}"/>
-              </a:ext>
-            </a:extLst>
-          </p:cNvPr>
-          <p:cNvSpPr>
-            <a:spLocks noGrp="1"/>
-          </p:cNvSpPr>
-          <p:nvPr>
-            <p:ph type="body" sz="quarter" idx="3"/>
+            <a:endParaRPr lang="en-US" dirty="0"/>
+          </a:p>
+        </p:txBody>
+      </p:sp>
+      <p:sp>
+        <p:nvSpPr>
+          <p:cNvPr id="6" name="Content Placeholder 5"/>
+          <p:cNvSpPr>
+            <a:spLocks noGrp="1"/>
+          </p:cNvSpPr>
+          <p:nvPr>
+            <p:ph sz="quarter" idx="4"/>
           </p:nvPr>
         </p:nvSpPr>
         <p:spPr>
           <a:xfrm>
-            <a:off x="6172200" y="1681163"/>
-            <a:ext cx="5183188" cy="823912"/>
+            <a:off x="6338316" y="3143250"/>
+            <a:ext cx="4253484" cy="2596776"/>
           </a:xfrm>
         </p:spPr>
         <p:txBody>
-          <a:bodyPr anchor="b"/>
+          <a:bodyPr/>
           <a:lstStyle>
-            <a:lvl1pPr marL="0" indent="0">
-              <a:buNone/>
-              <a:defRPr sz="2400" b="1"/>
+            <a:lvl5pPr>
+              <a:defRPr/>
+            </a:lvl5pPr>
+          </a:lstStyle>
+          <a:p>
+            <a:pPr lvl="0"/>
+            <a:r>
+              <a:rPr lang="en-US"/>
+              <a:t>Click to edit Master text styles</a:t>
+            </a:r>
+          </a:p>
+          <a:p>
+            <a:pPr lvl="1"/>
+            <a:r>
+              <a:rPr lang="en-US"/>
+              <a:t>Second level</a:t>
+            </a:r>
+          </a:p>
+          <a:p>
+            <a:pPr lvl="2"/>
+            <a:r>
+              <a:rPr lang="en-US"/>
+              <a:t>Third level</a:t>
+            </a:r>
+          </a:p>
+          <a:p>
+            <a:pPr lvl="3"/>
+            <a:r>
+              <a:rPr lang="en-US"/>
+              <a:t>Fourth level</a:t>
+            </a:r>
+          </a:p>
+          <a:p>
+            <a:pPr lvl="4"/>
+            <a:r>
+              <a:rPr lang="en-US"/>
+              <a:t>Fifth level</a:t>
+            </a:r>
+            <a:endParaRPr lang="en-US" dirty="0"/>
+          </a:p>
+        </p:txBody>
+      </p:sp>
+      <p:sp>
+        <p:nvSpPr>
+          <p:cNvPr id="11" name="Text Placeholder 4"/>
+          <p:cNvSpPr>
+            <a:spLocks noGrp="1"/>
+          </p:cNvSpPr>
+          <p:nvPr>
+            <p:ph type="body" sz="quarter" idx="13"/>
+          </p:nvPr>
+        </p:nvSpPr>
+        <p:spPr>
+          <a:xfrm>
+            <a:off x="6338316" y="2313433"/>
+            <a:ext cx="4270248" cy="704087"/>
+          </a:xfrm>
+        </p:spPr>
+        <p:txBody>
+          <a:bodyPr anchor="b" anchorCtr="1">
+            <a:normAutofit/>
+          </a:bodyPr>
+          <a:lstStyle>
+            <a:lvl1pPr marL="0" indent="0" algn="ctr">
+              <a:buNone/>
+              <a:defRPr sz="1900" b="0" cap="all" spc="100" baseline="0">
+                <a:solidFill>
+                  <a:schemeClr val="accent2">
+                    <a:lumMod val="75000"/>
+                  </a:schemeClr>
+                </a:solidFill>
+              </a:defRPr>
             </a:lvl1pPr>
             <a:lvl2pPr marL="457200" indent="0">
               <a:buNone/>
-              <a:defRPr sz="2000" b="1"/>
+              <a:defRPr sz="1900" b="1"/>
             </a:lvl2pPr>
             <a:lvl3pPr marL="914400" indent="0">
               <a:buNone/>
@@ -1721,82 +1639,14 @@
             <a:pPr lvl="0"/>
             <a:r>
               <a:rPr lang="en-US"/>
-              <a:t>Edit Master text styles</a:t>
-            </a:r>
-          </a:p>
-        </p:txBody>
-      </p:sp>
-      <p:sp>
-        <p:nvSpPr>
-          <p:cNvPr id="6" name="Content Placeholder 5">
-            <a:extLst>
-              <a:ext uri="{FF2B5EF4-FFF2-40B4-BE49-F238E27FC236}">
-                <a16:creationId xmlns:a16="http://schemas.microsoft.com/office/drawing/2014/main" id="{B7579A7F-77F4-4169-8D51-212344199842}"/>
-              </a:ext>
-            </a:extLst>
-          </p:cNvPr>
-          <p:cNvSpPr>
-            <a:spLocks noGrp="1"/>
-          </p:cNvSpPr>
-          <p:nvPr>
-            <p:ph sz="quarter" idx="4"/>
-          </p:nvPr>
-        </p:nvSpPr>
-        <p:spPr>
-          <a:xfrm>
-            <a:off x="6172200" y="2505075"/>
-            <a:ext cx="5183188" cy="3684588"/>
-          </a:xfrm>
-        </p:spPr>
-        <p:txBody>
-          <a:bodyPr/>
-          <a:lstStyle/>
-          <a:p>
-            <a:pPr lvl="0"/>
-            <a:r>
-              <a:rPr lang="en-US"/>
-              <a:t>Edit Master text styles</a:t>
-            </a:r>
-          </a:p>
-          <a:p>
-            <a:pPr lvl="1"/>
-            <a:r>
-              <a:rPr lang="en-US"/>
-              <a:t>Second level</a:t>
-            </a:r>
-          </a:p>
-          <a:p>
-            <a:pPr lvl="2"/>
-            <a:r>
-              <a:rPr lang="en-US"/>
-              <a:t>Third level</a:t>
-            </a:r>
-          </a:p>
-          <a:p>
-            <a:pPr lvl="3"/>
-            <a:r>
-              <a:rPr lang="en-US"/>
-              <a:t>Fourth level</a:t>
-            </a:r>
-          </a:p>
-          <a:p>
-            <a:pPr lvl="4"/>
-            <a:r>
-              <a:rPr lang="en-US"/>
-              <a:t>Fifth level</a:t>
-            </a:r>
-          </a:p>
-        </p:txBody>
-      </p:sp>
-      <p:sp>
-        <p:nvSpPr>
-          <p:cNvPr id="7" name="Date Placeholder 6">
-            <a:extLst>
-              <a:ext uri="{FF2B5EF4-FFF2-40B4-BE49-F238E27FC236}">
-                <a16:creationId xmlns:a16="http://schemas.microsoft.com/office/drawing/2014/main" id="{2A735923-3BB5-4F33-8E76-56665E95B55A}"/>
-              </a:ext>
-            </a:extLst>
-          </p:cNvPr>
+              <a:t>Click to edit Master text styles</a:t>
+            </a:r>
+          </a:p>
+        </p:txBody>
+      </p:sp>
+      <p:sp>
+        <p:nvSpPr>
+          <p:cNvPr id="7" name="Date Placeholder 6"/>
           <p:cNvSpPr>
             <a:spLocks noGrp="1"/>
           </p:cNvSpPr>
@@ -1811,7 +1661,7 @@
           <a:p>
             <a:fld id="{EED1C14C-A143-42F5-B247-D0E800131009}" type="datetimeFigureOut">
               <a:rPr lang="en-US" smtClean="0"/>
-              <a:t>8/15/2018</a:t>
+              <a:t>7/24/22</a:t>
             </a:fld>
             <a:endParaRPr lang="en-US"/>
           </a:p>
@@ -1819,13 +1669,7 @@
       </p:sp>
       <p:sp>
         <p:nvSpPr>
-          <p:cNvPr id="8" name="Footer Placeholder 7">
-            <a:extLst>
-              <a:ext uri="{FF2B5EF4-FFF2-40B4-BE49-F238E27FC236}">
-                <a16:creationId xmlns:a16="http://schemas.microsoft.com/office/drawing/2014/main" id="{FA43FC79-7089-4373-88DC-12501E78201F}"/>
-              </a:ext>
-            </a:extLst>
-          </p:cNvPr>
+          <p:cNvPr id="8" name="Footer Placeholder 7"/>
           <p:cNvSpPr>
             <a:spLocks noGrp="1"/>
           </p:cNvSpPr>
@@ -1844,13 +1688,7 @@
       </p:sp>
       <p:sp>
         <p:nvSpPr>
-          <p:cNvPr id="9" name="Slide Number Placeholder 8">
-            <a:extLst>
-              <a:ext uri="{FF2B5EF4-FFF2-40B4-BE49-F238E27FC236}">
-                <a16:creationId xmlns:a16="http://schemas.microsoft.com/office/drawing/2014/main" id="{B4E0BEB1-B009-47B7-B159-DE05E615E710}"/>
-              </a:ext>
-            </a:extLst>
-          </p:cNvPr>
+          <p:cNvPr id="9" name="Slide Number Placeholder 8"/>
           <p:cNvSpPr>
             <a:spLocks noGrp="1"/>
           </p:cNvSpPr>
@@ -1871,10 +1709,33 @@
           </a:p>
         </p:txBody>
       </p:sp>
+      <p:sp>
+        <p:nvSpPr>
+          <p:cNvPr id="10" name="Title 9"/>
+          <p:cNvSpPr>
+            <a:spLocks noGrp="1"/>
+          </p:cNvSpPr>
+          <p:nvPr>
+            <p:ph type="title"/>
+          </p:nvPr>
+        </p:nvSpPr>
+        <p:spPr/>
+        <p:txBody>
+          <a:bodyPr/>
+          <a:lstStyle/>
+          <a:p>
+            <a:r>
+              <a:rPr lang="en-US"/>
+              <a:t>Click to edit Master title style</a:t>
+            </a:r>
+            <a:endParaRPr lang="en-US" dirty="0"/>
+          </a:p>
+        </p:txBody>
+      </p:sp>
     </p:spTree>
     <p:extLst>
       <p:ext uri="{BB962C8B-B14F-4D97-AF65-F5344CB8AC3E}">
-        <p14:creationId xmlns:p14="http://schemas.microsoft.com/office/powerpoint/2010/main" val="2419726589"/>
+        <p14:creationId xmlns:p14="http://schemas.microsoft.com/office/powerpoint/2010/main" val="4138035477"/>
       </p:ext>
     </p:extLst>
   </p:cSld>
@@ -1903,13 +1764,7 @@
       </p:grpSpPr>
       <p:sp>
         <p:nvSpPr>
-          <p:cNvPr id="2" name="Title 1">
-            <a:extLst>
-              <a:ext uri="{FF2B5EF4-FFF2-40B4-BE49-F238E27FC236}">
-                <a16:creationId xmlns:a16="http://schemas.microsoft.com/office/drawing/2014/main" id="{1165FFCC-78CC-4E9D-A277-8230F27334A9}"/>
-              </a:ext>
-            </a:extLst>
-          </p:cNvPr>
+          <p:cNvPr id="2" name="Title 1"/>
           <p:cNvSpPr>
             <a:spLocks noGrp="1"/>
           </p:cNvSpPr>
@@ -1926,18 +1781,13 @@
               <a:rPr lang="en-US"/>
               <a:t>Click to edit Master title style</a:t>
             </a:r>
-          </a:p>
-        </p:txBody>
-      </p:sp>
-      <p:sp>
-        <p:nvSpPr>
-          <p:cNvPr id="3" name="Date Placeholder 2">
-            <a:extLst>
-              <a:ext uri="{FF2B5EF4-FFF2-40B4-BE49-F238E27FC236}">
-                <a16:creationId xmlns:a16="http://schemas.microsoft.com/office/drawing/2014/main" id="{744CEFE7-D923-48C1-B2FE-8110829C69E3}"/>
-              </a:ext>
-            </a:extLst>
-          </p:cNvPr>
+            <a:endParaRPr lang="en-US" dirty="0"/>
+          </a:p>
+        </p:txBody>
+      </p:sp>
+      <p:sp>
+        <p:nvSpPr>
+          <p:cNvPr id="3" name="Date Placeholder 2"/>
           <p:cNvSpPr>
             <a:spLocks noGrp="1"/>
           </p:cNvSpPr>
@@ -1952,7 +1802,7 @@
           <a:p>
             <a:fld id="{EED1C14C-A143-42F5-B247-D0E800131009}" type="datetimeFigureOut">
               <a:rPr lang="en-US" smtClean="0"/>
-              <a:t>8/15/2018</a:t>
+              <a:t>7/24/22</a:t>
             </a:fld>
             <a:endParaRPr lang="en-US"/>
           </a:p>
@@ -1960,13 +1810,7 @@
       </p:sp>
       <p:sp>
         <p:nvSpPr>
-          <p:cNvPr id="4" name="Footer Placeholder 3">
-            <a:extLst>
-              <a:ext uri="{FF2B5EF4-FFF2-40B4-BE49-F238E27FC236}">
-                <a16:creationId xmlns:a16="http://schemas.microsoft.com/office/drawing/2014/main" id="{A68F91C9-7841-4F7B-8F24-B5FF45B5B391}"/>
-              </a:ext>
-            </a:extLst>
-          </p:cNvPr>
+          <p:cNvPr id="4" name="Footer Placeholder 3"/>
           <p:cNvSpPr>
             <a:spLocks noGrp="1"/>
           </p:cNvSpPr>
@@ -1985,13 +1829,7 @@
       </p:sp>
       <p:sp>
         <p:nvSpPr>
-          <p:cNvPr id="5" name="Slide Number Placeholder 4">
-            <a:extLst>
-              <a:ext uri="{FF2B5EF4-FFF2-40B4-BE49-F238E27FC236}">
-                <a16:creationId xmlns:a16="http://schemas.microsoft.com/office/drawing/2014/main" id="{B8896739-CF17-4867-A5ED-317AD19F5A3B}"/>
-              </a:ext>
-            </a:extLst>
-          </p:cNvPr>
+          <p:cNvPr id="5" name="Slide Number Placeholder 4"/>
           <p:cNvSpPr>
             <a:spLocks noGrp="1"/>
           </p:cNvSpPr>
@@ -2015,7 +1853,7 @@
     </p:spTree>
     <p:extLst>
       <p:ext uri="{BB962C8B-B14F-4D97-AF65-F5344CB8AC3E}">
-        <p14:creationId xmlns:p14="http://schemas.microsoft.com/office/powerpoint/2010/main" val="953114326"/>
+        <p14:creationId xmlns:p14="http://schemas.microsoft.com/office/powerpoint/2010/main" val="2033275920"/>
       </p:ext>
     </p:extLst>
   </p:cSld>
@@ -2044,13 +1882,7 @@
       </p:grpSpPr>
       <p:sp>
         <p:nvSpPr>
-          <p:cNvPr id="2" name="Date Placeholder 1">
-            <a:extLst>
-              <a:ext uri="{FF2B5EF4-FFF2-40B4-BE49-F238E27FC236}">
-                <a16:creationId xmlns:a16="http://schemas.microsoft.com/office/drawing/2014/main" id="{94E8942B-5ECF-4556-91C2-496E4C52EF8A}"/>
-              </a:ext>
-            </a:extLst>
-          </p:cNvPr>
+          <p:cNvPr id="2" name="Date Placeholder 1"/>
           <p:cNvSpPr>
             <a:spLocks noGrp="1"/>
           </p:cNvSpPr>
@@ -2065,7 +1897,7 @@
           <a:p>
             <a:fld id="{EED1C14C-A143-42F5-B247-D0E800131009}" type="datetimeFigureOut">
               <a:rPr lang="en-US" smtClean="0"/>
-              <a:t>8/15/2018</a:t>
+              <a:t>7/24/22</a:t>
             </a:fld>
             <a:endParaRPr lang="en-US"/>
           </a:p>
@@ -2073,13 +1905,7 @@
       </p:sp>
       <p:sp>
         <p:nvSpPr>
-          <p:cNvPr id="3" name="Footer Placeholder 2">
-            <a:extLst>
-              <a:ext uri="{FF2B5EF4-FFF2-40B4-BE49-F238E27FC236}">
-                <a16:creationId xmlns:a16="http://schemas.microsoft.com/office/drawing/2014/main" id="{3E1589EF-E9AD-45F7-BFBE-6F8AD3570337}"/>
-              </a:ext>
-            </a:extLst>
-          </p:cNvPr>
+          <p:cNvPr id="3" name="Footer Placeholder 2"/>
           <p:cNvSpPr>
             <a:spLocks noGrp="1"/>
           </p:cNvSpPr>
@@ -2098,13 +1924,7 @@
       </p:sp>
       <p:sp>
         <p:nvSpPr>
-          <p:cNvPr id="4" name="Slide Number Placeholder 3">
-            <a:extLst>
-              <a:ext uri="{FF2B5EF4-FFF2-40B4-BE49-F238E27FC236}">
-                <a16:creationId xmlns:a16="http://schemas.microsoft.com/office/drawing/2014/main" id="{6E18E0FA-5424-403C-8462-1B7C301C65D8}"/>
-              </a:ext>
-            </a:extLst>
-          </p:cNvPr>
+          <p:cNvPr id="4" name="Slide Number Placeholder 3"/>
           <p:cNvSpPr>
             <a:spLocks noGrp="1"/>
           </p:cNvSpPr>
@@ -2128,7 +1948,7 @@
     </p:spTree>
     <p:extLst>
       <p:ext uri="{BB962C8B-B14F-4D97-AF65-F5344CB8AC3E}">
-        <p14:creationId xmlns:p14="http://schemas.microsoft.com/office/powerpoint/2010/main" val="4246240454"/>
+        <p14:creationId xmlns:p14="http://schemas.microsoft.com/office/powerpoint/2010/main" val="59456586"/>
       </p:ext>
     </p:extLst>
   </p:cSld>
@@ -2157,265 +1977,326 @@
       </p:grpSpPr>
       <p:sp>
         <p:nvSpPr>
-          <p:cNvPr id="2" name="Title 1">
-            <a:extLst>
-              <a:ext uri="{FF2B5EF4-FFF2-40B4-BE49-F238E27FC236}">
-                <a16:creationId xmlns:a16="http://schemas.microsoft.com/office/drawing/2014/main" id="{5AB27A56-C315-441C-9002-DFD599AED26C}"/>
-              </a:ext>
-            </a:extLst>
-          </p:cNvPr>
-          <p:cNvSpPr>
-            <a:spLocks noGrp="1"/>
-          </p:cNvSpPr>
-          <p:nvPr>
-            <p:ph type="title"/>
-          </p:nvPr>
+          <p:cNvPr id="26" name="Rectangle 25"/>
+          <p:cNvSpPr/>
+          <p:nvPr/>
         </p:nvSpPr>
         <p:spPr>
           <a:xfrm>
-            <a:off x="839788" y="457200"/>
-            <a:ext cx="3932237" cy="1600200"/>
+            <a:off x="0" y="0"/>
+            <a:ext cx="6096000" cy="6858000"/>
+          </a:xfrm>
+          <a:prstGeom prst="rect">
+            <a:avLst/>
+          </a:prstGeom>
+          <a:solidFill>
+            <a:schemeClr val="accent2"/>
+          </a:solidFill>
+          <a:ln>
+            <a:noFill/>
+          </a:ln>
+        </p:spPr>
+        <p:style>
+          <a:lnRef idx="2">
+            <a:schemeClr val="accent1">
+              <a:shade val="50000"/>
+            </a:schemeClr>
+          </a:lnRef>
+          <a:fillRef idx="1">
+            <a:schemeClr val="accent1"/>
+          </a:fillRef>
+          <a:effectRef idx="0">
+            <a:schemeClr val="accent1"/>
+          </a:effectRef>
+          <a:fontRef idx="minor">
+            <a:schemeClr val="lt1"/>
+          </a:fontRef>
+        </p:style>
+      </p:sp>
+      <p:sp>
+        <p:nvSpPr>
+          <p:cNvPr id="2" name="Title 1"/>
+          <p:cNvSpPr>
+            <a:spLocks noGrp="1"/>
+          </p:cNvSpPr>
+          <p:nvPr>
+            <p:ph type="title"/>
+          </p:nvPr>
+        </p:nvSpPr>
+        <p:spPr bwMode="blackWhite">
+          <a:xfrm>
+            <a:off x="804672" y="2243828"/>
+            <a:ext cx="4486656" cy="1141497"/>
+          </a:xfrm>
+          <a:solidFill>
+            <a:srgbClr val="FFFFFF"/>
+          </a:solidFill>
+          <a:ln>
+            <a:solidFill>
+              <a:srgbClr val="404040"/>
+            </a:solidFill>
+          </a:ln>
+        </p:spPr>
+        <p:txBody>
+          <a:bodyPr anchor="ctr" anchorCtr="1">
+            <a:normAutofit/>
+          </a:bodyPr>
+          <a:lstStyle>
+            <a:lvl1pPr>
+              <a:defRPr sz="2200">
+                <a:solidFill>
+                  <a:srgbClr val="262626"/>
+                </a:solidFill>
+              </a:defRPr>
+            </a:lvl1pPr>
+          </a:lstStyle>
+          <a:p>
+            <a:r>
+              <a:rPr lang="en-US"/>
+              <a:t>Click to edit Master title style</a:t>
+            </a:r>
+            <a:endParaRPr lang="en-US" dirty="0"/>
+          </a:p>
+        </p:txBody>
+      </p:sp>
+      <p:sp>
+        <p:nvSpPr>
+          <p:cNvPr id="3" name="Content Placeholder 2"/>
+          <p:cNvSpPr>
+            <a:spLocks noGrp="1"/>
+          </p:cNvSpPr>
+          <p:nvPr>
+            <p:ph idx="1"/>
+          </p:nvPr>
+        </p:nvSpPr>
+        <p:spPr>
+          <a:xfrm>
+            <a:off x="6736080" y="804672"/>
+            <a:ext cx="4815840" cy="5248656"/>
           </a:xfrm>
         </p:spPr>
         <p:txBody>
-          <a:bodyPr anchor="b"/>
+          <a:bodyPr>
+            <a:normAutofit/>
+          </a:bodyPr>
           <a:lstStyle>
             <a:lvl1pPr>
-              <a:defRPr sz="3200"/>
+              <a:defRPr sz="1900">
+                <a:solidFill>
+                  <a:schemeClr val="tx1"/>
+                </a:solidFill>
+              </a:defRPr>
             </a:lvl1pPr>
+            <a:lvl2pPr>
+              <a:defRPr sz="1600">
+                <a:solidFill>
+                  <a:schemeClr val="tx1"/>
+                </a:solidFill>
+              </a:defRPr>
+            </a:lvl2pPr>
+            <a:lvl3pPr>
+              <a:defRPr sz="1600">
+                <a:solidFill>
+                  <a:schemeClr val="tx1"/>
+                </a:solidFill>
+              </a:defRPr>
+            </a:lvl3pPr>
+            <a:lvl4pPr>
+              <a:defRPr sz="1600">
+                <a:solidFill>
+                  <a:schemeClr val="tx1"/>
+                </a:solidFill>
+              </a:defRPr>
+            </a:lvl4pPr>
+            <a:lvl5pPr>
+              <a:defRPr sz="1600">
+                <a:solidFill>
+                  <a:schemeClr val="tx1"/>
+                </a:solidFill>
+              </a:defRPr>
+            </a:lvl5pPr>
+            <a:lvl6pPr>
+              <a:defRPr sz="1600"/>
+            </a:lvl6pPr>
+            <a:lvl7pPr>
+              <a:defRPr sz="1600"/>
+            </a:lvl7pPr>
+            <a:lvl8pPr>
+              <a:defRPr sz="1600"/>
+            </a:lvl8pPr>
+            <a:lvl9pPr>
+              <a:defRPr sz="1600"/>
+            </a:lvl9pPr>
           </a:lstStyle>
           <a:p>
-            <a:r>
-              <a:rPr lang="en-US"/>
-              <a:t>Click to edit Master title style</a:t>
-            </a:r>
-          </a:p>
-        </p:txBody>
-      </p:sp>
-      <p:sp>
-        <p:nvSpPr>
-          <p:cNvPr id="3" name="Content Placeholder 2">
-            <a:extLst>
-              <a:ext uri="{FF2B5EF4-FFF2-40B4-BE49-F238E27FC236}">
-                <a16:creationId xmlns:a16="http://schemas.microsoft.com/office/drawing/2014/main" id="{C9F57D9A-8037-4B31-951B-4675ADA69390}"/>
-              </a:ext>
-            </a:extLst>
-          </p:cNvPr>
-          <p:cNvSpPr>
-            <a:spLocks noGrp="1"/>
-          </p:cNvSpPr>
-          <p:nvPr>
-            <p:ph idx="1"/>
+            <a:pPr lvl="0"/>
+            <a:r>
+              <a:rPr lang="en-US"/>
+              <a:t>Click to edit Master text styles</a:t>
+            </a:r>
+          </a:p>
+          <a:p>
+            <a:pPr lvl="1"/>
+            <a:r>
+              <a:rPr lang="en-US"/>
+              <a:t>Second level</a:t>
+            </a:r>
+          </a:p>
+          <a:p>
+            <a:pPr lvl="2"/>
+            <a:r>
+              <a:rPr lang="en-US"/>
+              <a:t>Third level</a:t>
+            </a:r>
+          </a:p>
+          <a:p>
+            <a:pPr lvl="3"/>
+            <a:r>
+              <a:rPr lang="en-US"/>
+              <a:t>Fourth level</a:t>
+            </a:r>
+          </a:p>
+          <a:p>
+            <a:pPr lvl="4"/>
+            <a:r>
+              <a:rPr lang="en-US"/>
+              <a:t>Fifth level</a:t>
+            </a:r>
+            <a:endParaRPr lang="en-US" dirty="0"/>
+          </a:p>
+        </p:txBody>
+      </p:sp>
+      <p:sp>
+        <p:nvSpPr>
+          <p:cNvPr id="4" name="Text Placeholder 3"/>
+          <p:cNvSpPr>
+            <a:spLocks noGrp="1"/>
+          </p:cNvSpPr>
+          <p:nvPr>
+            <p:ph type="body" sz="half" idx="2"/>
           </p:nvPr>
         </p:nvSpPr>
         <p:spPr>
           <a:xfrm>
-            <a:off x="5183188" y="987425"/>
-            <a:ext cx="6172200" cy="4873625"/>
+            <a:off x="1115568" y="3549918"/>
+            <a:ext cx="3794760" cy="2194036"/>
+          </a:xfrm>
+        </p:spPr>
+        <p:txBody>
+          <a:bodyPr anchor="t" anchorCtr="1">
+            <a:normAutofit/>
+          </a:bodyPr>
+          <a:lstStyle>
+            <a:lvl1pPr marL="0" indent="0" algn="ctr">
+              <a:buNone/>
+              <a:defRPr sz="1500">
+                <a:solidFill>
+                  <a:srgbClr val="FFFFFF"/>
+                </a:solidFill>
+              </a:defRPr>
+            </a:lvl1pPr>
+            <a:lvl2pPr marL="457200" indent="0">
+              <a:buNone/>
+              <a:defRPr sz="1400"/>
+            </a:lvl2pPr>
+            <a:lvl3pPr marL="914400" indent="0">
+              <a:buNone/>
+              <a:defRPr sz="1200"/>
+            </a:lvl3pPr>
+            <a:lvl4pPr marL="1371600" indent="0">
+              <a:buNone/>
+              <a:defRPr sz="1000"/>
+            </a:lvl4pPr>
+            <a:lvl5pPr marL="1828800" indent="0">
+              <a:buNone/>
+              <a:defRPr sz="1000"/>
+            </a:lvl5pPr>
+            <a:lvl6pPr marL="2286000" indent="0">
+              <a:buNone/>
+              <a:defRPr sz="1000"/>
+            </a:lvl6pPr>
+            <a:lvl7pPr marL="2743200" indent="0">
+              <a:buNone/>
+              <a:defRPr sz="1000"/>
+            </a:lvl7pPr>
+            <a:lvl8pPr marL="3200400" indent="0">
+              <a:buNone/>
+              <a:defRPr sz="1000"/>
+            </a:lvl8pPr>
+            <a:lvl9pPr marL="3657600" indent="0">
+              <a:buNone/>
+              <a:defRPr sz="1000"/>
+            </a:lvl9pPr>
+          </a:lstStyle>
+          <a:p>
+            <a:pPr lvl="0"/>
+            <a:r>
+              <a:rPr lang="en-US"/>
+              <a:t>Click to edit Master text styles</a:t>
+            </a:r>
+          </a:p>
+        </p:txBody>
+      </p:sp>
+      <p:sp>
+        <p:nvSpPr>
+          <p:cNvPr id="9" name="Date Placeholder 8"/>
+          <p:cNvSpPr>
+            <a:spLocks noGrp="1"/>
+          </p:cNvSpPr>
+          <p:nvPr>
+            <p:ph type="dt" sz="half" idx="10"/>
+          </p:nvPr>
+        </p:nvSpPr>
+        <p:spPr/>
+        <p:txBody>
+          <a:bodyPr/>
+          <a:lstStyle/>
+          <a:p>
+            <a:fld id="{EED1C14C-A143-42F5-B247-D0E800131009}" type="datetimeFigureOut">
+              <a:rPr lang="en-US" smtClean="0"/>
+              <a:t>7/24/22</a:t>
+            </a:fld>
+            <a:endParaRPr lang="en-US"/>
+          </a:p>
+        </p:txBody>
+      </p:sp>
+      <p:sp>
+        <p:nvSpPr>
+          <p:cNvPr id="10" name="Footer Placeholder 9"/>
+          <p:cNvSpPr>
+            <a:spLocks noGrp="1"/>
+          </p:cNvSpPr>
+          <p:nvPr>
+            <p:ph type="ftr" sz="quarter" idx="11"/>
+          </p:nvPr>
+        </p:nvSpPr>
+        <p:spPr>
+          <a:xfrm>
+            <a:off x="804672" y="6236208"/>
+            <a:ext cx="5124797" cy="320040"/>
           </a:xfrm>
         </p:spPr>
         <p:txBody>
           <a:bodyPr/>
           <a:lstStyle>
             <a:lvl1pPr>
-              <a:defRPr sz="3200"/>
+              <a:defRPr>
+                <a:solidFill>
+                  <a:srgbClr val="FFFFFF">
+                    <a:alpha val="70000"/>
+                  </a:srgbClr>
+                </a:solidFill>
+              </a:defRPr>
             </a:lvl1pPr>
-            <a:lvl2pPr>
-              <a:defRPr sz="2800"/>
-            </a:lvl2pPr>
-            <a:lvl3pPr>
-              <a:defRPr sz="2400"/>
-            </a:lvl3pPr>
-            <a:lvl4pPr>
-              <a:defRPr sz="2000"/>
-            </a:lvl4pPr>
-            <a:lvl5pPr>
-              <a:defRPr sz="2000"/>
-            </a:lvl5pPr>
-            <a:lvl6pPr>
-              <a:defRPr sz="2000"/>
-            </a:lvl6pPr>
-            <a:lvl7pPr>
-              <a:defRPr sz="2000"/>
-            </a:lvl7pPr>
-            <a:lvl8pPr>
-              <a:defRPr sz="2000"/>
-            </a:lvl8pPr>
-            <a:lvl9pPr>
-              <a:defRPr sz="2000"/>
-            </a:lvl9pPr>
           </a:lstStyle>
           <a:p>
-            <a:pPr lvl="0"/>
-            <a:r>
-              <a:rPr lang="en-US"/>
-              <a:t>Edit Master text styles</a:t>
-            </a:r>
-          </a:p>
-          <a:p>
-            <a:pPr lvl="1"/>
-            <a:r>
-              <a:rPr lang="en-US"/>
-              <a:t>Second level</a:t>
-            </a:r>
-          </a:p>
-          <a:p>
-            <a:pPr lvl="2"/>
-            <a:r>
-              <a:rPr lang="en-US"/>
-              <a:t>Third level</a:t>
-            </a:r>
-          </a:p>
-          <a:p>
-            <a:pPr lvl="3"/>
-            <a:r>
-              <a:rPr lang="en-US"/>
-              <a:t>Fourth level</a:t>
-            </a:r>
-          </a:p>
-          <a:p>
-            <a:pPr lvl="4"/>
-            <a:r>
-              <a:rPr lang="en-US"/>
-              <a:t>Fifth level</a:t>
-            </a:r>
-          </a:p>
-        </p:txBody>
-      </p:sp>
-      <p:sp>
-        <p:nvSpPr>
-          <p:cNvPr id="4" name="Text Placeholder 3">
-            <a:extLst>
-              <a:ext uri="{FF2B5EF4-FFF2-40B4-BE49-F238E27FC236}">
-                <a16:creationId xmlns:a16="http://schemas.microsoft.com/office/drawing/2014/main" id="{2763141B-5121-4179-B3F6-529569122247}"/>
-              </a:ext>
-            </a:extLst>
-          </p:cNvPr>
-          <p:cNvSpPr>
-            <a:spLocks noGrp="1"/>
-          </p:cNvSpPr>
-          <p:nvPr>
-            <p:ph type="body" sz="half" idx="2"/>
-          </p:nvPr>
-        </p:nvSpPr>
-        <p:spPr>
-          <a:xfrm>
-            <a:off x="839788" y="2057400"/>
-            <a:ext cx="3932237" cy="3811588"/>
-          </a:xfrm>
-        </p:spPr>
-        <p:txBody>
-          <a:bodyPr/>
-          <a:lstStyle>
-            <a:lvl1pPr marL="0" indent="0">
-              <a:buNone/>
-              <a:defRPr sz="1600"/>
-            </a:lvl1pPr>
-            <a:lvl2pPr marL="457200" indent="0">
-              <a:buNone/>
-              <a:defRPr sz="1400"/>
-            </a:lvl2pPr>
-            <a:lvl3pPr marL="914400" indent="0">
-              <a:buNone/>
-              <a:defRPr sz="1200"/>
-            </a:lvl3pPr>
-            <a:lvl4pPr marL="1371600" indent="0">
-              <a:buNone/>
-              <a:defRPr sz="1000"/>
-            </a:lvl4pPr>
-            <a:lvl5pPr marL="1828800" indent="0">
-              <a:buNone/>
-              <a:defRPr sz="1000"/>
-            </a:lvl5pPr>
-            <a:lvl6pPr marL="2286000" indent="0">
-              <a:buNone/>
-              <a:defRPr sz="1000"/>
-            </a:lvl6pPr>
-            <a:lvl7pPr marL="2743200" indent="0">
-              <a:buNone/>
-              <a:defRPr sz="1000"/>
-            </a:lvl7pPr>
-            <a:lvl8pPr marL="3200400" indent="0">
-              <a:buNone/>
-              <a:defRPr sz="1000"/>
-            </a:lvl8pPr>
-            <a:lvl9pPr marL="3657600" indent="0">
-              <a:buNone/>
-              <a:defRPr sz="1000"/>
-            </a:lvl9pPr>
-          </a:lstStyle>
-          <a:p>
-            <a:pPr lvl="0"/>
-            <a:r>
-              <a:rPr lang="en-US"/>
-              <a:t>Edit Master text styles</a:t>
-            </a:r>
-          </a:p>
-        </p:txBody>
-      </p:sp>
-      <p:sp>
-        <p:nvSpPr>
-          <p:cNvPr id="5" name="Date Placeholder 4">
-            <a:extLst>
-              <a:ext uri="{FF2B5EF4-FFF2-40B4-BE49-F238E27FC236}">
-                <a16:creationId xmlns:a16="http://schemas.microsoft.com/office/drawing/2014/main" id="{AA60C32E-3427-4696-A55A-56886EA24AEB}"/>
-              </a:ext>
-            </a:extLst>
-          </p:cNvPr>
-          <p:cNvSpPr>
-            <a:spLocks noGrp="1"/>
-          </p:cNvSpPr>
-          <p:nvPr>
-            <p:ph type="dt" sz="half" idx="10"/>
-          </p:nvPr>
-        </p:nvSpPr>
-        <p:spPr/>
-        <p:txBody>
-          <a:bodyPr/>
-          <a:lstStyle/>
-          <a:p>
-            <a:fld id="{EED1C14C-A143-42F5-B247-D0E800131009}" type="datetimeFigureOut">
-              <a:rPr lang="en-US" smtClean="0"/>
-              <a:t>8/15/2018</a:t>
-            </a:fld>
             <a:endParaRPr lang="en-US"/>
           </a:p>
         </p:txBody>
       </p:sp>
       <p:sp>
         <p:nvSpPr>
-          <p:cNvPr id="6" name="Footer Placeholder 5">
-            <a:extLst>
-              <a:ext uri="{FF2B5EF4-FFF2-40B4-BE49-F238E27FC236}">
-                <a16:creationId xmlns:a16="http://schemas.microsoft.com/office/drawing/2014/main" id="{7DDFE526-7D20-4EC0-9624-E779812957B3}"/>
-              </a:ext>
-            </a:extLst>
-          </p:cNvPr>
-          <p:cNvSpPr>
-            <a:spLocks noGrp="1"/>
-          </p:cNvSpPr>
-          <p:nvPr>
-            <p:ph type="ftr" sz="quarter" idx="11"/>
-          </p:nvPr>
-        </p:nvSpPr>
-        <p:spPr/>
-        <p:txBody>
-          <a:bodyPr/>
-          <a:lstStyle/>
-          <a:p>
-            <a:endParaRPr lang="en-US"/>
-          </a:p>
-        </p:txBody>
-      </p:sp>
-      <p:sp>
-        <p:nvSpPr>
-          <p:cNvPr id="7" name="Slide Number Placeholder 6">
-            <a:extLst>
-              <a:ext uri="{FF2B5EF4-FFF2-40B4-BE49-F238E27FC236}">
-                <a16:creationId xmlns:a16="http://schemas.microsoft.com/office/drawing/2014/main" id="{C7AA82D7-E462-4060-85D6-85CF55540155}"/>
-              </a:ext>
-            </a:extLst>
-          </p:cNvPr>
+          <p:cNvPr id="11" name="Slide Number Placeholder 10"/>
           <p:cNvSpPr>
             <a:spLocks noGrp="1"/>
           </p:cNvSpPr>
@@ -2439,7 +2320,7 @@
     </p:spTree>
     <p:extLst>
       <p:ext uri="{BB962C8B-B14F-4D97-AF65-F5344CB8AC3E}">
-        <p14:creationId xmlns:p14="http://schemas.microsoft.com/office/powerpoint/2010/main" val="3830305192"/>
+        <p14:creationId xmlns:p14="http://schemas.microsoft.com/office/powerpoint/2010/main" val="3198481372"/>
       </p:ext>
     </p:extLst>
   </p:cSld>
@@ -2468,31 +2349,77 @@
       </p:grpSpPr>
       <p:sp>
         <p:nvSpPr>
-          <p:cNvPr id="2" name="Title 1">
-            <a:extLst>
-              <a:ext uri="{FF2B5EF4-FFF2-40B4-BE49-F238E27FC236}">
-                <a16:creationId xmlns:a16="http://schemas.microsoft.com/office/drawing/2014/main" id="{AE5E919B-BF68-4590-8CA9-A51BAC0F750F}"/>
-              </a:ext>
-            </a:extLst>
-          </p:cNvPr>
-          <p:cNvSpPr>
-            <a:spLocks noGrp="1"/>
-          </p:cNvSpPr>
-          <p:nvPr>
-            <p:ph type="title"/>
-          </p:nvPr>
+          <p:cNvPr id="18" name="Rectangle 17"/>
+          <p:cNvSpPr/>
+          <p:nvPr/>
         </p:nvSpPr>
         <p:spPr>
           <a:xfrm>
-            <a:off x="839788" y="457200"/>
-            <a:ext cx="3932237" cy="1600200"/>
+            <a:off x="0" y="0"/>
+            <a:ext cx="6095999" cy="6858000"/>
           </a:xfrm>
+          <a:prstGeom prst="rect">
+            <a:avLst/>
+          </a:prstGeom>
+          <a:solidFill>
+            <a:schemeClr val="accent2"/>
+          </a:solidFill>
+          <a:ln>
+            <a:noFill/>
+          </a:ln>
         </p:spPr>
-        <p:txBody>
-          <a:bodyPr anchor="b"/>
+        <p:style>
+          <a:lnRef idx="2">
+            <a:schemeClr val="accent1">
+              <a:shade val="50000"/>
+            </a:schemeClr>
+          </a:lnRef>
+          <a:fillRef idx="1">
+            <a:schemeClr val="accent1"/>
+          </a:fillRef>
+          <a:effectRef idx="0">
+            <a:schemeClr val="accent1"/>
+          </a:effectRef>
+          <a:fontRef idx="minor">
+            <a:schemeClr val="lt1"/>
+          </a:fontRef>
+        </p:style>
+      </p:sp>
+      <p:sp>
+        <p:nvSpPr>
+          <p:cNvPr id="2" name="Title 1"/>
+          <p:cNvSpPr>
+            <a:spLocks noGrp="1"/>
+          </p:cNvSpPr>
+          <p:nvPr>
+            <p:ph type="title"/>
+          </p:nvPr>
+        </p:nvSpPr>
+        <p:spPr bwMode="blackWhite">
+          <a:xfrm>
+            <a:off x="808523" y="2243828"/>
+            <a:ext cx="4494998" cy="1134640"/>
+          </a:xfrm>
+          <a:solidFill>
+            <a:srgbClr val="FFFFFF"/>
+          </a:solidFill>
+          <a:ln>
+            <a:solidFill>
+              <a:srgbClr val="404040"/>
+            </a:solidFill>
+          </a:ln>
+        </p:spPr>
+        <p:txBody>
+          <a:bodyPr anchor="ctr" anchorCtr="1">
+            <a:noAutofit/>
+          </a:bodyPr>
           <a:lstStyle>
             <a:lvl1pPr>
-              <a:defRPr sz="3200"/>
+              <a:defRPr sz="2200">
+                <a:solidFill>
+                  <a:srgbClr val="262626"/>
+                </a:solidFill>
+              </a:defRPr>
             </a:lvl1pPr>
           </a:lstStyle>
           <a:p>
@@ -2500,20 +2427,15 @@
               <a:rPr lang="en-US"/>
               <a:t>Click to edit Master title style</a:t>
             </a:r>
-          </a:p>
-        </p:txBody>
-      </p:sp>
-      <p:sp>
-        <p:nvSpPr>
-          <p:cNvPr id="3" name="Picture Placeholder 2">
-            <a:extLst>
-              <a:ext uri="{FF2B5EF4-FFF2-40B4-BE49-F238E27FC236}">
-                <a16:creationId xmlns:a16="http://schemas.microsoft.com/office/drawing/2014/main" id="{A04BC1AA-5C68-47DC-BBF0-1E309865E5AF}"/>
-              </a:ext>
-            </a:extLst>
-          </p:cNvPr>
-          <p:cNvSpPr>
-            <a:spLocks noGrp="1"/>
+            <a:endParaRPr lang="en-US" dirty="0"/>
+          </a:p>
+        </p:txBody>
+      </p:sp>
+      <p:sp>
+        <p:nvSpPr>
+          <p:cNvPr id="3" name="Picture Placeholder 2"/>
+          <p:cNvSpPr>
+            <a:spLocks noGrp="1" noChangeAspect="1"/>
           </p:cNvSpPr>
           <p:nvPr>
             <p:ph type="pic" idx="1"/>
@@ -2521,16 +2443,28 @@
         </p:nvSpPr>
         <p:spPr>
           <a:xfrm>
-            <a:off x="5183188" y="987425"/>
-            <a:ext cx="6172200" cy="4873625"/>
+            <a:off x="6095999" y="0"/>
+            <a:ext cx="6102097" cy="6858000"/>
           </a:xfrm>
+          <a:solidFill>
+            <a:schemeClr val="bg1">
+              <a:lumMod val="75000"/>
+            </a:schemeClr>
+          </a:solidFill>
         </p:spPr>
         <p:txBody>
-          <a:bodyPr/>
+          <a:bodyPr anchor="t"/>
           <a:lstStyle>
             <a:lvl1pPr marL="0" indent="0">
               <a:buNone/>
-              <a:defRPr sz="3200"/>
+              <a:defRPr sz="3200">
+                <a:solidFill>
+                  <a:schemeClr val="bg1">
+                    <a:lumMod val="85000"/>
+                    <a:lumOff val="15000"/>
+                  </a:schemeClr>
+                </a:solidFill>
+              </a:defRPr>
             </a:lvl1pPr>
             <a:lvl2pPr marL="457200" indent="0">
               <a:buNone/>
@@ -2566,19 +2500,17 @@
             </a:lvl9pPr>
           </a:lstStyle>
           <a:p>
-            <a:endParaRPr lang="en-US"/>
-          </a:p>
-        </p:txBody>
-      </p:sp>
-      <p:sp>
-        <p:nvSpPr>
-          <p:cNvPr id="4" name="Text Placeholder 3">
-            <a:extLst>
-              <a:ext uri="{FF2B5EF4-FFF2-40B4-BE49-F238E27FC236}">
-                <a16:creationId xmlns:a16="http://schemas.microsoft.com/office/drawing/2014/main" id="{0F81A636-7F9C-43EC-B2F2-6FB3323CB79E}"/>
-              </a:ext>
-            </a:extLst>
-          </p:cNvPr>
+            <a:r>
+              <a:rPr lang="en-US"/>
+              <a:t>Click icon to add picture</a:t>
+            </a:r>
+            <a:endParaRPr lang="en-US" dirty="0"/>
+          </a:p>
+        </p:txBody>
+      </p:sp>
+      <p:sp>
+        <p:nvSpPr>
+          <p:cNvPr id="4" name="Text Placeholder 3"/>
           <p:cNvSpPr>
             <a:spLocks noGrp="1"/>
           </p:cNvSpPr>
@@ -2588,16 +2520,22 @@
         </p:nvSpPr>
         <p:spPr>
           <a:xfrm>
-            <a:off x="839788" y="2057400"/>
-            <a:ext cx="3932237" cy="3811588"/>
+            <a:off x="1115568" y="3549918"/>
+            <a:ext cx="3794760" cy="2194037"/>
           </a:xfrm>
         </p:spPr>
         <p:txBody>
-          <a:bodyPr/>
+          <a:bodyPr anchor="t" anchorCtr="1">
+            <a:normAutofit/>
+          </a:bodyPr>
           <a:lstStyle>
-            <a:lvl1pPr marL="0" indent="0">
-              <a:buNone/>
-              <a:defRPr sz="1600"/>
+            <a:lvl1pPr marL="0" indent="0" algn="ctr">
+              <a:buNone/>
+              <a:defRPr sz="1500">
+                <a:solidFill>
+                  <a:srgbClr val="FFFFFF"/>
+                </a:solidFill>
+              </a:defRPr>
             </a:lvl1pPr>
             <a:lvl2pPr marL="457200" indent="0">
               <a:buNone/>
@@ -2636,20 +2574,14 @@
             <a:pPr lvl="0"/>
             <a:r>
               <a:rPr lang="en-US"/>
-              <a:t>Edit Master text styles</a:t>
-            </a:r>
-          </a:p>
-        </p:txBody>
-      </p:sp>
-      <p:sp>
-        <p:nvSpPr>
-          <p:cNvPr id="5" name="Date Placeholder 4">
-            <a:extLst>
-              <a:ext uri="{FF2B5EF4-FFF2-40B4-BE49-F238E27FC236}">
-                <a16:creationId xmlns:a16="http://schemas.microsoft.com/office/drawing/2014/main" id="{7D19410E-A050-4AA2-BC89-EF52EB1C34F6}"/>
-              </a:ext>
-            </a:extLst>
-          </p:cNvPr>
+              <a:t>Click to edit Master text styles</a:t>
+            </a:r>
+          </a:p>
+        </p:txBody>
+      </p:sp>
+      <p:sp>
+        <p:nvSpPr>
+          <p:cNvPr id="8" name="Date Placeholder 7"/>
           <p:cNvSpPr>
             <a:spLocks noGrp="1"/>
           </p:cNvSpPr>
@@ -2660,11 +2592,26 @@
         <p:spPr/>
         <p:txBody>
           <a:bodyPr/>
-          <a:lstStyle/>
+          <a:lstStyle>
+            <a:lvl1pPr>
+              <a:defRPr>
+                <a:solidFill>
+                  <a:srgbClr val="FFFFFF"/>
+                </a:solidFill>
+                <a:effectLst>
+                  <a:outerShdw blurRad="50800" dist="38100" dir="2700000" algn="tl" rotWithShape="0">
+                    <a:prstClr val="black">
+                      <a:alpha val="43000"/>
+                    </a:prstClr>
+                  </a:outerShdw>
+                </a:effectLst>
+              </a:defRPr>
+            </a:lvl1pPr>
+          </a:lstStyle>
           <a:p>
             <a:fld id="{EED1C14C-A143-42F5-B247-D0E800131009}" type="datetimeFigureOut">
               <a:rPr lang="en-US" smtClean="0"/>
-              <a:t>8/15/2018</a:t>
+              <a:t>7/24/22</a:t>
             </a:fld>
             <a:endParaRPr lang="en-US"/>
           </a:p>
@@ -2672,13 +2619,7 @@
       </p:sp>
       <p:sp>
         <p:nvSpPr>
-          <p:cNvPr id="6" name="Footer Placeholder 5">
-            <a:extLst>
-              <a:ext uri="{FF2B5EF4-FFF2-40B4-BE49-F238E27FC236}">
-                <a16:creationId xmlns:a16="http://schemas.microsoft.com/office/drawing/2014/main" id="{B0C23AB0-18A5-4589-926D-C00F68CFEA43}"/>
-              </a:ext>
-            </a:extLst>
-          </p:cNvPr>
+          <p:cNvPr id="9" name="Footer Placeholder 8"/>
           <p:cNvSpPr>
             <a:spLocks noGrp="1"/>
           </p:cNvSpPr>
@@ -2686,10 +2627,25 @@
             <p:ph type="ftr" sz="quarter" idx="11"/>
           </p:nvPr>
         </p:nvSpPr>
-        <p:spPr/>
+        <p:spPr>
+          <a:xfrm>
+            <a:off x="804672" y="6236208"/>
+            <a:ext cx="5124797" cy="320040"/>
+          </a:xfrm>
+        </p:spPr>
         <p:txBody>
           <a:bodyPr/>
-          <a:lstStyle/>
+          <a:lstStyle>
+            <a:lvl1pPr>
+              <a:defRPr>
+                <a:solidFill>
+                  <a:srgbClr val="FFFFFF">
+                    <a:alpha val="70000"/>
+                  </a:srgbClr>
+                </a:solidFill>
+              </a:defRPr>
+            </a:lvl1pPr>
+          </a:lstStyle>
           <a:p>
             <a:endParaRPr lang="en-US"/>
           </a:p>
@@ -2697,13 +2653,7 @@
       </p:sp>
       <p:sp>
         <p:nvSpPr>
-          <p:cNvPr id="7" name="Slide Number Placeholder 6">
-            <a:extLst>
-              <a:ext uri="{FF2B5EF4-FFF2-40B4-BE49-F238E27FC236}">
-                <a16:creationId xmlns:a16="http://schemas.microsoft.com/office/drawing/2014/main" id="{8754EE52-EECA-4C6E-83E9-6382044D356C}"/>
-              </a:ext>
-            </a:extLst>
-          </p:cNvPr>
+          <p:cNvPr id="10" name="Slide Number Placeholder 9"/>
           <p:cNvSpPr>
             <a:spLocks noGrp="1"/>
           </p:cNvSpPr>
@@ -2727,7 +2677,7 @@
     </p:spTree>
     <p:extLst>
       <p:ext uri="{BB962C8B-B14F-4D97-AF65-F5344CB8AC3E}">
-        <p14:creationId xmlns:p14="http://schemas.microsoft.com/office/powerpoint/2010/main" val="1609688846"/>
+        <p14:creationId xmlns:p14="http://schemas.microsoft.com/office/powerpoint/2010/main" val="2058183037"/>
       </p:ext>
     </p:extLst>
   </p:cSld>
@@ -2741,9 +2691,14 @@
 <p:sldMaster xmlns:a="http://schemas.openxmlformats.org/drawingml/2006/main" xmlns:r="http://schemas.openxmlformats.org/officeDocument/2006/relationships" xmlns:p="http://schemas.openxmlformats.org/presentationml/2006/main">
   <p:cSld>
     <p:bg>
-      <p:bgRef idx="1001">
-        <a:schemeClr val="bg1"/>
-      </p:bgRef>
+      <p:bgPr>
+        <a:solidFill>
+          <a:schemeClr val="bg1">
+            <a:lumMod val="95000"/>
+          </a:schemeClr>
+        </a:solidFill>
+        <a:effectLst/>
+      </p:bgPr>
     </p:bg>
     <p:spTree>
       <p:nvGrpSpPr>
@@ -2761,129 +2716,163 @@
       </p:grpSpPr>
       <p:sp>
         <p:nvSpPr>
-          <p:cNvPr id="2" name="Title Placeholder 1">
-            <a:extLst>
-              <a:ext uri="{FF2B5EF4-FFF2-40B4-BE49-F238E27FC236}">
-                <a16:creationId xmlns:a16="http://schemas.microsoft.com/office/drawing/2014/main" id="{BC3F6010-77C4-45FE-968C-712199A58514}"/>
-              </a:ext>
-            </a:extLst>
-          </p:cNvPr>
+          <p:cNvPr id="2" name="Title Placeholder 1"/>
           <p:cNvSpPr>
             <a:spLocks noGrp="1"/>
           </p:cNvSpPr>
           <p:nvPr>
             <p:ph type="title"/>
+          </p:nvPr>
+        </p:nvSpPr>
+        <p:spPr bwMode="black">
+          <a:xfrm>
+            <a:off x="2231136" y="964692"/>
+            <a:ext cx="7729728" cy="1188720"/>
+          </a:xfrm>
+          <a:prstGeom prst="rect">
+            <a:avLst/>
+          </a:prstGeom>
+          <a:solidFill>
+            <a:srgbClr val="FFFFFF"/>
+          </a:solidFill>
+          <a:ln w="31750" cap="sq">
+            <a:solidFill>
+              <a:srgbClr val="404040"/>
+            </a:solidFill>
+            <a:miter lim="800000"/>
+          </a:ln>
+        </p:spPr>
+        <p:txBody>
+          <a:bodyPr vert="horz" lIns="182880" tIns="182880" rIns="182880" bIns="182880" rtlCol="0" anchor="ctr">
+            <a:normAutofit/>
+          </a:bodyPr>
+          <a:lstStyle/>
+          <a:p>
+            <a:r>
+              <a:rPr lang="en-US"/>
+              <a:t>Click to edit Master title style</a:t>
+            </a:r>
+            <a:endParaRPr lang="en-US" dirty="0"/>
+          </a:p>
+        </p:txBody>
+      </p:sp>
+      <p:sp>
+        <p:nvSpPr>
+          <p:cNvPr id="3" name="Text Placeholder 2"/>
+          <p:cNvSpPr>
+            <a:spLocks noGrp="1"/>
+          </p:cNvSpPr>
+          <p:nvPr>
+            <p:ph type="body" idx="1"/>
           </p:nvPr>
         </p:nvSpPr>
         <p:spPr>
           <a:xfrm>
-            <a:off x="838200" y="365125"/>
-            <a:ext cx="10515600" cy="1325563"/>
+            <a:off x="2231136" y="2638044"/>
+            <a:ext cx="7729728" cy="3101983"/>
           </a:xfrm>
           <a:prstGeom prst="rect">
             <a:avLst/>
           </a:prstGeom>
         </p:spPr>
         <p:txBody>
-          <a:bodyPr vert="horz" lIns="91440" tIns="45720" rIns="91440" bIns="45720" rtlCol="0" anchor="ctr">
+          <a:bodyPr vert="horz" lIns="91440" tIns="45720" rIns="91440" bIns="45720" rtlCol="0">
             <a:normAutofit/>
           </a:bodyPr>
           <a:lstStyle/>
           <a:p>
-            <a:r>
-              <a:rPr lang="en-US"/>
-              <a:t>Click to edit Master title style</a:t>
-            </a:r>
-          </a:p>
-        </p:txBody>
-      </p:sp>
-      <p:sp>
-        <p:nvSpPr>
-          <p:cNvPr id="3" name="Text Placeholder 2">
-            <a:extLst>
-              <a:ext uri="{FF2B5EF4-FFF2-40B4-BE49-F238E27FC236}">
-                <a16:creationId xmlns:a16="http://schemas.microsoft.com/office/drawing/2014/main" id="{B19B1B2C-5D5F-46D9-92F5-ECDF2816A1FB}"/>
-              </a:ext>
-            </a:extLst>
-          </p:cNvPr>
-          <p:cNvSpPr>
-            <a:spLocks noGrp="1"/>
-          </p:cNvSpPr>
-          <p:nvPr>
-            <p:ph type="body" idx="1"/>
+            <a:pPr lvl="0"/>
+            <a:r>
+              <a:rPr lang="en-US"/>
+              <a:t>Click to edit Master text styles</a:t>
+            </a:r>
+          </a:p>
+          <a:p>
+            <a:pPr lvl="1"/>
+            <a:r>
+              <a:rPr lang="en-US"/>
+              <a:t>Second level</a:t>
+            </a:r>
+          </a:p>
+          <a:p>
+            <a:pPr lvl="2"/>
+            <a:r>
+              <a:rPr lang="en-US"/>
+              <a:t>Third level</a:t>
+            </a:r>
+          </a:p>
+          <a:p>
+            <a:pPr lvl="3"/>
+            <a:r>
+              <a:rPr lang="en-US"/>
+              <a:t>Fourth level</a:t>
+            </a:r>
+          </a:p>
+          <a:p>
+            <a:pPr lvl="4"/>
+            <a:r>
+              <a:rPr lang="en-US"/>
+              <a:t>Fifth level</a:t>
+            </a:r>
+            <a:endParaRPr lang="en-US" dirty="0"/>
+          </a:p>
+        </p:txBody>
+      </p:sp>
+      <p:sp>
+        <p:nvSpPr>
+          <p:cNvPr id="4" name="Date Placeholder 3"/>
+          <p:cNvSpPr>
+            <a:spLocks noGrp="1"/>
+          </p:cNvSpPr>
+          <p:nvPr>
+            <p:ph type="dt" sz="half" idx="2"/>
           </p:nvPr>
         </p:nvSpPr>
         <p:spPr>
           <a:xfrm>
-            <a:off x="838200" y="1825625"/>
-            <a:ext cx="10515600" cy="4351338"/>
+            <a:off x="7821429" y="6238816"/>
+            <a:ext cx="2753746" cy="323968"/>
           </a:xfrm>
           <a:prstGeom prst="rect">
             <a:avLst/>
           </a:prstGeom>
         </p:spPr>
         <p:txBody>
-          <a:bodyPr vert="horz" lIns="91440" tIns="45720" rIns="91440" bIns="45720" rtlCol="0">
-            <a:normAutofit/>
-          </a:bodyPr>
-          <a:lstStyle/>
-          <a:p>
-            <a:pPr lvl="0"/>
-            <a:r>
-              <a:rPr lang="en-US"/>
-              <a:t>Edit Master text styles</a:t>
-            </a:r>
-          </a:p>
-          <a:p>
-            <a:pPr lvl="1"/>
-            <a:r>
-              <a:rPr lang="en-US"/>
-              <a:t>Second level</a:t>
-            </a:r>
-          </a:p>
-          <a:p>
-            <a:pPr lvl="2"/>
-            <a:r>
-              <a:rPr lang="en-US"/>
-              <a:t>Third level</a:t>
-            </a:r>
-          </a:p>
-          <a:p>
-            <a:pPr lvl="3"/>
-            <a:r>
-              <a:rPr lang="en-US"/>
-              <a:t>Fourth level</a:t>
-            </a:r>
-          </a:p>
-          <a:p>
-            <a:pPr lvl="4"/>
-            <a:r>
-              <a:rPr lang="en-US"/>
-              <a:t>Fifth level</a:t>
-            </a:r>
-          </a:p>
-        </p:txBody>
-      </p:sp>
-      <p:sp>
-        <p:nvSpPr>
-          <p:cNvPr id="4" name="Date Placeholder 3">
-            <a:extLst>
-              <a:ext uri="{FF2B5EF4-FFF2-40B4-BE49-F238E27FC236}">
-                <a16:creationId xmlns:a16="http://schemas.microsoft.com/office/drawing/2014/main" id="{60334894-C6F5-46F1-BAA2-AFEA88E68169}"/>
-              </a:ext>
-            </a:extLst>
-          </p:cNvPr>
-          <p:cNvSpPr>
-            <a:spLocks noGrp="1"/>
-          </p:cNvSpPr>
-          <p:nvPr>
-            <p:ph type="dt" sz="half" idx="2"/>
+          <a:bodyPr vert="horz" lIns="91440" tIns="45720" rIns="91440" bIns="45720" rtlCol="0" anchor="ctr"/>
+          <a:lstStyle>
+            <a:lvl1pPr algn="r">
+              <a:defRPr sz="1050">
+                <a:solidFill>
+                  <a:schemeClr val="tx1">
+                    <a:alpha val="70000"/>
+                  </a:schemeClr>
+                </a:solidFill>
+              </a:defRPr>
+            </a:lvl1pPr>
+          </a:lstStyle>
+          <a:p>
+            <a:fld id="{EED1C14C-A143-42F5-B247-D0E800131009}" type="datetimeFigureOut">
+              <a:rPr lang="en-US" smtClean="0"/>
+              <a:t>7/24/22</a:t>
+            </a:fld>
+            <a:endParaRPr lang="en-US"/>
+          </a:p>
+        </p:txBody>
+      </p:sp>
+      <p:sp>
+        <p:nvSpPr>
+          <p:cNvPr id="5" name="Footer Placeholder 4"/>
+          <p:cNvSpPr>
+            <a:spLocks noGrp="1"/>
+          </p:cNvSpPr>
+          <p:nvPr>
+            <p:ph type="ftr" sz="quarter" idx="3"/>
           </p:nvPr>
         </p:nvSpPr>
         <p:spPr>
           <a:xfrm>
-            <a:off x="838200" y="6356350"/>
-            <a:ext cx="2743200" cy="365125"/>
+            <a:off x="1600200" y="6236208"/>
+            <a:ext cx="5901189" cy="320040"/>
           </a:xfrm>
           <a:prstGeom prst="rect">
             <a:avLst/>
@@ -2893,101 +2882,53 @@
           <a:bodyPr vert="horz" lIns="91440" tIns="45720" rIns="91440" bIns="45720" rtlCol="0" anchor="ctr"/>
           <a:lstStyle>
             <a:lvl1pPr algn="l">
-              <a:defRPr sz="1200">
+              <a:defRPr sz="1050">
                 <a:solidFill>
                   <a:schemeClr val="tx1">
-                    <a:tint val="75000"/>
+                    <a:alpha val="70000"/>
                   </a:schemeClr>
                 </a:solidFill>
               </a:defRPr>
             </a:lvl1pPr>
           </a:lstStyle>
           <a:p>
-            <a:fld id="{EED1C14C-A143-42F5-B247-D0E800131009}" type="datetimeFigureOut">
-              <a:rPr lang="en-US" smtClean="0"/>
-              <a:t>8/15/2018</a:t>
-            </a:fld>
             <a:endParaRPr lang="en-US"/>
           </a:p>
         </p:txBody>
       </p:sp>
       <p:sp>
         <p:nvSpPr>
-          <p:cNvPr id="5" name="Footer Placeholder 4">
-            <a:extLst>
-              <a:ext uri="{FF2B5EF4-FFF2-40B4-BE49-F238E27FC236}">
-                <a16:creationId xmlns:a16="http://schemas.microsoft.com/office/drawing/2014/main" id="{975B1C84-4663-4022-BBEA-7667FEBCF3FB}"/>
-              </a:ext>
-            </a:extLst>
-          </p:cNvPr>
-          <p:cNvSpPr>
-            <a:spLocks noGrp="1"/>
-          </p:cNvSpPr>
-          <p:nvPr>
-            <p:ph type="ftr" sz="quarter" idx="3"/>
+          <p:cNvPr id="6" name="Slide Number Placeholder 5"/>
+          <p:cNvSpPr>
+            <a:spLocks noGrp="1"/>
+          </p:cNvSpPr>
+          <p:nvPr>
+            <p:ph type="sldNum" sz="quarter" idx="4"/>
           </p:nvPr>
         </p:nvSpPr>
         <p:spPr>
           <a:xfrm>
-            <a:off x="4038600" y="6356350"/>
-            <a:ext cx="4114800" cy="365125"/>
+            <a:off x="10758922" y="6217920"/>
+            <a:ext cx="365760" cy="365760"/>
           </a:xfrm>
-          <a:prstGeom prst="rect">
+          <a:prstGeom prst="ellipse">
             <a:avLst/>
           </a:prstGeom>
+          <a:solidFill>
+            <a:srgbClr val="1D1D1D">
+              <a:alpha val="70000"/>
+            </a:srgbClr>
+          </a:solidFill>
         </p:spPr>
         <p:txBody>
-          <a:bodyPr vert="horz" lIns="91440" tIns="45720" rIns="91440" bIns="45720" rtlCol="0" anchor="ctr"/>
+          <a:bodyPr vert="horz" lIns="18288" tIns="45720" rIns="18288" bIns="45720" rtlCol="0" anchor="ctr">
+            <a:noAutofit/>
+          </a:bodyPr>
           <a:lstStyle>
             <a:lvl1pPr algn="ctr">
-              <a:defRPr sz="1200">
+              <a:defRPr sz="1100" spc="0" baseline="0">
                 <a:solidFill>
-                  <a:schemeClr val="tx1">
-                    <a:tint val="75000"/>
-                  </a:schemeClr>
-                </a:solidFill>
-              </a:defRPr>
-            </a:lvl1pPr>
-          </a:lstStyle>
-          <a:p>
-            <a:endParaRPr lang="en-US"/>
-          </a:p>
-        </p:txBody>
-      </p:sp>
-      <p:sp>
-        <p:nvSpPr>
-          <p:cNvPr id="6" name="Slide Number Placeholder 5">
-            <a:extLst>
-              <a:ext uri="{FF2B5EF4-FFF2-40B4-BE49-F238E27FC236}">
-                <a16:creationId xmlns:a16="http://schemas.microsoft.com/office/drawing/2014/main" id="{E72820DA-1F3A-421F-A770-A6347089E365}"/>
-              </a:ext>
-            </a:extLst>
-          </p:cNvPr>
-          <p:cNvSpPr>
-            <a:spLocks noGrp="1"/>
-          </p:cNvSpPr>
-          <p:nvPr>
-            <p:ph type="sldNum" sz="quarter" idx="4"/>
-          </p:nvPr>
-        </p:nvSpPr>
-        <p:spPr>
-          <a:xfrm>
-            <a:off x="8610600" y="6356350"/>
-            <a:ext cx="2743200" cy="365125"/>
-          </a:xfrm>
-          <a:prstGeom prst="rect">
-            <a:avLst/>
-          </a:prstGeom>
-        </p:spPr>
-        <p:txBody>
-          <a:bodyPr vert="horz" lIns="91440" tIns="45720" rIns="91440" bIns="45720" rtlCol="0" anchor="ctr"/>
-          <a:lstStyle>
-            <a:lvl1pPr algn="r">
-              <a:defRPr sz="1200">
-                <a:solidFill>
-                  <a:schemeClr val="tx1">
-                    <a:tint val="75000"/>
-                  </a:schemeClr>
+                  <a:srgbClr val="FFFFFF"/>
                 </a:solidFill>
               </a:defRPr>
             </a:lvl1pPr>
@@ -3004,27 +2945,27 @@
     </p:spTree>
     <p:extLst>
       <p:ext uri="{BB962C8B-B14F-4D97-AF65-F5344CB8AC3E}">
-        <p14:creationId xmlns:p14="http://schemas.microsoft.com/office/powerpoint/2010/main" val="1904852015"/>
+        <p14:creationId xmlns:p14="http://schemas.microsoft.com/office/powerpoint/2010/main" val="3565713796"/>
       </p:ext>
     </p:extLst>
   </p:cSld>
   <p:clrMap bg1="lt1" tx1="dk1" bg2="lt2" tx2="dk2" accent1="accent1" accent2="accent2" accent3="accent3" accent4="accent4" accent5="accent5" accent6="accent6" hlink="hlink" folHlink="folHlink"/>
   <p:sldLayoutIdLst>
-    <p:sldLayoutId id="2147483649" r:id="rId1"/>
-    <p:sldLayoutId id="2147483650" r:id="rId2"/>
-    <p:sldLayoutId id="2147483651" r:id="rId3"/>
-    <p:sldLayoutId id="2147483652" r:id="rId4"/>
-    <p:sldLayoutId id="2147483653" r:id="rId5"/>
-    <p:sldLayoutId id="2147483654" r:id="rId6"/>
-    <p:sldLayoutId id="2147483655" r:id="rId7"/>
-    <p:sldLayoutId id="2147483656" r:id="rId8"/>
-    <p:sldLayoutId id="2147483657" r:id="rId9"/>
-    <p:sldLayoutId id="2147483658" r:id="rId10"/>
-    <p:sldLayoutId id="2147483659" r:id="rId11"/>
+    <p:sldLayoutId id="2147483726" r:id="rId1"/>
+    <p:sldLayoutId id="2147483727" r:id="rId2"/>
+    <p:sldLayoutId id="2147483728" r:id="rId3"/>
+    <p:sldLayoutId id="2147483729" r:id="rId4"/>
+    <p:sldLayoutId id="2147483730" r:id="rId5"/>
+    <p:sldLayoutId id="2147483731" r:id="rId6"/>
+    <p:sldLayoutId id="2147483732" r:id="rId7"/>
+    <p:sldLayoutId id="2147483733" r:id="rId8"/>
+    <p:sldLayoutId id="2147483734" r:id="rId9"/>
+    <p:sldLayoutId id="2147483735" r:id="rId10"/>
+    <p:sldLayoutId id="2147483736" r:id="rId11"/>
   </p:sldLayoutIdLst>
   <p:txStyles>
     <p:titleStyle>
-      <a:lvl1pPr algn="l" defTabSz="914400" rtl="0" eaLnBrk="1" latinLnBrk="0" hangingPunct="1">
+      <a:lvl1pPr algn="ctr" defTabSz="914400" rtl="0" eaLnBrk="1" latinLnBrk="0" hangingPunct="1">
         <a:lnSpc>
           <a:spcPct val="90000"/>
         </a:lnSpc>
@@ -3032,9 +2973,9 @@
           <a:spcPct val="0"/>
         </a:spcBef>
         <a:buNone/>
-        <a:defRPr sz="4400" kern="1200">
+        <a:defRPr sz="2800" kern="1200" cap="all" spc="200" baseline="0">
           <a:solidFill>
-            <a:schemeClr val="tx1"/>
+            <a:srgbClr val="262626"/>
           </a:solidFill>
           <a:latin typeface="+mj-lt"/>
           <a:ea typeface="+mj-ea"/>
@@ -3045,104 +2986,137 @@
     <p:bodyStyle>
       <a:lvl1pPr marL="228600" indent="-228600" algn="l" defTabSz="914400" rtl="0" eaLnBrk="1" latinLnBrk="0" hangingPunct="1">
         <a:lnSpc>
-          <a:spcPct val="90000"/>
+          <a:spcPct val="100000"/>
         </a:lnSpc>
         <a:spcBef>
           <a:spcPts val="1000"/>
         </a:spcBef>
+        <a:buClr>
+          <a:schemeClr val="accent2"/>
+        </a:buClr>
         <a:buFont typeface="Arial" panose="020B0604020202020204" pitchFamily="34" charset="0"/>
         <a:buChar char="•"/>
-        <a:defRPr sz="2800" kern="1200">
+        <a:defRPr sz="1800" kern="1200">
           <a:solidFill>
-            <a:schemeClr val="tx1"/>
+            <a:schemeClr val="tx1">
+              <a:lumMod val="85000"/>
+              <a:lumOff val="15000"/>
+            </a:schemeClr>
           </a:solidFill>
           <a:latin typeface="+mn-lt"/>
           <a:ea typeface="+mn-ea"/>
           <a:cs typeface="+mn-cs"/>
         </a:defRPr>
       </a:lvl1pPr>
-      <a:lvl2pPr marL="685800" indent="-228600" algn="l" defTabSz="914400" rtl="0" eaLnBrk="1" latinLnBrk="0" hangingPunct="1">
+      <a:lvl2pPr marL="457200" indent="-228600" algn="l" defTabSz="914400" rtl="0" eaLnBrk="1" latinLnBrk="0" hangingPunct="1">
         <a:lnSpc>
-          <a:spcPct val="90000"/>
+          <a:spcPct val="100000"/>
         </a:lnSpc>
         <a:spcBef>
-          <a:spcPts val="500"/>
+          <a:spcPts val="1000"/>
         </a:spcBef>
+        <a:buClr>
+          <a:schemeClr val="accent2"/>
+        </a:buClr>
         <a:buFont typeface="Arial" panose="020B0604020202020204" pitchFamily="34" charset="0"/>
         <a:buChar char="•"/>
-        <a:defRPr sz="2400" kern="1200">
+        <a:defRPr sz="1600" kern="1200">
           <a:solidFill>
-            <a:schemeClr val="tx1"/>
+            <a:schemeClr val="tx1">
+              <a:lumMod val="85000"/>
+              <a:lumOff val="15000"/>
+            </a:schemeClr>
           </a:solidFill>
           <a:latin typeface="+mn-lt"/>
           <a:ea typeface="+mn-ea"/>
           <a:cs typeface="+mn-cs"/>
         </a:defRPr>
       </a:lvl2pPr>
-      <a:lvl3pPr marL="1143000" indent="-228600" algn="l" defTabSz="914400" rtl="0" eaLnBrk="1" latinLnBrk="0" hangingPunct="1">
+      <a:lvl3pPr marL="685800" indent="-228600" algn="l" defTabSz="914400" rtl="0" eaLnBrk="1" latinLnBrk="0" hangingPunct="1">
         <a:lnSpc>
-          <a:spcPct val="90000"/>
+          <a:spcPct val="100000"/>
         </a:lnSpc>
         <a:spcBef>
-          <a:spcPts val="500"/>
+          <a:spcPts val="1000"/>
         </a:spcBef>
+        <a:buClr>
+          <a:schemeClr val="accent2"/>
+        </a:buClr>
         <a:buFont typeface="Arial" panose="020B0604020202020204" pitchFamily="34" charset="0"/>
         <a:buChar char="•"/>
-        <a:defRPr sz="2000" kern="1200">
+        <a:defRPr sz="1600" kern="1200">
           <a:solidFill>
-            <a:schemeClr val="tx1"/>
+            <a:schemeClr val="tx1">
+              <a:lumMod val="85000"/>
+              <a:lumOff val="15000"/>
+            </a:schemeClr>
           </a:solidFill>
           <a:latin typeface="+mn-lt"/>
           <a:ea typeface="+mn-ea"/>
           <a:cs typeface="+mn-cs"/>
         </a:defRPr>
       </a:lvl3pPr>
-      <a:lvl4pPr marL="1600200" indent="-228600" algn="l" defTabSz="914400" rtl="0" eaLnBrk="1" latinLnBrk="0" hangingPunct="1">
+      <a:lvl4pPr marL="914400" indent="-228600" algn="l" defTabSz="914400" rtl="0" eaLnBrk="1" latinLnBrk="0" hangingPunct="1">
         <a:lnSpc>
-          <a:spcPct val="90000"/>
+          <a:spcPct val="100000"/>
         </a:lnSpc>
         <a:spcBef>
-          <a:spcPts val="500"/>
+          <a:spcPts val="1000"/>
         </a:spcBef>
+        <a:buClr>
+          <a:schemeClr val="accent2"/>
+        </a:buClr>
         <a:buFont typeface="Arial" panose="020B0604020202020204" pitchFamily="34" charset="0"/>
         <a:buChar char="•"/>
-        <a:defRPr sz="1800" kern="1200">
+        <a:defRPr sz="1600" kern="1200">
           <a:solidFill>
-            <a:schemeClr val="tx1"/>
+            <a:schemeClr val="tx1">
+              <a:lumMod val="85000"/>
+              <a:lumOff val="15000"/>
+            </a:schemeClr>
           </a:solidFill>
           <a:latin typeface="+mn-lt"/>
           <a:ea typeface="+mn-ea"/>
           <a:cs typeface="+mn-cs"/>
         </a:defRPr>
       </a:lvl4pPr>
-      <a:lvl5pPr marL="2057400" indent="-228600" algn="l" defTabSz="914400" rtl="0" eaLnBrk="1" latinLnBrk="0" hangingPunct="1">
+      <a:lvl5pPr marL="1143000" indent="-228600" algn="l" defTabSz="914400" rtl="0" eaLnBrk="1" latinLnBrk="0" hangingPunct="1">
         <a:lnSpc>
-          <a:spcPct val="90000"/>
+          <a:spcPct val="100000"/>
         </a:lnSpc>
         <a:spcBef>
-          <a:spcPts val="500"/>
+          <a:spcPts val="1000"/>
         </a:spcBef>
+        <a:buClr>
+          <a:schemeClr val="accent2"/>
+        </a:buClr>
         <a:buFont typeface="Arial" panose="020B0604020202020204" pitchFamily="34" charset="0"/>
         <a:buChar char="•"/>
-        <a:defRPr sz="1800" kern="1200">
+        <a:defRPr sz="1600" kern="1200">
           <a:solidFill>
-            <a:schemeClr val="tx1"/>
+            <a:schemeClr val="tx1">
+              <a:lumMod val="85000"/>
+              <a:lumOff val="15000"/>
+            </a:schemeClr>
           </a:solidFill>
           <a:latin typeface="+mn-lt"/>
           <a:ea typeface="+mn-ea"/>
           <a:cs typeface="+mn-cs"/>
         </a:defRPr>
       </a:lvl5pPr>
-      <a:lvl6pPr marL="2514600" indent="-228600" algn="l" defTabSz="914400" rtl="0" eaLnBrk="1" latinLnBrk="0" hangingPunct="1">
+      <a:lvl6pPr marL="1312863" indent="-228600" algn="l" defTabSz="914400" rtl="0" eaLnBrk="1" latinLnBrk="0" hangingPunct="1">
         <a:lnSpc>
-          <a:spcPct val="90000"/>
+          <a:spcPct val="100000"/>
         </a:lnSpc>
         <a:spcBef>
-          <a:spcPts val="500"/>
+          <a:spcPts val="1000"/>
         </a:spcBef>
+        <a:buClr>
+          <a:schemeClr val="accent2"/>
+        </a:buClr>
         <a:buFont typeface="Arial" panose="020B0604020202020204" pitchFamily="34" charset="0"/>
         <a:buChar char="•"/>
-        <a:defRPr sz="1800" kern="1200">
+        <a:defRPr sz="1600" kern="1200">
           <a:solidFill>
             <a:schemeClr val="tx1"/>
           </a:solidFill>
@@ -3151,16 +3125,19 @@
           <a:cs typeface="+mn-cs"/>
         </a:defRPr>
       </a:lvl6pPr>
-      <a:lvl7pPr marL="2971800" indent="-228600" algn="l" defTabSz="914400" rtl="0" eaLnBrk="1" latinLnBrk="0" hangingPunct="1">
+      <a:lvl7pPr marL="1484313" indent="-228600" algn="l" defTabSz="914400" rtl="0" eaLnBrk="1" latinLnBrk="0" hangingPunct="1">
         <a:lnSpc>
-          <a:spcPct val="90000"/>
+          <a:spcPct val="100000"/>
         </a:lnSpc>
         <a:spcBef>
-          <a:spcPts val="500"/>
+          <a:spcPts val="1000"/>
         </a:spcBef>
+        <a:buClr>
+          <a:schemeClr val="accent2"/>
+        </a:buClr>
         <a:buFont typeface="Arial" panose="020B0604020202020204" pitchFamily="34" charset="0"/>
         <a:buChar char="•"/>
-        <a:defRPr sz="1800" kern="1200">
+        <a:defRPr sz="1600" kern="1200">
           <a:solidFill>
             <a:schemeClr val="tx1"/>
           </a:solidFill>
@@ -3169,16 +3146,19 @@
           <a:cs typeface="+mn-cs"/>
         </a:defRPr>
       </a:lvl7pPr>
-      <a:lvl8pPr marL="3429000" indent="-228600" algn="l" defTabSz="914400" rtl="0" eaLnBrk="1" latinLnBrk="0" hangingPunct="1">
+      <a:lvl8pPr marL="1657350" indent="-228600" algn="l" defTabSz="914400" rtl="0" eaLnBrk="1" latinLnBrk="0" hangingPunct="1">
         <a:lnSpc>
-          <a:spcPct val="90000"/>
+          <a:spcPct val="100000"/>
         </a:lnSpc>
         <a:spcBef>
-          <a:spcPts val="500"/>
+          <a:spcPts val="1000"/>
         </a:spcBef>
+        <a:buClr>
+          <a:schemeClr val="accent2"/>
+        </a:buClr>
         <a:buFont typeface="Arial" panose="020B0604020202020204" pitchFamily="34" charset="0"/>
         <a:buChar char="•"/>
-        <a:defRPr sz="1800" kern="1200">
+        <a:defRPr sz="1600" kern="1200" baseline="0">
           <a:solidFill>
             <a:schemeClr val="tx1"/>
           </a:solidFill>
@@ -3187,16 +3167,19 @@
           <a:cs typeface="+mn-cs"/>
         </a:defRPr>
       </a:lvl8pPr>
-      <a:lvl9pPr marL="3886200" indent="-228600" algn="l" defTabSz="914400" rtl="0" eaLnBrk="1" latinLnBrk="0" hangingPunct="1">
+      <a:lvl9pPr marL="1882775" indent="-228600" algn="l" defTabSz="914400" rtl="0" eaLnBrk="1" latinLnBrk="0" hangingPunct="1">
         <a:lnSpc>
-          <a:spcPct val="90000"/>
+          <a:spcPct val="100000"/>
         </a:lnSpc>
         <a:spcBef>
-          <a:spcPts val="500"/>
+          <a:spcPts val="1000"/>
         </a:spcBef>
+        <a:buClr>
+          <a:schemeClr val="accent2"/>
+        </a:buClr>
         <a:buFont typeface="Arial" panose="020B0604020202020204" pitchFamily="34" charset="0"/>
         <a:buChar char="•"/>
-        <a:defRPr sz="1800" kern="1200">
+        <a:defRPr sz="1600" kern="1200" baseline="0">
           <a:solidFill>
             <a:schemeClr val="tx1"/>
           </a:solidFill>
@@ -3306,7 +3289,7 @@
 </file>
 
 <file path=ppt/slides/slide1.xml><?xml version="1.0" encoding="utf-8"?>
-<p:sld xmlns:a="http://schemas.openxmlformats.org/drawingml/2006/main" xmlns:p="http://schemas.openxmlformats.org/presentationml/2006/main" xmlns:r="http://schemas.openxmlformats.org/officeDocument/2006/relationships">
+<p:sld xmlns:a="http://schemas.openxmlformats.org/drawingml/2006/main" xmlns:r="http://schemas.openxmlformats.org/officeDocument/2006/relationships" xmlns:p="http://schemas.openxmlformats.org/presentationml/2006/main">
   <p:cSld>
     <p:spTree>
       <p:nvGrpSpPr>
@@ -3324,7 +3307,7 @@
       </p:grpSpPr>
       <p:sp>
         <p:nvSpPr>
-          <p:cNvPr id="0" name="slide1">
+          <p:cNvPr id="2" name="slide1">
             <a:extLst>
               <a:ext uri="{FF2B5EF4-FFF2-40B4-BE49-F238E27FC236}">
                 <a16:creationId xmlns:a16="http://schemas.microsoft.com/office/drawing/2014/main" id="{BB967A1D-3A9A-4787-A49F-59E477F466E9}"/>
@@ -3335,7 +3318,7 @@
             <a:spLocks noGrp="1"/>
           </p:cNvSpPr>
           <p:nvPr>
-            <p:ph idx="0" type="ctrTitle"/>
+            <p:ph type="ctrTitle"/>
           </p:nvPr>
         </p:nvSpPr>
         <p:spPr/>
@@ -3344,17 +3327,59 @@
           <a:lstStyle/>
           <a:p>
             <a:r>
-              <a:rPr dirty="0" lang="en-us">
-                <a:hlinkClick r:id="rId6"/>
+              <a:rPr lang="en-us" b="1" cap="none" dirty="0">
+                <a:solidFill>
+                  <a:schemeClr val="bg1"/>
+                </a:solidFill>
+                <a:latin typeface="Calibri" panose="020F0502020204030204" pitchFamily="34" charset="0"/>
+                <a:cs typeface="Calibri" panose="020F0502020204030204" pitchFamily="34" charset="0"/>
+                <a:hlinkClick r:id="rId2">
+                  <a:extLst>
+                    <a:ext uri="{A12FA001-AC4F-418D-AE19-62706E023703}">
+                      <ahyp:hlinkClr xmlns:ahyp="http://schemas.microsoft.com/office/drawing/2018/hyperlinkcolor" val="tx"/>
+                    </a:ext>
+                  </a:extLst>
+                </a:hlinkClick>
               </a:rPr>
               <a:t>Capstone</a:t>
             </a:r>
-          </a:p>
-        </p:txBody>
-      </p:sp>
-      <p:sp>
-        <p:nvSpPr>
-          <p:cNvPr id="1" name="slide1">
+            <a:r>
+              <a:rPr lang="en-US" b="1" cap="none" dirty="0">
+                <a:solidFill>
+                  <a:schemeClr val="bg1"/>
+                </a:solidFill>
+                <a:latin typeface="Calibri" panose="020F0502020204030204" pitchFamily="34" charset="0"/>
+                <a:cs typeface="Calibri" panose="020F0502020204030204" pitchFamily="34" charset="0"/>
+                <a:hlinkClick r:id="rId2">
+                  <a:extLst>
+                    <a:ext uri="{A12FA001-AC4F-418D-AE19-62706E023703}">
+                      <ahyp:hlinkClr xmlns:ahyp="http://schemas.microsoft.com/office/drawing/2018/hyperlinkcolor" val="tx"/>
+                    </a:ext>
+                  </a:extLst>
+                </a:hlinkClick>
+              </a:rPr>
+              <a:t> – Cyclistic Bike </a:t>
+            </a:r>
+            <a:endParaRPr lang="en-us" b="1" cap="none" dirty="0">
+              <a:solidFill>
+                <a:schemeClr val="bg1"/>
+              </a:solidFill>
+              <a:latin typeface="Calibri" panose="020F0502020204030204" pitchFamily="34" charset="0"/>
+              <a:cs typeface="Calibri" panose="020F0502020204030204" pitchFamily="34" charset="0"/>
+              <a:hlinkClick r:id="rId2">
+                <a:extLst>
+                  <a:ext uri="{A12FA001-AC4F-418D-AE19-62706E023703}">
+                    <ahyp:hlinkClr xmlns:ahyp="http://schemas.microsoft.com/office/drawing/2018/hyperlinkcolor" val="tx"/>
+                  </a:ext>
+                </a:extLst>
+              </a:hlinkClick>
+            </a:endParaRPr>
+          </a:p>
+        </p:txBody>
+      </p:sp>
+      <p:sp>
+        <p:nvSpPr>
+          <p:cNvPr id="3" name="slide1">
             <a:extLst>
               <a:ext uri="{FF2B5EF4-FFF2-40B4-BE49-F238E27FC236}">
                 <a16:creationId xmlns:a16="http://schemas.microsoft.com/office/drawing/2014/main" id="{857D5430-3AAF-4AB3-8595-35C0A410324D}"/>
@@ -3365,7 +3390,7 @@
             <a:spLocks noGrp="1"/>
           </p:cNvSpPr>
           <p:nvPr>
-            <p:ph idx="1" type="subTitle"/>
+            <p:ph type="subTitle" idx="1"/>
           </p:nvPr>
         </p:nvSpPr>
         <p:spPr/>
@@ -3374,8 +3399,8 @@
           <a:lstStyle/>
           <a:p>
             <a:r>
-              <a:rPr/>
-              <a:t>File created on: 7/20/2022 6:53:09 AM</a:t>
+              <a:rPr dirty="0"/>
+              <a:t>7/20/2022</a:t>
             </a:r>
           </a:p>
         </p:txBody>
@@ -3394,7 +3419,7 @@
 </file>
 
 <file path=ppt/slides/slide2.xml><?xml version="1.0" encoding="utf-8"?>
-<p:sld xmlns:a="http://schemas.openxmlformats.org/drawingml/2006/main" xmlns:p="http://schemas.openxmlformats.org/presentationml/2006/main" xmlns:r="http://schemas.openxmlformats.org/officeDocument/2006/relationships">
+<p:sld xmlns:a="http://schemas.openxmlformats.org/drawingml/2006/main" xmlns:r="http://schemas.openxmlformats.org/officeDocument/2006/relationships" xmlns:p="http://schemas.openxmlformats.org/presentationml/2006/main">
   <p:cSld>
     <p:spTree>
       <p:nvGrpSpPr>
@@ -3410,12 +3435,64 @@
           <a:chExt cx="0" cy="0"/>
         </a:xfrm>
       </p:grpSpPr>
+      <p:sp>
+        <p:nvSpPr>
+          <p:cNvPr id="3" name="TextBox 2">
+            <a:extLst>
+              <a:ext uri="{FF2B5EF4-FFF2-40B4-BE49-F238E27FC236}">
+                <a16:creationId xmlns:a16="http://schemas.microsoft.com/office/drawing/2014/main" id="{A4676E97-8700-5508-30D3-FA76206D5323}"/>
+              </a:ext>
+            </a:extLst>
+          </p:cNvPr>
+          <p:cNvSpPr txBox="1"/>
+          <p:nvPr/>
+        </p:nvSpPr>
+        <p:spPr>
+          <a:xfrm>
+            <a:off x="152400" y="165100"/>
+            <a:ext cx="6365289" cy="369332"/>
+          </a:xfrm>
+          <a:prstGeom prst="rect">
+            <a:avLst/>
+          </a:prstGeom>
+          <a:noFill/>
+        </p:spPr>
+        <p:txBody>
+          <a:bodyPr wrap="square" rtlCol="0">
+            <a:spAutoFit/>
+          </a:bodyPr>
+          <a:lstStyle/>
+          <a:p>
+            <a:r>
+              <a:rPr lang="en-US" dirty="0">
+                <a:latin typeface="Calibri" panose="020F0502020204030204" pitchFamily="34" charset="0"/>
+                <a:cs typeface="Calibri" panose="020F0502020204030204" pitchFamily="34" charset="0"/>
+              </a:rPr>
+              <a:t>Ride Data Analysis Between Casual Riders and </a:t>
+            </a:r>
+            <a:r>
+              <a:rPr lang="en-US" dirty="0" err="1">
+                <a:latin typeface="Calibri" panose="020F0502020204030204" pitchFamily="34" charset="0"/>
+                <a:cs typeface="Calibri" panose="020F0502020204030204" pitchFamily="34" charset="0"/>
+              </a:rPr>
+              <a:t>Cyclistic</a:t>
+            </a:r>
+            <a:r>
+              <a:rPr lang="en-US" dirty="0">
+                <a:latin typeface="Calibri" panose="020F0502020204030204" pitchFamily="34" charset="0"/>
+                <a:cs typeface="Calibri" panose="020F0502020204030204" pitchFamily="34" charset="0"/>
+              </a:rPr>
+              <a:t> Members</a:t>
+            </a:r>
+          </a:p>
+        </p:txBody>
+      </p:sp>
       <p:pic>
         <p:nvPicPr>
-          <p:cNvPr descr="Capstone - Bike Sharing" id="2" name="slide2">
+          <p:cNvPr id="11" name="Picture 10">
             <a:extLst>
               <a:ext uri="{FF2B5EF4-FFF2-40B4-BE49-F238E27FC236}">
-                <a16:creationId xmlns:a16="http://schemas.microsoft.com/office/drawing/2014/main" id="{071B182B-133F-4AC9-82F8-B53F85EEDFF8}"/>
+                <a16:creationId xmlns:a16="http://schemas.microsoft.com/office/drawing/2014/main" id="{1B07CFC3-51A3-6DDA-D03A-63BB8EF4B0B6}"/>
               </a:ext>
             </a:extLst>
           </p:cNvPr>
@@ -3425,7 +3502,7 @@
           <p:nvPr/>
         </p:nvPicPr>
         <p:blipFill>
-          <a:blip r:embed="rId7">
+          <a:blip r:embed="rId2">
             <a:extLst>
               <a:ext uri="{28A0092B-C50C-407E-A947-70E740481C1C}">
                 <a14:useLocalDpi xmlns:a14="http://schemas.microsoft.com/office/drawing/2010/main" val="0"/>
@@ -3438,8 +3515,8 @@
         </p:blipFill>
         <p:spPr>
           <a:xfrm>
-            <a:off x="0" y="719666"/>
-            <a:ext cx="12192000" cy="5418667"/>
+            <a:off x="152400" y="534432"/>
+            <a:ext cx="11887200" cy="4783225"/>
           </a:xfrm>
           <a:prstGeom prst="rect">
             <a:avLst/>
@@ -3459,7 +3536,7 @@
 </p:sld>
 </file>
 
-<file path=ppt/slides/slideTemplate.xml><?xml version="1.0" encoding="utf-8"?>
+<file path=ppt/slides/slide3.xml><?xml version="1.0" encoding="utf-8"?>
 <p:sld xmlns:a="http://schemas.openxmlformats.org/drawingml/2006/main" xmlns:r="http://schemas.openxmlformats.org/officeDocument/2006/relationships" xmlns:p="http://schemas.openxmlformats.org/presentationml/2006/main">
   <p:cSld>
     <p:spTree>
@@ -3476,10 +3553,981 @@
           <a:chExt cx="0" cy="0"/>
         </a:xfrm>
       </p:grpSpPr>
+      <p:sp>
+        <p:nvSpPr>
+          <p:cNvPr id="3" name="TextBox 2">
+            <a:extLst>
+              <a:ext uri="{FF2B5EF4-FFF2-40B4-BE49-F238E27FC236}">
+                <a16:creationId xmlns:a16="http://schemas.microsoft.com/office/drawing/2014/main" id="{D6C4DFDF-D264-383F-AEE0-38FCF2B2513A}"/>
+              </a:ext>
+            </a:extLst>
+          </p:cNvPr>
+          <p:cNvSpPr txBox="1"/>
+          <p:nvPr/>
+        </p:nvSpPr>
+        <p:spPr>
+          <a:xfrm>
+            <a:off x="292100" y="203200"/>
+            <a:ext cx="6365289" cy="369332"/>
+          </a:xfrm>
+          <a:prstGeom prst="rect">
+            <a:avLst/>
+          </a:prstGeom>
+          <a:noFill/>
+        </p:spPr>
+        <p:txBody>
+          <a:bodyPr wrap="square" rtlCol="0">
+            <a:spAutoFit/>
+          </a:bodyPr>
+          <a:lstStyle/>
+          <a:p>
+            <a:r>
+              <a:rPr lang="en-US" dirty="0">
+                <a:latin typeface="Calibri" panose="020F0502020204030204" pitchFamily="34" charset="0"/>
+                <a:cs typeface="Calibri" panose="020F0502020204030204" pitchFamily="34" charset="0"/>
+              </a:rPr>
+              <a:t>Ride Data Analysis Between Casual Riders and </a:t>
+            </a:r>
+            <a:r>
+              <a:rPr lang="en-US" dirty="0" err="1">
+                <a:latin typeface="Calibri" panose="020F0502020204030204" pitchFamily="34" charset="0"/>
+                <a:cs typeface="Calibri" panose="020F0502020204030204" pitchFamily="34" charset="0"/>
+              </a:rPr>
+              <a:t>Cyclistic</a:t>
+            </a:r>
+            <a:r>
+              <a:rPr lang="en-US" dirty="0">
+                <a:latin typeface="Calibri" panose="020F0502020204030204" pitchFamily="34" charset="0"/>
+                <a:cs typeface="Calibri" panose="020F0502020204030204" pitchFamily="34" charset="0"/>
+              </a:rPr>
+              <a:t> Members</a:t>
+            </a:r>
+          </a:p>
+        </p:txBody>
+      </p:sp>
+      <p:sp>
+        <p:nvSpPr>
+          <p:cNvPr id="4" name="TextBox 3">
+            <a:extLst>
+              <a:ext uri="{FF2B5EF4-FFF2-40B4-BE49-F238E27FC236}">
+                <a16:creationId xmlns:a16="http://schemas.microsoft.com/office/drawing/2014/main" id="{2E26263B-FDD8-D53C-91D3-1725DC4B0605}"/>
+              </a:ext>
+            </a:extLst>
+          </p:cNvPr>
+          <p:cNvSpPr txBox="1"/>
+          <p:nvPr/>
+        </p:nvSpPr>
+        <p:spPr>
+          <a:xfrm>
+            <a:off x="548504" y="928667"/>
+            <a:ext cx="11094991" cy="3139321"/>
+          </a:xfrm>
+          <a:prstGeom prst="rect">
+            <a:avLst/>
+          </a:prstGeom>
+          <a:noFill/>
+        </p:spPr>
+        <p:txBody>
+          <a:bodyPr wrap="square" rtlCol="0">
+            <a:spAutoFit/>
+          </a:bodyPr>
+          <a:lstStyle/>
+          <a:p>
+            <a:pPr marL="285750" indent="-285750">
+              <a:buFont typeface="Arial" panose="020B0604020202020204" pitchFamily="34" charset="0"/>
+              <a:buChar char="•"/>
+            </a:pPr>
+            <a:r>
+              <a:rPr lang="en-US" dirty="0"/>
+              <a:t>The average ride duration (in seconds), </a:t>
+            </a:r>
+            <a:r>
+              <a:rPr lang="en-US" dirty="0" err="1"/>
+              <a:t>Cyclistic</a:t>
+            </a:r>
+            <a:r>
+              <a:rPr lang="en-US" dirty="0"/>
+              <a:t> Members are relatively constant.</a:t>
+            </a:r>
+          </a:p>
+          <a:p>
+            <a:pPr marL="285750" indent="-285750">
+              <a:buFont typeface="Arial" panose="020B0604020202020204" pitchFamily="34" charset="0"/>
+              <a:buChar char="•"/>
+            </a:pPr>
+            <a:endParaRPr lang="en-US" dirty="0"/>
+          </a:p>
+          <a:p>
+            <a:pPr marL="285750" indent="-285750">
+              <a:buFont typeface="Arial" panose="020B0604020202020204" pitchFamily="34" charset="0"/>
+              <a:buChar char="•"/>
+            </a:pPr>
+            <a:r>
+              <a:rPr lang="en-US" dirty="0"/>
+              <a:t>However, for Casual Riders, the ridership dipped during the weekdays period.</a:t>
+            </a:r>
+          </a:p>
+          <a:p>
+            <a:pPr marL="285750" indent="-285750">
+              <a:buFont typeface="Arial" panose="020B0604020202020204" pitchFamily="34" charset="0"/>
+              <a:buChar char="•"/>
+            </a:pPr>
+            <a:endParaRPr lang="en-US" dirty="0"/>
+          </a:p>
+          <a:p>
+            <a:pPr marL="285750" indent="-285750">
+              <a:buFont typeface="Arial" panose="020B0604020202020204" pitchFamily="34" charset="0"/>
+              <a:buChar char="•"/>
+            </a:pPr>
+            <a:r>
+              <a:rPr lang="en-US" dirty="0"/>
+              <a:t>That said, the graph depicts that Casual Riders spent longer time riding than </a:t>
+            </a:r>
+            <a:r>
+              <a:rPr lang="en-US" dirty="0" err="1"/>
+              <a:t>Cyclistic</a:t>
+            </a:r>
+            <a:r>
+              <a:rPr lang="en-US" dirty="0"/>
+              <a:t> Members.</a:t>
+            </a:r>
+          </a:p>
+          <a:p>
+            <a:pPr marL="285750" indent="-285750">
+              <a:buFont typeface="Arial" panose="020B0604020202020204" pitchFamily="34" charset="0"/>
+              <a:buChar char="•"/>
+            </a:pPr>
+            <a:endParaRPr lang="en-US" dirty="0"/>
+          </a:p>
+          <a:p>
+            <a:pPr marL="285750" indent="-285750">
+              <a:buFont typeface="Arial" panose="020B0604020202020204" pitchFamily="34" charset="0"/>
+              <a:buChar char="•"/>
+            </a:pPr>
+            <a:r>
+              <a:rPr lang="en-US" dirty="0"/>
+              <a:t>We can derive a hypothesis that </a:t>
+            </a:r>
+            <a:r>
+              <a:rPr lang="en-US" dirty="0" err="1"/>
+              <a:t>Cyclistic</a:t>
+            </a:r>
+            <a:r>
+              <a:rPr lang="en-US" dirty="0"/>
+              <a:t> Members are using the </a:t>
+            </a:r>
+            <a:r>
+              <a:rPr lang="en-US" dirty="0" err="1"/>
+              <a:t>Cyclistic</a:t>
+            </a:r>
+            <a:r>
+              <a:rPr lang="en-US" dirty="0"/>
+              <a:t> bikes for their daily commute as duration is shorter.</a:t>
+            </a:r>
+          </a:p>
+          <a:p>
+            <a:pPr marL="285750" indent="-285750">
+              <a:buFont typeface="Arial" panose="020B0604020202020204" pitchFamily="34" charset="0"/>
+              <a:buChar char="•"/>
+            </a:pPr>
+            <a:endParaRPr lang="en-US" dirty="0"/>
+          </a:p>
+          <a:p>
+            <a:pPr marL="285750" indent="-285750">
+              <a:buFont typeface="Arial" panose="020B0604020202020204" pitchFamily="34" charset="0"/>
+              <a:buChar char="•"/>
+            </a:pPr>
+            <a:r>
+              <a:rPr lang="en-US" dirty="0"/>
+              <a:t>On the other hand, Casual Riders tended to travel longer and stop more frequent to rest-up or sightseeing for leisure purpose.</a:t>
+            </a:r>
+          </a:p>
+        </p:txBody>
+      </p:sp>
     </p:spTree>
     <p:extLst>
       <p:ext uri="{BB962C8B-B14F-4D97-AF65-F5344CB8AC3E}">
-        <p14:creationId xmlns:p14="http://schemas.microsoft.com/office/powerpoint/2010/main" val="95992585"/>
+        <p14:creationId xmlns:p14="http://schemas.microsoft.com/office/powerpoint/2010/main" val="2678731123"/>
+      </p:ext>
+    </p:extLst>
+  </p:cSld>
+  <p:clrMapOvr>
+    <a:masterClrMapping/>
+  </p:clrMapOvr>
+</p:sld>
+</file>
+
+<file path=ppt/slides/slide4.xml><?xml version="1.0" encoding="utf-8"?>
+<p:sld xmlns:a="http://schemas.openxmlformats.org/drawingml/2006/main" xmlns:r="http://schemas.openxmlformats.org/officeDocument/2006/relationships" xmlns:p="http://schemas.openxmlformats.org/presentationml/2006/main">
+  <p:cSld>
+    <p:spTree>
+      <p:nvGrpSpPr>
+        <p:cNvPr id="1" name=""/>
+        <p:cNvGrpSpPr/>
+        <p:nvPr/>
+      </p:nvGrpSpPr>
+      <p:grpSpPr>
+        <a:xfrm>
+          <a:off x="0" y="0"/>
+          <a:ext cx="0" cy="0"/>
+          <a:chOff x="0" y="0"/>
+          <a:chExt cx="0" cy="0"/>
+        </a:xfrm>
+      </p:grpSpPr>
+      <p:sp>
+        <p:nvSpPr>
+          <p:cNvPr id="3" name="TextBox 2">
+            <a:extLst>
+              <a:ext uri="{FF2B5EF4-FFF2-40B4-BE49-F238E27FC236}">
+                <a16:creationId xmlns:a16="http://schemas.microsoft.com/office/drawing/2014/main" id="{A4676E97-8700-5508-30D3-FA76206D5323}"/>
+              </a:ext>
+            </a:extLst>
+          </p:cNvPr>
+          <p:cNvSpPr txBox="1"/>
+          <p:nvPr/>
+        </p:nvSpPr>
+        <p:spPr>
+          <a:xfrm>
+            <a:off x="152400" y="165100"/>
+            <a:ext cx="6365289" cy="369332"/>
+          </a:xfrm>
+          <a:prstGeom prst="rect">
+            <a:avLst/>
+          </a:prstGeom>
+          <a:noFill/>
+        </p:spPr>
+        <p:txBody>
+          <a:bodyPr wrap="square" rtlCol="0">
+            <a:spAutoFit/>
+          </a:bodyPr>
+          <a:lstStyle/>
+          <a:p>
+            <a:r>
+              <a:rPr lang="en-US" dirty="0">
+                <a:latin typeface="Calibri" panose="020F0502020204030204" pitchFamily="34" charset="0"/>
+                <a:cs typeface="Calibri" panose="020F0502020204030204" pitchFamily="34" charset="0"/>
+              </a:rPr>
+              <a:t>Ride Data Analysis Between Casual Riders and </a:t>
+            </a:r>
+            <a:r>
+              <a:rPr lang="en-US" dirty="0" err="1">
+                <a:latin typeface="Calibri" panose="020F0502020204030204" pitchFamily="34" charset="0"/>
+                <a:cs typeface="Calibri" panose="020F0502020204030204" pitchFamily="34" charset="0"/>
+              </a:rPr>
+              <a:t>Cyclistic</a:t>
+            </a:r>
+            <a:r>
+              <a:rPr lang="en-US" dirty="0">
+                <a:latin typeface="Calibri" panose="020F0502020204030204" pitchFamily="34" charset="0"/>
+                <a:cs typeface="Calibri" panose="020F0502020204030204" pitchFamily="34" charset="0"/>
+              </a:rPr>
+              <a:t> Members</a:t>
+            </a:r>
+          </a:p>
+        </p:txBody>
+      </p:sp>
+      <p:pic>
+        <p:nvPicPr>
+          <p:cNvPr id="11" name="Picture 10">
+            <a:extLst>
+              <a:ext uri="{FF2B5EF4-FFF2-40B4-BE49-F238E27FC236}">
+                <a16:creationId xmlns:a16="http://schemas.microsoft.com/office/drawing/2014/main" id="{31F75E72-8CAE-A14E-E4DD-37288BBCAEAC}"/>
+              </a:ext>
+            </a:extLst>
+          </p:cNvPr>
+          <p:cNvPicPr>
+            <a:picLocks noChangeAspect="1"/>
+          </p:cNvPicPr>
+          <p:nvPr/>
+        </p:nvPicPr>
+        <p:blipFill>
+          <a:blip r:embed="rId2">
+            <a:extLst>
+              <a:ext uri="{28A0092B-C50C-407E-A947-70E740481C1C}">
+                <a14:useLocalDpi xmlns:a14="http://schemas.microsoft.com/office/drawing/2010/main" val="0"/>
+              </a:ext>
+            </a:extLst>
+          </a:blip>
+          <a:stretch>
+            <a:fillRect/>
+          </a:stretch>
+        </p:blipFill>
+        <p:spPr>
+          <a:xfrm>
+            <a:off x="152400" y="534432"/>
+            <a:ext cx="11887200" cy="4935229"/>
+          </a:xfrm>
+          <a:prstGeom prst="rect">
+            <a:avLst/>
+          </a:prstGeom>
+        </p:spPr>
+      </p:pic>
+    </p:spTree>
+    <p:extLst>
+      <p:ext uri="{BB962C8B-B14F-4D97-AF65-F5344CB8AC3E}">
+        <p14:creationId xmlns:p14="http://schemas.microsoft.com/office/powerpoint/2010/main" val="592739835"/>
+      </p:ext>
+    </p:extLst>
+  </p:cSld>
+  <p:clrMapOvr>
+    <a:masterClrMapping/>
+  </p:clrMapOvr>
+</p:sld>
+</file>
+
+<file path=ppt/slides/slide5.xml><?xml version="1.0" encoding="utf-8"?>
+<p:sld xmlns:a="http://schemas.openxmlformats.org/drawingml/2006/main" xmlns:r="http://schemas.openxmlformats.org/officeDocument/2006/relationships" xmlns:p="http://schemas.openxmlformats.org/presentationml/2006/main">
+  <p:cSld>
+    <p:spTree>
+      <p:nvGrpSpPr>
+        <p:cNvPr id="1" name=""/>
+        <p:cNvGrpSpPr/>
+        <p:nvPr/>
+      </p:nvGrpSpPr>
+      <p:grpSpPr>
+        <a:xfrm>
+          <a:off x="0" y="0"/>
+          <a:ext cx="0" cy="0"/>
+          <a:chOff x="0" y="0"/>
+          <a:chExt cx="0" cy="0"/>
+        </a:xfrm>
+      </p:grpSpPr>
+      <p:sp>
+        <p:nvSpPr>
+          <p:cNvPr id="3" name="TextBox 2">
+            <a:extLst>
+              <a:ext uri="{FF2B5EF4-FFF2-40B4-BE49-F238E27FC236}">
+                <a16:creationId xmlns:a16="http://schemas.microsoft.com/office/drawing/2014/main" id="{D6C4DFDF-D264-383F-AEE0-38FCF2B2513A}"/>
+              </a:ext>
+            </a:extLst>
+          </p:cNvPr>
+          <p:cNvSpPr txBox="1"/>
+          <p:nvPr/>
+        </p:nvSpPr>
+        <p:spPr>
+          <a:xfrm>
+            <a:off x="292100" y="203200"/>
+            <a:ext cx="6365289" cy="369332"/>
+          </a:xfrm>
+          <a:prstGeom prst="rect">
+            <a:avLst/>
+          </a:prstGeom>
+          <a:noFill/>
+        </p:spPr>
+        <p:txBody>
+          <a:bodyPr wrap="square" rtlCol="0">
+            <a:spAutoFit/>
+          </a:bodyPr>
+          <a:lstStyle/>
+          <a:p>
+            <a:r>
+              <a:rPr lang="en-US" dirty="0">
+                <a:latin typeface="Calibri" panose="020F0502020204030204" pitchFamily="34" charset="0"/>
+                <a:cs typeface="Calibri" panose="020F0502020204030204" pitchFamily="34" charset="0"/>
+              </a:rPr>
+              <a:t>Ride Data Analysis Between Casual Riders and </a:t>
+            </a:r>
+            <a:r>
+              <a:rPr lang="en-US" dirty="0" err="1">
+                <a:latin typeface="Calibri" panose="020F0502020204030204" pitchFamily="34" charset="0"/>
+                <a:cs typeface="Calibri" panose="020F0502020204030204" pitchFamily="34" charset="0"/>
+              </a:rPr>
+              <a:t>Cyclistic</a:t>
+            </a:r>
+            <a:r>
+              <a:rPr lang="en-US" dirty="0">
+                <a:latin typeface="Calibri" panose="020F0502020204030204" pitchFamily="34" charset="0"/>
+                <a:cs typeface="Calibri" panose="020F0502020204030204" pitchFamily="34" charset="0"/>
+              </a:rPr>
+              <a:t> Members</a:t>
+            </a:r>
+          </a:p>
+        </p:txBody>
+      </p:sp>
+      <p:sp>
+        <p:nvSpPr>
+          <p:cNvPr id="4" name="TextBox 3">
+            <a:extLst>
+              <a:ext uri="{FF2B5EF4-FFF2-40B4-BE49-F238E27FC236}">
+                <a16:creationId xmlns:a16="http://schemas.microsoft.com/office/drawing/2014/main" id="{2E26263B-FDD8-D53C-91D3-1725DC4B0605}"/>
+              </a:ext>
+            </a:extLst>
+          </p:cNvPr>
+          <p:cNvSpPr txBox="1"/>
+          <p:nvPr/>
+        </p:nvSpPr>
+        <p:spPr>
+          <a:xfrm>
+            <a:off x="548504" y="928667"/>
+            <a:ext cx="11094991" cy="2585323"/>
+          </a:xfrm>
+          <a:prstGeom prst="rect">
+            <a:avLst/>
+          </a:prstGeom>
+          <a:noFill/>
+        </p:spPr>
+        <p:txBody>
+          <a:bodyPr wrap="square" rtlCol="0">
+            <a:spAutoFit/>
+          </a:bodyPr>
+          <a:lstStyle/>
+          <a:p>
+            <a:pPr marL="285750" indent="-285750">
+              <a:buFont typeface="Arial" panose="020B0604020202020204" pitchFamily="34" charset="0"/>
+              <a:buChar char="•"/>
+            </a:pPr>
+            <a:r>
+              <a:rPr lang="en-US" dirty="0"/>
+              <a:t>The average trip distance(in meters)</a:t>
+            </a:r>
+          </a:p>
+          <a:p>
+            <a:pPr marL="285750" indent="-285750">
+              <a:buFont typeface="Arial" panose="020B0604020202020204" pitchFamily="34" charset="0"/>
+              <a:buChar char="•"/>
+            </a:pPr>
+            <a:endParaRPr lang="en-US" dirty="0"/>
+          </a:p>
+          <a:p>
+            <a:pPr marL="285750" indent="-285750">
+              <a:buFont typeface="Arial" panose="020B0604020202020204" pitchFamily="34" charset="0"/>
+              <a:buChar char="•"/>
+            </a:pPr>
+            <a:r>
+              <a:rPr lang="en-US" dirty="0"/>
+              <a:t>Casual Riders travel, on average, longer distance than </a:t>
+            </a:r>
+            <a:r>
+              <a:rPr lang="en-US" dirty="0" err="1"/>
+              <a:t>Cyclistic</a:t>
+            </a:r>
+            <a:r>
+              <a:rPr lang="en-US" dirty="0"/>
+              <a:t> Members</a:t>
+            </a:r>
+          </a:p>
+          <a:p>
+            <a:pPr marL="285750" indent="-285750">
+              <a:buFont typeface="Arial" panose="020B0604020202020204" pitchFamily="34" charset="0"/>
+              <a:buChar char="•"/>
+            </a:pPr>
+            <a:endParaRPr lang="en-US" dirty="0"/>
+          </a:p>
+          <a:p>
+            <a:pPr marL="285750" indent="-285750">
+              <a:buFont typeface="Arial" panose="020B0604020202020204" pitchFamily="34" charset="0"/>
+              <a:buChar char="•"/>
+            </a:pPr>
+            <a:r>
+              <a:rPr lang="en-US" dirty="0"/>
+              <a:t> </a:t>
+            </a:r>
+            <a:r>
+              <a:rPr lang="en-US" dirty="0" err="1"/>
+              <a:t>Cyclistic</a:t>
+            </a:r>
+            <a:r>
+              <a:rPr lang="en-US" dirty="0"/>
+              <a:t> Members are using the </a:t>
+            </a:r>
+            <a:r>
+              <a:rPr lang="en-US" dirty="0" err="1"/>
+              <a:t>Cyclistic</a:t>
+            </a:r>
+            <a:r>
+              <a:rPr lang="en-US" dirty="0"/>
+              <a:t> bikes for their daily commute to school or work, which usually in closer proximity. </a:t>
+            </a:r>
+          </a:p>
+          <a:p>
+            <a:pPr marL="285750" indent="-285750">
+              <a:buFont typeface="Arial" panose="020B0604020202020204" pitchFamily="34" charset="0"/>
+              <a:buChar char="•"/>
+            </a:pPr>
+            <a:endParaRPr lang="en-US" dirty="0"/>
+          </a:p>
+          <a:p>
+            <a:pPr marL="285750" indent="-285750">
+              <a:buFont typeface="Arial" panose="020B0604020202020204" pitchFamily="34" charset="0"/>
+              <a:buChar char="•"/>
+            </a:pPr>
+            <a:r>
+              <a:rPr lang="en-US" dirty="0"/>
+              <a:t>On the other hand, for Casual Riders, they traveled longer distance, this might indicates that they tended to travel to further area for leisure purpose</a:t>
+            </a:r>
+          </a:p>
+        </p:txBody>
+      </p:sp>
+    </p:spTree>
+    <p:extLst>
+      <p:ext uri="{BB962C8B-B14F-4D97-AF65-F5344CB8AC3E}">
+        <p14:creationId xmlns:p14="http://schemas.microsoft.com/office/powerpoint/2010/main" val="842532729"/>
+      </p:ext>
+    </p:extLst>
+  </p:cSld>
+  <p:clrMapOvr>
+    <a:masterClrMapping/>
+  </p:clrMapOvr>
+</p:sld>
+</file>
+
+<file path=ppt/slides/slide6.xml><?xml version="1.0" encoding="utf-8"?>
+<p:sld xmlns:a="http://schemas.openxmlformats.org/drawingml/2006/main" xmlns:r="http://schemas.openxmlformats.org/officeDocument/2006/relationships" xmlns:p="http://schemas.openxmlformats.org/presentationml/2006/main">
+  <p:cSld>
+    <p:spTree>
+      <p:nvGrpSpPr>
+        <p:cNvPr id="1" name=""/>
+        <p:cNvGrpSpPr/>
+        <p:nvPr/>
+      </p:nvGrpSpPr>
+      <p:grpSpPr>
+        <a:xfrm>
+          <a:off x="0" y="0"/>
+          <a:ext cx="0" cy="0"/>
+          <a:chOff x="0" y="0"/>
+          <a:chExt cx="0" cy="0"/>
+        </a:xfrm>
+      </p:grpSpPr>
+      <p:sp>
+        <p:nvSpPr>
+          <p:cNvPr id="3" name="TextBox 2">
+            <a:extLst>
+              <a:ext uri="{FF2B5EF4-FFF2-40B4-BE49-F238E27FC236}">
+                <a16:creationId xmlns:a16="http://schemas.microsoft.com/office/drawing/2014/main" id="{A4676E97-8700-5508-30D3-FA76206D5323}"/>
+              </a:ext>
+            </a:extLst>
+          </p:cNvPr>
+          <p:cNvSpPr txBox="1"/>
+          <p:nvPr/>
+        </p:nvSpPr>
+        <p:spPr>
+          <a:xfrm>
+            <a:off x="152400" y="165100"/>
+            <a:ext cx="6365289" cy="369332"/>
+          </a:xfrm>
+          <a:prstGeom prst="rect">
+            <a:avLst/>
+          </a:prstGeom>
+          <a:noFill/>
+        </p:spPr>
+        <p:txBody>
+          <a:bodyPr wrap="square" rtlCol="0">
+            <a:spAutoFit/>
+          </a:bodyPr>
+          <a:lstStyle/>
+          <a:p>
+            <a:r>
+              <a:rPr lang="en-US" dirty="0">
+                <a:latin typeface="Calibri" panose="020F0502020204030204" pitchFamily="34" charset="0"/>
+                <a:cs typeface="Calibri" panose="020F0502020204030204" pitchFamily="34" charset="0"/>
+              </a:rPr>
+              <a:t>Ride Data Analysis Between Casual Riders and </a:t>
+            </a:r>
+            <a:r>
+              <a:rPr lang="en-US" dirty="0" err="1">
+                <a:latin typeface="Calibri" panose="020F0502020204030204" pitchFamily="34" charset="0"/>
+                <a:cs typeface="Calibri" panose="020F0502020204030204" pitchFamily="34" charset="0"/>
+              </a:rPr>
+              <a:t>Cyclistic</a:t>
+            </a:r>
+            <a:r>
+              <a:rPr lang="en-US" dirty="0">
+                <a:latin typeface="Calibri" panose="020F0502020204030204" pitchFamily="34" charset="0"/>
+                <a:cs typeface="Calibri" panose="020F0502020204030204" pitchFamily="34" charset="0"/>
+              </a:rPr>
+              <a:t> Members</a:t>
+            </a:r>
+          </a:p>
+        </p:txBody>
+      </p:sp>
+      <p:pic>
+        <p:nvPicPr>
+          <p:cNvPr id="5" name="Picture 4">
+            <a:extLst>
+              <a:ext uri="{FF2B5EF4-FFF2-40B4-BE49-F238E27FC236}">
+                <a16:creationId xmlns:a16="http://schemas.microsoft.com/office/drawing/2014/main" id="{01E259BA-2E2C-FD3D-D3FE-5113FEB3F071}"/>
+              </a:ext>
+            </a:extLst>
+          </p:cNvPr>
+          <p:cNvPicPr>
+            <a:picLocks noChangeAspect="1"/>
+          </p:cNvPicPr>
+          <p:nvPr/>
+        </p:nvPicPr>
+        <p:blipFill>
+          <a:blip r:embed="rId2">
+            <a:extLst>
+              <a:ext uri="{28A0092B-C50C-407E-A947-70E740481C1C}">
+                <a14:useLocalDpi xmlns:a14="http://schemas.microsoft.com/office/drawing/2010/main" val="0"/>
+              </a:ext>
+            </a:extLst>
+          </a:blip>
+          <a:stretch>
+            <a:fillRect/>
+          </a:stretch>
+        </p:blipFill>
+        <p:spPr>
+          <a:xfrm>
+            <a:off x="152400" y="534432"/>
+            <a:ext cx="11887200" cy="5165575"/>
+          </a:xfrm>
+          <a:prstGeom prst="rect">
+            <a:avLst/>
+          </a:prstGeom>
+        </p:spPr>
+      </p:pic>
+    </p:spTree>
+    <p:extLst>
+      <p:ext uri="{BB962C8B-B14F-4D97-AF65-F5344CB8AC3E}">
+        <p14:creationId xmlns:p14="http://schemas.microsoft.com/office/powerpoint/2010/main" val="1073544542"/>
+      </p:ext>
+    </p:extLst>
+  </p:cSld>
+  <p:clrMapOvr>
+    <a:masterClrMapping/>
+  </p:clrMapOvr>
+</p:sld>
+</file>
+
+<file path=ppt/slides/slide7.xml><?xml version="1.0" encoding="utf-8"?>
+<p:sld xmlns:a="http://schemas.openxmlformats.org/drawingml/2006/main" xmlns:r="http://schemas.openxmlformats.org/officeDocument/2006/relationships" xmlns:p="http://schemas.openxmlformats.org/presentationml/2006/main">
+  <p:cSld>
+    <p:spTree>
+      <p:nvGrpSpPr>
+        <p:cNvPr id="1" name=""/>
+        <p:cNvGrpSpPr/>
+        <p:nvPr/>
+      </p:nvGrpSpPr>
+      <p:grpSpPr>
+        <a:xfrm>
+          <a:off x="0" y="0"/>
+          <a:ext cx="0" cy="0"/>
+          <a:chOff x="0" y="0"/>
+          <a:chExt cx="0" cy="0"/>
+        </a:xfrm>
+      </p:grpSpPr>
+      <p:sp>
+        <p:nvSpPr>
+          <p:cNvPr id="3" name="TextBox 2">
+            <a:extLst>
+              <a:ext uri="{FF2B5EF4-FFF2-40B4-BE49-F238E27FC236}">
+                <a16:creationId xmlns:a16="http://schemas.microsoft.com/office/drawing/2014/main" id="{D6C4DFDF-D264-383F-AEE0-38FCF2B2513A}"/>
+              </a:ext>
+            </a:extLst>
+          </p:cNvPr>
+          <p:cNvSpPr txBox="1"/>
+          <p:nvPr/>
+        </p:nvSpPr>
+        <p:spPr>
+          <a:xfrm>
+            <a:off x="292100" y="203200"/>
+            <a:ext cx="6365289" cy="369332"/>
+          </a:xfrm>
+          <a:prstGeom prst="rect">
+            <a:avLst/>
+          </a:prstGeom>
+          <a:noFill/>
+        </p:spPr>
+        <p:txBody>
+          <a:bodyPr wrap="square" rtlCol="0">
+            <a:spAutoFit/>
+          </a:bodyPr>
+          <a:lstStyle/>
+          <a:p>
+            <a:r>
+              <a:rPr lang="en-US" dirty="0">
+                <a:latin typeface="Calibri" panose="020F0502020204030204" pitchFamily="34" charset="0"/>
+                <a:cs typeface="Calibri" panose="020F0502020204030204" pitchFamily="34" charset="0"/>
+              </a:rPr>
+              <a:t>Ride Data Analysis Between Casual Riders and </a:t>
+            </a:r>
+            <a:r>
+              <a:rPr lang="en-US" dirty="0" err="1">
+                <a:latin typeface="Calibri" panose="020F0502020204030204" pitchFamily="34" charset="0"/>
+                <a:cs typeface="Calibri" panose="020F0502020204030204" pitchFamily="34" charset="0"/>
+              </a:rPr>
+              <a:t>Cyclistic</a:t>
+            </a:r>
+            <a:r>
+              <a:rPr lang="en-US" dirty="0">
+                <a:latin typeface="Calibri" panose="020F0502020204030204" pitchFamily="34" charset="0"/>
+                <a:cs typeface="Calibri" panose="020F0502020204030204" pitchFamily="34" charset="0"/>
+              </a:rPr>
+              <a:t> Members</a:t>
+            </a:r>
+          </a:p>
+        </p:txBody>
+      </p:sp>
+      <p:sp>
+        <p:nvSpPr>
+          <p:cNvPr id="4" name="TextBox 3">
+            <a:extLst>
+              <a:ext uri="{FF2B5EF4-FFF2-40B4-BE49-F238E27FC236}">
+                <a16:creationId xmlns:a16="http://schemas.microsoft.com/office/drawing/2014/main" id="{2E26263B-FDD8-D53C-91D3-1725DC4B0605}"/>
+              </a:ext>
+            </a:extLst>
+          </p:cNvPr>
+          <p:cNvSpPr txBox="1"/>
+          <p:nvPr/>
+        </p:nvSpPr>
+        <p:spPr>
+          <a:xfrm>
+            <a:off x="548504" y="928667"/>
+            <a:ext cx="11094991" cy="2308324"/>
+          </a:xfrm>
+          <a:prstGeom prst="rect">
+            <a:avLst/>
+          </a:prstGeom>
+          <a:noFill/>
+        </p:spPr>
+        <p:txBody>
+          <a:bodyPr wrap="square" rtlCol="0">
+            <a:spAutoFit/>
+          </a:bodyPr>
+          <a:lstStyle/>
+          <a:p>
+            <a:pPr marL="285750" indent="-285750">
+              <a:buFont typeface="Arial" panose="020B0604020202020204" pitchFamily="34" charset="0"/>
+              <a:buChar char="•"/>
+            </a:pPr>
+            <a:r>
+              <a:rPr lang="en-US" dirty="0"/>
+              <a:t>During weekdays, </a:t>
+            </a:r>
+            <a:r>
+              <a:rPr lang="en-US" dirty="0" err="1"/>
+              <a:t>Cyclistic</a:t>
+            </a:r>
+            <a:r>
+              <a:rPr lang="en-US" dirty="0"/>
+              <a:t> Members have higher ridership than Casual Riders group.</a:t>
+            </a:r>
+            <a:br>
+              <a:rPr lang="en-US" dirty="0"/>
+            </a:br>
+            <a:endParaRPr lang="en-US" dirty="0"/>
+          </a:p>
+          <a:p>
+            <a:pPr marL="285750" indent="-285750">
+              <a:buFont typeface="Arial" panose="020B0604020202020204" pitchFamily="34" charset="0"/>
+              <a:buChar char="•"/>
+            </a:pPr>
+            <a:r>
+              <a:rPr lang="en-US" dirty="0"/>
+              <a:t>However, the ridership of Casual Riders increased significantly during each weekends throughout the 12 months period.</a:t>
+            </a:r>
+          </a:p>
+          <a:p>
+            <a:pPr marL="285750" indent="-285750">
+              <a:buFont typeface="Arial" panose="020B0604020202020204" pitchFamily="34" charset="0"/>
+              <a:buChar char="•"/>
+            </a:pPr>
+            <a:endParaRPr lang="en-US" dirty="0"/>
+          </a:p>
+          <a:p>
+            <a:pPr marL="285750" indent="-285750">
+              <a:buFont typeface="Arial" panose="020B0604020202020204" pitchFamily="34" charset="0"/>
+              <a:buChar char="•"/>
+            </a:pPr>
+            <a:r>
+              <a:rPr lang="en-US" dirty="0"/>
+              <a:t>This represents the following:</a:t>
+            </a:r>
+          </a:p>
+          <a:p>
+            <a:pPr marL="800100" lvl="1" indent="-342900">
+              <a:buFont typeface="+mj-lt"/>
+              <a:buAutoNum type="arabicPeriod"/>
+            </a:pPr>
+            <a:r>
+              <a:rPr lang="en-US" dirty="0" err="1"/>
+              <a:t>Cyclistic</a:t>
+            </a:r>
+            <a:r>
+              <a:rPr lang="en-US" dirty="0"/>
+              <a:t> Members are using the </a:t>
+            </a:r>
+            <a:r>
+              <a:rPr lang="en-US" dirty="0" err="1"/>
+              <a:t>Cyclistic</a:t>
+            </a:r>
+            <a:r>
+              <a:rPr lang="en-US" dirty="0"/>
+              <a:t> bikes for their daily commute in close proximity</a:t>
+            </a:r>
+          </a:p>
+          <a:p>
+            <a:pPr marL="800100" lvl="1" indent="-342900">
+              <a:buFont typeface="+mj-lt"/>
+              <a:buAutoNum type="arabicPeriod"/>
+            </a:pPr>
+            <a:r>
+              <a:rPr lang="en-US" dirty="0"/>
+              <a:t>Casual Riders are using the bikes to travel to further for leisure.</a:t>
+            </a:r>
+          </a:p>
+        </p:txBody>
+      </p:sp>
+    </p:spTree>
+    <p:extLst>
+      <p:ext uri="{BB962C8B-B14F-4D97-AF65-F5344CB8AC3E}">
+        <p14:creationId xmlns:p14="http://schemas.microsoft.com/office/powerpoint/2010/main" val="205128324"/>
+      </p:ext>
+    </p:extLst>
+  </p:cSld>
+  <p:clrMapOvr>
+    <a:masterClrMapping/>
+  </p:clrMapOvr>
+</p:sld>
+</file>
+
+<file path=ppt/slides/slide8.xml><?xml version="1.0" encoding="utf-8"?>
+<p:sld xmlns:a="http://schemas.openxmlformats.org/drawingml/2006/main" xmlns:r="http://schemas.openxmlformats.org/officeDocument/2006/relationships" xmlns:p="http://schemas.openxmlformats.org/presentationml/2006/main">
+  <p:cSld>
+    <p:spTree>
+      <p:nvGrpSpPr>
+        <p:cNvPr id="1" name=""/>
+        <p:cNvGrpSpPr/>
+        <p:nvPr/>
+      </p:nvGrpSpPr>
+      <p:grpSpPr>
+        <a:xfrm>
+          <a:off x="0" y="0"/>
+          <a:ext cx="0" cy="0"/>
+          <a:chOff x="0" y="0"/>
+          <a:chExt cx="0" cy="0"/>
+        </a:xfrm>
+      </p:grpSpPr>
+      <p:sp>
+        <p:nvSpPr>
+          <p:cNvPr id="3" name="TextBox 2">
+            <a:extLst>
+              <a:ext uri="{FF2B5EF4-FFF2-40B4-BE49-F238E27FC236}">
+                <a16:creationId xmlns:a16="http://schemas.microsoft.com/office/drawing/2014/main" id="{D6C4DFDF-D264-383F-AEE0-38FCF2B2513A}"/>
+              </a:ext>
+            </a:extLst>
+          </p:cNvPr>
+          <p:cNvSpPr txBox="1"/>
+          <p:nvPr/>
+        </p:nvSpPr>
+        <p:spPr>
+          <a:xfrm>
+            <a:off x="292100" y="203200"/>
+            <a:ext cx="6365289" cy="369332"/>
+          </a:xfrm>
+          <a:prstGeom prst="rect">
+            <a:avLst/>
+          </a:prstGeom>
+          <a:noFill/>
+        </p:spPr>
+        <p:txBody>
+          <a:bodyPr wrap="square" rtlCol="0">
+            <a:spAutoFit/>
+          </a:bodyPr>
+          <a:lstStyle/>
+          <a:p>
+            <a:r>
+              <a:rPr lang="en-US" dirty="0">
+                <a:latin typeface="Calibri" panose="020F0502020204030204" pitchFamily="34" charset="0"/>
+                <a:cs typeface="Calibri" panose="020F0502020204030204" pitchFamily="34" charset="0"/>
+              </a:rPr>
+              <a:t>Recommendations</a:t>
+            </a:r>
+          </a:p>
+        </p:txBody>
+      </p:sp>
+      <p:sp>
+        <p:nvSpPr>
+          <p:cNvPr id="4" name="TextBox 3">
+            <a:extLst>
+              <a:ext uri="{FF2B5EF4-FFF2-40B4-BE49-F238E27FC236}">
+                <a16:creationId xmlns:a16="http://schemas.microsoft.com/office/drawing/2014/main" id="{2E26263B-FDD8-D53C-91D3-1725DC4B0605}"/>
+              </a:ext>
+            </a:extLst>
+          </p:cNvPr>
+          <p:cNvSpPr txBox="1"/>
+          <p:nvPr/>
+        </p:nvSpPr>
+        <p:spPr>
+          <a:xfrm>
+            <a:off x="609600" y="902731"/>
+            <a:ext cx="10777491" cy="2308324"/>
+          </a:xfrm>
+          <a:prstGeom prst="rect">
+            <a:avLst/>
+          </a:prstGeom>
+          <a:noFill/>
+        </p:spPr>
+        <p:txBody>
+          <a:bodyPr wrap="square" rtlCol="0">
+            <a:spAutoFit/>
+          </a:bodyPr>
+          <a:lstStyle/>
+          <a:p>
+            <a:pPr marL="342900" indent="-342900">
+              <a:buFont typeface="+mj-lt"/>
+              <a:buAutoNum type="arabicPeriod"/>
+            </a:pPr>
+            <a:r>
+              <a:rPr lang="en-US" dirty="0">
+                <a:latin typeface="Calibri" panose="020F0502020204030204" pitchFamily="34" charset="0"/>
+                <a:cs typeface="Calibri" panose="020F0502020204030204" pitchFamily="34" charset="0"/>
+              </a:rPr>
+              <a:t>Encourage Casual Riders to use bikes for their daily commutes by providing membership discount for the first 3 months of joining</a:t>
+            </a:r>
+          </a:p>
+          <a:p>
+            <a:pPr marL="342900" indent="-342900">
+              <a:buFont typeface="+mj-lt"/>
+              <a:buAutoNum type="arabicPeriod"/>
+            </a:pPr>
+            <a:endParaRPr lang="en-US" dirty="0">
+              <a:latin typeface="Calibri" panose="020F0502020204030204" pitchFamily="34" charset="0"/>
+              <a:cs typeface="Calibri" panose="020F0502020204030204" pitchFamily="34" charset="0"/>
+            </a:endParaRPr>
+          </a:p>
+          <a:p>
+            <a:pPr marL="342900" indent="-342900">
+              <a:buFont typeface="+mj-lt"/>
+              <a:buAutoNum type="arabicPeriod"/>
+            </a:pPr>
+            <a:r>
+              <a:rPr lang="en-US" dirty="0">
+                <a:latin typeface="Calibri" panose="020F0502020204030204" pitchFamily="34" charset="0"/>
+                <a:cs typeface="Calibri" panose="020F0502020204030204" pitchFamily="34" charset="0"/>
+              </a:rPr>
+              <a:t>3 months discount membership for Casual Riders with electric bike and classic bike to be used with no extra charge/fee</a:t>
+            </a:r>
+          </a:p>
+          <a:p>
+            <a:pPr marL="342900" indent="-342900">
+              <a:buFont typeface="+mj-lt"/>
+              <a:buAutoNum type="arabicPeriod"/>
+            </a:pPr>
+            <a:endParaRPr lang="en-US" dirty="0">
+              <a:latin typeface="Calibri" panose="020F0502020204030204" pitchFamily="34" charset="0"/>
+              <a:cs typeface="Calibri" panose="020F0502020204030204" pitchFamily="34" charset="0"/>
+            </a:endParaRPr>
+          </a:p>
+          <a:p>
+            <a:pPr marL="342900" indent="-342900">
+              <a:buFont typeface="+mj-lt"/>
+              <a:buAutoNum type="arabicPeriod"/>
+            </a:pPr>
+            <a:r>
+              <a:rPr lang="en-US" dirty="0">
+                <a:latin typeface="Calibri" panose="020F0502020204030204" pitchFamily="34" charset="0"/>
+                <a:cs typeface="Calibri" panose="020F0502020204030204" pitchFamily="34" charset="0"/>
+              </a:rPr>
+              <a:t>Promote regular bike riding as health improving exercise by giving before and after heart rate and blood pressure checks and a 3 months discount membership trial</a:t>
+            </a:r>
+          </a:p>
+        </p:txBody>
+      </p:sp>
+    </p:spTree>
+    <p:extLst>
+      <p:ext uri="{BB962C8B-B14F-4D97-AF65-F5344CB8AC3E}">
+        <p14:creationId xmlns:p14="http://schemas.microsoft.com/office/powerpoint/2010/main" val="2323849089"/>
       </p:ext>
     </p:extLst>
   </p:cSld>
@@ -3490,108 +4538,58 @@
 </file>
 
 <file path=ppt/theme/theme1.xml><?xml version="1.0" encoding="utf-8"?>
-<a:theme xmlns:a="http://schemas.openxmlformats.org/drawingml/2006/main" name="Office Theme">
+<a:theme xmlns:a="http://schemas.openxmlformats.org/drawingml/2006/main" name="Parcel">
   <a:themeElements>
-    <a:clrScheme name="Office">
+    <a:clrScheme name="Parcel">
       <a:dk1>
-        <a:sysClr val="windowText" lastClr="000000"/>
+        <a:srgbClr val="000000"/>
       </a:dk1>
       <a:lt1>
-        <a:sysClr val="window" lastClr="FFFFFF"/>
+        <a:srgbClr val="FFFFFF"/>
       </a:lt1>
       <a:dk2>
-        <a:srgbClr val="44546A"/>
+        <a:srgbClr val="4A5356"/>
       </a:dk2>
       <a:lt2>
-        <a:srgbClr val="E7E6E6"/>
+        <a:srgbClr val="E8E3CE"/>
       </a:lt2>
       <a:accent1>
-        <a:srgbClr val="4472C4"/>
+        <a:srgbClr val="F6A21D"/>
       </a:accent1>
       <a:accent2>
-        <a:srgbClr val="ED7D31"/>
+        <a:srgbClr val="9BAFB5"/>
       </a:accent2>
       <a:accent3>
-        <a:srgbClr val="A5A5A5"/>
+        <a:srgbClr val="C96731"/>
       </a:accent3>
       <a:accent4>
-        <a:srgbClr val="FFC000"/>
+        <a:srgbClr val="9CA383"/>
       </a:accent4>
       <a:accent5>
-        <a:srgbClr val="5B9BD5"/>
+        <a:srgbClr val="87795D"/>
       </a:accent5>
       <a:accent6>
-        <a:srgbClr val="70AD47"/>
+        <a:srgbClr val="A0988C"/>
       </a:accent6>
       <a:hlink>
-        <a:srgbClr val="0563C1"/>
+        <a:srgbClr val="00B0F0"/>
       </a:hlink>
       <a:folHlink>
-        <a:srgbClr val="954F72"/>
+        <a:srgbClr val="738F97"/>
       </a:folHlink>
     </a:clrScheme>
-    <a:fontScheme name="Office">
+    <a:fontScheme name="Parcel">
       <a:majorFont>
-        <a:latin typeface="Calibri Light" panose="020F0302020204030204"/>
+        <a:latin typeface="Gill Sans MT" panose="020B0502020104020203"/>
         <a:ea typeface=""/>
         <a:cs typeface=""/>
-        <a:font script="Jpan" typeface="游ゴシック Light"/>
-        <a:font script="Hang" typeface="맑은 고딕"/>
-        <a:font script="Hans" typeface="等线 Light"/>
-        <a:font script="Hant" typeface="新細明體"/>
-        <a:font script="Arab" typeface="Times New Roman"/>
-        <a:font script="Hebr" typeface="Times New Roman"/>
-        <a:font script="Thai" typeface="Angsana New"/>
-        <a:font script="Ethi" typeface="Nyala"/>
-        <a:font script="Beng" typeface="Vrinda"/>
-        <a:font script="Gujr" typeface="Shruti"/>
-        <a:font script="Khmr" typeface="MoolBoran"/>
-        <a:font script="Knda" typeface="Tunga"/>
-        <a:font script="Guru" typeface="Raavi"/>
-        <a:font script="Cans" typeface="Euphemia"/>
-        <a:font script="Cher" typeface="Plantagenet Cherokee"/>
-        <a:font script="Yiii" typeface="Microsoft Yi Baiti"/>
-        <a:font script="Tibt" typeface="Microsoft Himalaya"/>
-        <a:font script="Thaa" typeface="MV Boli"/>
-        <a:font script="Deva" typeface="Mangal"/>
-        <a:font script="Telu" typeface="Gautami"/>
-        <a:font script="Taml" typeface="Latha"/>
-        <a:font script="Syrc" typeface="Estrangelo Edessa"/>
-        <a:font script="Orya" typeface="Kalinga"/>
-        <a:font script="Mlym" typeface="Kartika"/>
-        <a:font script="Laoo" typeface="DokChampa"/>
-        <a:font script="Sinh" typeface="Iskoola Pota"/>
-        <a:font script="Mong" typeface="Mongolian Baiti"/>
-        <a:font script="Viet" typeface="Times New Roman"/>
-        <a:font script="Uigh" typeface="Microsoft Uighur"/>
-        <a:font script="Geor" typeface="Sylfaen"/>
-        <a:font script="Armn" typeface="Arial"/>
-        <a:font script="Bugi" typeface="Leelawadee UI"/>
-        <a:font script="Bopo" typeface="Microsoft JhengHei"/>
-        <a:font script="Java" typeface="Javanese Text"/>
-        <a:font script="Lisu" typeface="Segoe UI"/>
-        <a:font script="Mymr" typeface="Myanmar Text"/>
-        <a:font script="Nkoo" typeface="Ebrima"/>
-        <a:font script="Olck" typeface="Nirmala UI"/>
-        <a:font script="Osma" typeface="Ebrima"/>
-        <a:font script="Phag" typeface="Phagspa"/>
-        <a:font script="Syrn" typeface="Estrangelo Edessa"/>
-        <a:font script="Syrj" typeface="Estrangelo Edessa"/>
-        <a:font script="Syre" typeface="Estrangelo Edessa"/>
-        <a:font script="Sora" typeface="Nirmala UI"/>
-        <a:font script="Tale" typeface="Microsoft Tai Le"/>
-        <a:font script="Talu" typeface="Microsoft New Tai Lue"/>
-        <a:font script="Tfng" typeface="Ebrima"/>
-      </a:majorFont>
-      <a:minorFont>
-        <a:latin typeface="Calibri" panose="020F0502020204030204"/>
-        <a:ea typeface=""/>
-        <a:cs typeface=""/>
-        <a:font script="Jpan" typeface="游ゴシック"/>
-        <a:font script="Hang" typeface="맑은 고딕"/>
-        <a:font script="Hans" typeface="等线"/>
-        <a:font script="Hant" typeface="新細明體"/>
-        <a:font script="Arab" typeface="Arial"/>
+        <a:font script="Grek" typeface="Corbel"/>
+        <a:font script="Cyrl" typeface="Corbel"/>
+        <a:font script="Jpan" typeface="HGｺﾞｼｯｸE"/>
+        <a:font script="Hang" typeface="휴먼매직체"/>
+        <a:font script="Hans" typeface="华文中宋"/>
+        <a:font script="Hant" typeface="微軟正黑體"/>
+        <a:font script="Arab" typeface="Majalla UI"/>
         <a:font script="Hebr" typeface="Arial"/>
         <a:font script="Thai" typeface="Cordia New"/>
         <a:font script="Ethi" typeface="Nyala"/>
@@ -3614,29 +4612,49 @@
         <a:font script="Laoo" typeface="DokChampa"/>
         <a:font script="Sinh" typeface="Iskoola Pota"/>
         <a:font script="Mong" typeface="Mongolian Baiti"/>
-        <a:font script="Viet" typeface="Arial"/>
+        <a:font script="Viet" typeface="Tahoma"/>
         <a:font script="Uigh" typeface="Microsoft Uighur"/>
         <a:font script="Geor" typeface="Sylfaen"/>
-        <a:font script="Armn" typeface="Arial"/>
-        <a:font script="Bugi" typeface="Leelawadee UI"/>
-        <a:font script="Bopo" typeface="Microsoft JhengHei"/>
-        <a:font script="Java" typeface="Javanese Text"/>
-        <a:font script="Lisu" typeface="Segoe UI"/>
-        <a:font script="Mymr" typeface="Myanmar Text"/>
-        <a:font script="Nkoo" typeface="Ebrima"/>
-        <a:font script="Olck" typeface="Nirmala UI"/>
-        <a:font script="Osma" typeface="Ebrima"/>
-        <a:font script="Phag" typeface="Phagspa"/>
-        <a:font script="Syrn" typeface="Estrangelo Edessa"/>
-        <a:font script="Syrj" typeface="Estrangelo Edessa"/>
-        <a:font script="Syre" typeface="Estrangelo Edessa"/>
-        <a:font script="Sora" typeface="Nirmala UI"/>
-        <a:font script="Tale" typeface="Microsoft Tai Le"/>
-        <a:font script="Talu" typeface="Microsoft New Tai Lue"/>
-        <a:font script="Tfng" typeface="Ebrima"/>
+      </a:majorFont>
+      <a:minorFont>
+        <a:latin typeface="Gill Sans MT" panose="020B0502020104020203"/>
+        <a:ea typeface=""/>
+        <a:cs typeface=""/>
+        <a:font script="Grek" typeface="Corbel"/>
+        <a:font script="Cyrl" typeface="Corbel"/>
+        <a:font script="Jpan" typeface="HGｺﾞｼｯｸE"/>
+        <a:font script="Hang" typeface="휴먼매직체"/>
+        <a:font script="Hans" typeface="华文中宋"/>
+        <a:font script="Hant" typeface="微軟正黑體"/>
+        <a:font script="Arab" typeface="Majalla UI"/>
+        <a:font script="Hebr" typeface="Arial"/>
+        <a:font script="Thai" typeface="Cordia New"/>
+        <a:font script="Ethi" typeface="Nyala"/>
+        <a:font script="Beng" typeface="Vrinda"/>
+        <a:font script="Gujr" typeface="Shruti"/>
+        <a:font script="Khmr" typeface="DaunPenh"/>
+        <a:font script="Knda" typeface="Tunga"/>
+        <a:font script="Guru" typeface="Raavi"/>
+        <a:font script="Cans" typeface="Euphemia"/>
+        <a:font script="Cher" typeface="Plantagenet Cherokee"/>
+        <a:font script="Yiii" typeface="Microsoft Yi Baiti"/>
+        <a:font script="Tibt" typeface="Microsoft Himalaya"/>
+        <a:font script="Thaa" typeface="MV Boli"/>
+        <a:font script="Deva" typeface="Mangal"/>
+        <a:font script="Telu" typeface="Gautami"/>
+        <a:font script="Taml" typeface="Latha"/>
+        <a:font script="Syrc" typeface="Estrangelo Edessa"/>
+        <a:font script="Orya" typeface="Kalinga"/>
+        <a:font script="Mlym" typeface="Kartika"/>
+        <a:font script="Laoo" typeface="DokChampa"/>
+        <a:font script="Sinh" typeface="Iskoola Pota"/>
+        <a:font script="Mong" typeface="Mongolian Baiti"/>
+        <a:font script="Viet" typeface="Tahoma"/>
+        <a:font script="Uigh" typeface="Microsoft Uighur"/>
+        <a:font script="Geor" typeface="Sylfaen"/>
       </a:minorFont>
     </a:fontScheme>
-    <a:fmtScheme name="Office">
+    <a:fmtScheme name="Parcel">
       <a:fillStyleLst>
         <a:solidFill>
           <a:schemeClr val="phClr"/>
@@ -3645,23 +4663,16 @@
           <a:gsLst>
             <a:gs pos="0">
               <a:schemeClr val="phClr">
-                <a:lumMod val="110000"/>
-                <a:satMod val="105000"/>
-                <a:tint val="67000"/>
-              </a:schemeClr>
-            </a:gs>
-            <a:gs pos="50000">
-              <a:schemeClr val="phClr">
-                <a:lumMod val="105000"/>
-                <a:satMod val="103000"/>
-                <a:tint val="73000"/>
+                <a:tint val="80000"/>
+                <a:satMod val="107000"/>
+                <a:lumMod val="103000"/>
               </a:schemeClr>
             </a:gs>
             <a:gs pos="100000">
               <a:schemeClr val="phClr">
-                <a:lumMod val="105000"/>
+                <a:tint val="82000"/>
                 <a:satMod val="109000"/>
-                <a:tint val="81000"/>
+                <a:lumMod val="103000"/>
               </a:schemeClr>
             </a:gs>
           </a:gsLst>
@@ -3671,23 +4682,23 @@
           <a:gsLst>
             <a:gs pos="0">
               <a:schemeClr val="phClr">
-                <a:satMod val="103000"/>
+                <a:tint val="97000"/>
+                <a:satMod val="100000"/>
                 <a:lumMod val="102000"/>
-                <a:tint val="94000"/>
               </a:schemeClr>
             </a:gs>
             <a:gs pos="50000">
               <a:schemeClr val="phClr">
-                <a:satMod val="110000"/>
+                <a:shade val="100000"/>
+                <a:satMod val="103000"/>
                 <a:lumMod val="100000"/>
-                <a:shade val="100000"/>
               </a:schemeClr>
             </a:gs>
             <a:gs pos="100000">
               <a:schemeClr val="phClr">
+                <a:shade val="93000"/>
+                <a:satMod val="110000"/>
                 <a:lumMod val="99000"/>
-                <a:satMod val="120000"/>
-                <a:shade val="78000"/>
               </a:schemeClr>
             </a:gs>
           </a:gsLst>
@@ -3700,21 +4711,18 @@
             <a:schemeClr val="phClr"/>
           </a:solidFill>
           <a:prstDash val="solid"/>
-          <a:miter lim="800000"/>
         </a:ln>
         <a:ln w="12700" cap="flat" cmpd="sng" algn="ctr">
           <a:solidFill>
             <a:schemeClr val="phClr"/>
           </a:solidFill>
           <a:prstDash val="solid"/>
-          <a:miter lim="800000"/>
         </a:ln>
-        <a:ln w="19050" cap="flat" cmpd="sng" algn="ctr">
+        <a:ln w="31750" cap="flat" cmpd="sng" algn="ctr">
           <a:solidFill>
             <a:schemeClr val="phClr"/>
           </a:solidFill>
           <a:prstDash val="solid"/>
-          <a:miter lim="800000"/>
         </a:ln>
       </a:lnStyleLst>
       <a:effectStyleLst>
@@ -3726,12 +4734,21 @@
         </a:effectStyle>
         <a:effectStyle>
           <a:effectLst>
-            <a:outerShdw blurRad="57150" dist="19050" dir="5400000" algn="ctr" rotWithShape="0">
+            <a:outerShdw blurRad="55880" dist="15240" dir="5400000" algn="ctr" rotWithShape="0">
               <a:srgbClr val="000000">
-                <a:alpha val="63000"/>
+                <a:alpha val="45000"/>
               </a:srgbClr>
             </a:outerShdw>
           </a:effectLst>
+          <a:scene3d>
+            <a:camera prst="orthographicFront">
+              <a:rot lat="0" lon="0" rev="0"/>
+            </a:camera>
+            <a:lightRig rig="brightRoom" dir="tl"/>
+          </a:scene3d>
+          <a:sp3d prstMaterial="dkEdge">
+            <a:bevelT w="0" h="0"/>
+          </a:sp3d>
         </a:effectStyle>
       </a:effectStyleLst>
       <a:bgFillStyleLst>
@@ -3748,28 +4765,24 @@
           <a:gsLst>
             <a:gs pos="0">
               <a:schemeClr val="phClr">
-                <a:tint val="93000"/>
-                <a:satMod val="150000"/>
-                <a:shade val="98000"/>
-                <a:lumMod val="102000"/>
-              </a:schemeClr>
-            </a:gs>
-            <a:gs pos="50000">
-              <a:schemeClr val="phClr">
-                <a:tint val="98000"/>
-                <a:satMod val="130000"/>
-                <a:shade val="90000"/>
-                <a:lumMod val="103000"/>
+                <a:tint val="97000"/>
+                <a:shade val="100000"/>
+                <a:satMod val="185000"/>
+                <a:lumMod val="120000"/>
               </a:schemeClr>
             </a:gs>
             <a:gs pos="100000">
               <a:schemeClr val="phClr">
-                <a:shade val="63000"/>
-                <a:satMod val="120000"/>
+                <a:tint val="96000"/>
+                <a:shade val="95000"/>
+                <a:satMod val="215000"/>
+                <a:lumMod val="80000"/>
               </a:schemeClr>
             </a:gs>
           </a:gsLst>
-          <a:lin ang="5400000" scaled="0"/>
+          <a:path path="circle">
+            <a:fillToRect l="50000" t="55000" r="125000" b="100000"/>
+          </a:path>
         </a:gradFill>
       </a:bgFillStyleLst>
     </a:fmtScheme>
@@ -3778,7 +4791,7 @@
   <a:extraClrSchemeLst/>
   <a:extLst>
     <a:ext uri="{05A4C25C-085E-4340-85A3-A5531E510DB2}">
-      <thm15:themeFamily xmlns:thm15="http://schemas.microsoft.com/office/thememl/2012/main" name="Office Theme" id="{62F939B6-93AF-4DB8-9C6B-D6C7DFDC589F}" vid="{4A3C46E8-61CC-4603-A589-7422A47A8E4A}"/>
+      <thm15:themeFamily xmlns:thm15="http://schemas.microsoft.com/office/thememl/2012/main" name="Parcel" id="{8BEC4385-4EB9-4D53-BFB5-0EA123736B6D}" vid="{4DB32801-28C0-48B0-8C1D-A9A58613615A}"/>
     </a:ext>
   </a:extLst>
 </a:theme>

--- a/Capstone.pptx
+++ b/Capstone.pptx
@@ -6,13 +6,11 @@
   </p:sldMasterIdLst>
   <p:sldIdLst>
     <p:sldId id="256" r:id="rId2"/>
-    <p:sldId id="257" r:id="rId3"/>
-    <p:sldId id="261" r:id="rId4"/>
+    <p:sldId id="264" r:id="rId3"/>
+    <p:sldId id="257" r:id="rId4"/>
     <p:sldId id="259" r:id="rId5"/>
-    <p:sldId id="263" r:id="rId6"/>
-    <p:sldId id="260" r:id="rId7"/>
-    <p:sldId id="262" r:id="rId8"/>
-    <p:sldId id="258" r:id="rId9"/>
+    <p:sldId id="260" r:id="rId6"/>
+    <p:sldId id="258" r:id="rId7"/>
   </p:sldIdLst>
   <p:sldSz cx="12192000" cy="6858000"/>
   <p:notesSz cx="6858000" cy="9144000"/>
@@ -282,7 +280,7 @@
           <a:p>
             <a:fld id="{EED1C14C-A143-42F5-B247-D0E800131009}" type="datetimeFigureOut">
               <a:rPr lang="en-US" smtClean="0"/>
-              <a:t>7/24/22</a:t>
+              <a:t>7/25/22</a:t>
             </a:fld>
             <a:endParaRPr lang="en-US"/>
           </a:p>
@@ -452,7 +450,7 @@
           <a:p>
             <a:fld id="{EED1C14C-A143-42F5-B247-D0E800131009}" type="datetimeFigureOut">
               <a:rPr lang="en-US" smtClean="0"/>
-              <a:t>7/24/22</a:t>
+              <a:t>7/25/22</a:t>
             </a:fld>
             <a:endParaRPr lang="en-US"/>
           </a:p>
@@ -632,7 +630,7 @@
           <a:p>
             <a:fld id="{EED1C14C-A143-42F5-B247-D0E800131009}" type="datetimeFigureOut">
               <a:rPr lang="en-US" smtClean="0"/>
-              <a:t>7/24/22</a:t>
+              <a:t>7/25/22</a:t>
             </a:fld>
             <a:endParaRPr lang="en-US"/>
           </a:p>
@@ -802,7 +800,7 @@
           <a:p>
             <a:fld id="{EED1C14C-A143-42F5-B247-D0E800131009}" type="datetimeFigureOut">
               <a:rPr lang="en-US" smtClean="0"/>
-              <a:t>7/24/22</a:t>
+              <a:t>7/25/22</a:t>
             </a:fld>
             <a:endParaRPr lang="en-US"/>
           </a:p>
@@ -1070,7 +1068,7 @@
           <a:p>
             <a:fld id="{EED1C14C-A143-42F5-B247-D0E800131009}" type="datetimeFigureOut">
               <a:rPr lang="en-US" smtClean="0"/>
-              <a:t>7/24/22</a:t>
+              <a:t>7/25/22</a:t>
             </a:fld>
             <a:endParaRPr lang="en-US"/>
           </a:p>
@@ -1302,7 +1300,7 @@
           <a:p>
             <a:fld id="{EED1C14C-A143-42F5-B247-D0E800131009}" type="datetimeFigureOut">
               <a:rPr lang="en-US" smtClean="0"/>
-              <a:t>7/24/22</a:t>
+              <a:t>7/25/22</a:t>
             </a:fld>
             <a:endParaRPr lang="en-US"/>
           </a:p>
@@ -1661,7 +1659,7 @@
           <a:p>
             <a:fld id="{EED1C14C-A143-42F5-B247-D0E800131009}" type="datetimeFigureOut">
               <a:rPr lang="en-US" smtClean="0"/>
-              <a:t>7/24/22</a:t>
+              <a:t>7/25/22</a:t>
             </a:fld>
             <a:endParaRPr lang="en-US"/>
           </a:p>
@@ -1802,7 +1800,7 @@
           <a:p>
             <a:fld id="{EED1C14C-A143-42F5-B247-D0E800131009}" type="datetimeFigureOut">
               <a:rPr lang="en-US" smtClean="0"/>
-              <a:t>7/24/22</a:t>
+              <a:t>7/25/22</a:t>
             </a:fld>
             <a:endParaRPr lang="en-US"/>
           </a:p>
@@ -1897,7 +1895,7 @@
           <a:p>
             <a:fld id="{EED1C14C-A143-42F5-B247-D0E800131009}" type="datetimeFigureOut">
               <a:rPr lang="en-US" smtClean="0"/>
-              <a:t>7/24/22</a:t>
+              <a:t>7/25/22</a:t>
             </a:fld>
             <a:endParaRPr lang="en-US"/>
           </a:p>
@@ -2254,7 +2252,7 @@
           <a:p>
             <a:fld id="{EED1C14C-A143-42F5-B247-D0E800131009}" type="datetimeFigureOut">
               <a:rPr lang="en-US" smtClean="0"/>
-              <a:t>7/24/22</a:t>
+              <a:t>7/25/22</a:t>
             </a:fld>
             <a:endParaRPr lang="en-US"/>
           </a:p>
@@ -2611,7 +2609,7 @@
           <a:p>
             <a:fld id="{EED1C14C-A143-42F5-B247-D0E800131009}" type="datetimeFigureOut">
               <a:rPr lang="en-US" smtClean="0"/>
-              <a:t>7/24/22</a:t>
+              <a:t>7/25/22</a:t>
             </a:fld>
             <a:endParaRPr lang="en-US"/>
           </a:p>
@@ -2853,7 +2851,7 @@
           <a:p>
             <a:fld id="{EED1C14C-A143-42F5-B247-D0E800131009}" type="datetimeFigureOut">
               <a:rPr lang="en-US" smtClean="0"/>
-              <a:t>7/24/22</a:t>
+              <a:t>7/25/22</a:t>
             </a:fld>
             <a:endParaRPr lang="en-US"/>
           </a:p>
@@ -3440,7 +3438,7 @@
           <p:cNvPr id="3" name="TextBox 2">
             <a:extLst>
               <a:ext uri="{FF2B5EF4-FFF2-40B4-BE49-F238E27FC236}">
-                <a16:creationId xmlns:a16="http://schemas.microsoft.com/office/drawing/2014/main" id="{A4676E97-8700-5508-30D3-FA76206D5323}"/>
+                <a16:creationId xmlns:a16="http://schemas.microsoft.com/office/drawing/2014/main" id="{D6C4DFDF-D264-383F-AEE0-38FCF2B2513A}"/>
               </a:ext>
             </a:extLst>
           </p:cNvPr>
@@ -3449,7 +3447,7 @@
         </p:nvSpPr>
         <p:spPr>
           <a:xfrm>
-            <a:off x="152400" y="165100"/>
+            <a:off x="292100" y="203200"/>
             <a:ext cx="6365289" cy="369332"/>
           </a:xfrm>
           <a:prstGeom prst="rect">
@@ -3468,65 +3466,151 @@
                 <a:latin typeface="Calibri" panose="020F0502020204030204" pitchFamily="34" charset="0"/>
                 <a:cs typeface="Calibri" panose="020F0502020204030204" pitchFamily="34" charset="0"/>
               </a:rPr>
-              <a:t>Ride Data Analysis Between Casual Riders and </a:t>
-            </a:r>
-            <a:r>
-              <a:rPr lang="en-US" dirty="0" err="1">
-                <a:latin typeface="Calibri" panose="020F0502020204030204" pitchFamily="34" charset="0"/>
-                <a:cs typeface="Calibri" panose="020F0502020204030204" pitchFamily="34" charset="0"/>
-              </a:rPr>
-              <a:t>Cyclistic</a:t>
-            </a:r>
-            <a:r>
-              <a:rPr lang="en-US" dirty="0">
-                <a:latin typeface="Calibri" panose="020F0502020204030204" pitchFamily="34" charset="0"/>
-                <a:cs typeface="Calibri" panose="020F0502020204030204" pitchFamily="34" charset="0"/>
-              </a:rPr>
-              <a:t> Members</a:t>
-            </a:r>
-          </a:p>
-        </p:txBody>
-      </p:sp>
-      <p:pic>
-        <p:nvPicPr>
-          <p:cNvPr id="11" name="Picture 10">
+              <a:t>Ride Data Analysis Between Casual Riders and Cyclistic Members</a:t>
+            </a:r>
+          </a:p>
+        </p:txBody>
+      </p:sp>
+      <p:sp>
+        <p:nvSpPr>
+          <p:cNvPr id="4" name="TextBox 3">
             <a:extLst>
               <a:ext uri="{FF2B5EF4-FFF2-40B4-BE49-F238E27FC236}">
-                <a16:creationId xmlns:a16="http://schemas.microsoft.com/office/drawing/2014/main" id="{1B07CFC3-51A3-6DDA-D03A-63BB8EF4B0B6}"/>
+                <a16:creationId xmlns:a16="http://schemas.microsoft.com/office/drawing/2014/main" id="{2E26263B-FDD8-D53C-91D3-1725DC4B0605}"/>
               </a:ext>
             </a:extLst>
           </p:cNvPr>
-          <p:cNvPicPr>
-            <a:picLocks noChangeAspect="1"/>
-          </p:cNvPicPr>
+          <p:cNvSpPr txBox="1"/>
           <p:nvPr/>
-        </p:nvPicPr>
-        <p:blipFill>
-          <a:blip r:embed="rId2">
-            <a:extLst>
-              <a:ext uri="{28A0092B-C50C-407E-A947-70E740481C1C}">
-                <a14:useLocalDpi xmlns:a14="http://schemas.microsoft.com/office/drawing/2010/main" val="0"/>
-              </a:ext>
-            </a:extLst>
-          </a:blip>
-          <a:stretch>
-            <a:fillRect/>
-          </a:stretch>
-        </p:blipFill>
+        </p:nvSpPr>
         <p:spPr>
           <a:xfrm>
-            <a:off x="152400" y="534432"/>
-            <a:ext cx="11887200" cy="4783225"/>
+            <a:off x="548504" y="928667"/>
+            <a:ext cx="11094991" cy="3416320"/>
           </a:xfrm>
           <a:prstGeom prst="rect">
             <a:avLst/>
           </a:prstGeom>
+          <a:noFill/>
         </p:spPr>
-      </p:pic>
+        <p:txBody>
+          <a:bodyPr wrap="square" rtlCol="0">
+            <a:spAutoFit/>
+          </a:bodyPr>
+          <a:lstStyle/>
+          <a:p>
+            <a:pPr marL="285750" indent="-285750">
+              <a:buFont typeface="Arial" panose="020B0604020202020204" pitchFamily="34" charset="0"/>
+              <a:buChar char="•"/>
+            </a:pPr>
+            <a:r>
+              <a:rPr lang="en-US" dirty="0"/>
+              <a:t>Problem:</a:t>
+            </a:r>
+          </a:p>
+          <a:p>
+            <a:pPr marL="742950" lvl="1" indent="-285750">
+              <a:buFont typeface="Arial" panose="020B0604020202020204" pitchFamily="34" charset="0"/>
+              <a:buChar char="•"/>
+            </a:pPr>
+            <a:r>
+              <a:rPr lang="en-US" dirty="0"/>
+              <a:t>Lack of incentive for Casual Riders to join Cyclistic Membership program</a:t>
+            </a:r>
+          </a:p>
+          <a:p>
+            <a:pPr marL="742950" lvl="1" indent="-285750">
+              <a:buFont typeface="Arial" panose="020B0604020202020204" pitchFamily="34" charset="0"/>
+              <a:buChar char="•"/>
+            </a:pPr>
+            <a:r>
+              <a:rPr lang="en-US" dirty="0"/>
+              <a:t>Do not know the differentiation of Cyclistic bikes usage habit between Casual Riders and Cyclistic Members</a:t>
+            </a:r>
+          </a:p>
+          <a:p>
+            <a:pPr marL="742950" lvl="1" indent="-285750">
+              <a:buFont typeface="Arial" panose="020B0604020202020204" pitchFamily="34" charset="0"/>
+              <a:buChar char="•"/>
+            </a:pPr>
+            <a:endParaRPr lang="en-US" dirty="0"/>
+          </a:p>
+          <a:p>
+            <a:pPr marL="285750" indent="-285750">
+              <a:buFont typeface="Arial" panose="020B0604020202020204" pitchFamily="34" charset="0"/>
+              <a:buChar char="•"/>
+            </a:pPr>
+            <a:r>
+              <a:rPr lang="en-US" dirty="0"/>
+              <a:t>Solutions:</a:t>
+            </a:r>
+          </a:p>
+          <a:p>
+            <a:pPr marL="742950" lvl="1" indent="-285750">
+              <a:buFont typeface="Arial" panose="020B0604020202020204" pitchFamily="34" charset="0"/>
+              <a:buChar char="•"/>
+            </a:pPr>
+            <a:r>
+              <a:rPr lang="en-US" dirty="0"/>
+              <a:t>Identify the differentiation of Cyclistic bikes usage habit between Casual Riders and Cyclistic Members. </a:t>
+            </a:r>
+          </a:p>
+          <a:p>
+            <a:pPr marL="742950" lvl="1" indent="-285750">
+              <a:buFont typeface="Arial" panose="020B0604020202020204" pitchFamily="34" charset="0"/>
+              <a:buChar char="•"/>
+            </a:pPr>
+            <a:r>
+              <a:rPr lang="en-US" dirty="0"/>
+              <a:t>This allows the business is understand the following:</a:t>
+            </a:r>
+          </a:p>
+          <a:p>
+            <a:pPr marL="1200150" lvl="2" indent="-285750">
+              <a:buFont typeface="Arial" panose="020B0604020202020204" pitchFamily="34" charset="0"/>
+              <a:buChar char="•"/>
+            </a:pPr>
+            <a:r>
+              <a:rPr lang="en-US" dirty="0"/>
+              <a:t>How Casual Riders and Cyclistic Members are differ,?</a:t>
+            </a:r>
+          </a:p>
+          <a:p>
+            <a:pPr marL="1200150" lvl="2" indent="-285750">
+              <a:buFont typeface="Arial" panose="020B0604020202020204" pitchFamily="34" charset="0"/>
+              <a:buChar char="•"/>
+            </a:pPr>
+            <a:r>
+              <a:rPr lang="en-US" dirty="0"/>
+              <a:t>What causes the different? </a:t>
+            </a:r>
+          </a:p>
+          <a:p>
+            <a:pPr marL="1200150" lvl="2" indent="-285750">
+              <a:buFont typeface="Arial" panose="020B0604020202020204" pitchFamily="34" charset="0"/>
+              <a:buChar char="•"/>
+            </a:pPr>
+            <a:r>
+              <a:rPr lang="en-US" dirty="0"/>
+              <a:t>How to close this usage gap between Casual Riders and Cyclistic Members?</a:t>
+            </a:r>
+          </a:p>
+          <a:p>
+            <a:pPr marL="742950" lvl="1" indent="-285750">
+              <a:buFont typeface="Arial" panose="020B0604020202020204" pitchFamily="34" charset="0"/>
+              <a:buChar char="•"/>
+            </a:pPr>
+            <a:r>
+              <a:rPr lang="en-US" dirty="0"/>
+              <a:t>Helps the business’s marketing department to design an effective market strategy to promote Cyclistic Membership and convert Casual Riders into annual members.</a:t>
+            </a:r>
+          </a:p>
+        </p:txBody>
+      </p:sp>
     </p:spTree>
     <p:extLst>
       <p:ext uri="{BB962C8B-B14F-4D97-AF65-F5344CB8AC3E}">
-        <p14:creationId xmlns:p14="http://schemas.microsoft.com/office/powerpoint/2010/main" val="95992585"/>
+        <p14:creationId xmlns:p14="http://schemas.microsoft.com/office/powerpoint/2010/main" val="1377127228"/>
       </p:ext>
     </p:extLst>
   </p:cSld>
@@ -3558,7 +3642,7 @@
           <p:cNvPr id="3" name="TextBox 2">
             <a:extLst>
               <a:ext uri="{FF2B5EF4-FFF2-40B4-BE49-F238E27FC236}">
-                <a16:creationId xmlns:a16="http://schemas.microsoft.com/office/drawing/2014/main" id="{D6C4DFDF-D264-383F-AEE0-38FCF2B2513A}"/>
+                <a16:creationId xmlns:a16="http://schemas.microsoft.com/office/drawing/2014/main" id="{A4676E97-8700-5508-30D3-FA76206D5323}"/>
               </a:ext>
             </a:extLst>
           </p:cNvPr>
@@ -3567,7 +3651,7 @@
         </p:nvSpPr>
         <p:spPr>
           <a:xfrm>
-            <a:off x="292100" y="203200"/>
+            <a:off x="152400" y="165100"/>
             <a:ext cx="6365289" cy="369332"/>
           </a:xfrm>
           <a:prstGeom prst="rect">
@@ -3586,31 +3670,52 @@
                 <a:latin typeface="Calibri" panose="020F0502020204030204" pitchFamily="34" charset="0"/>
                 <a:cs typeface="Calibri" panose="020F0502020204030204" pitchFamily="34" charset="0"/>
               </a:rPr>
-              <a:t>Ride Data Analysis Between Casual Riders and </a:t>
-            </a:r>
-            <a:r>
-              <a:rPr lang="en-US" dirty="0" err="1">
-                <a:latin typeface="Calibri" panose="020F0502020204030204" pitchFamily="34" charset="0"/>
-                <a:cs typeface="Calibri" panose="020F0502020204030204" pitchFamily="34" charset="0"/>
-              </a:rPr>
-              <a:t>Cyclistic</a:t>
-            </a:r>
-            <a:r>
-              <a:rPr lang="en-US" dirty="0">
-                <a:latin typeface="Calibri" panose="020F0502020204030204" pitchFamily="34" charset="0"/>
-                <a:cs typeface="Calibri" panose="020F0502020204030204" pitchFamily="34" charset="0"/>
-              </a:rPr>
-              <a:t> Members</a:t>
-            </a:r>
-          </a:p>
-        </p:txBody>
-      </p:sp>
-      <p:sp>
-        <p:nvSpPr>
-          <p:cNvPr id="4" name="TextBox 3">
+              <a:t>Ride Data Analysis Between Casual Riders and Cyclistic Members</a:t>
+            </a:r>
+          </a:p>
+        </p:txBody>
+      </p:sp>
+      <p:pic>
+        <p:nvPicPr>
+          <p:cNvPr id="11" name="Picture 10">
             <a:extLst>
               <a:ext uri="{FF2B5EF4-FFF2-40B4-BE49-F238E27FC236}">
-                <a16:creationId xmlns:a16="http://schemas.microsoft.com/office/drawing/2014/main" id="{2E26263B-FDD8-D53C-91D3-1725DC4B0605}"/>
+                <a16:creationId xmlns:a16="http://schemas.microsoft.com/office/drawing/2014/main" id="{1B07CFC3-51A3-6DDA-D03A-63BB8EF4B0B6}"/>
+              </a:ext>
+            </a:extLst>
+          </p:cNvPr>
+          <p:cNvPicPr>
+            <a:picLocks noChangeAspect="1"/>
+          </p:cNvPicPr>
+          <p:nvPr/>
+        </p:nvPicPr>
+        <p:blipFill rotWithShape="1">
+          <a:blip r:embed="rId2">
+            <a:extLst>
+              <a:ext uri="{28A0092B-C50C-407E-A947-70E740481C1C}">
+                <a14:useLocalDpi xmlns:a14="http://schemas.microsoft.com/office/drawing/2010/main" val="0"/>
+              </a:ext>
+            </a:extLst>
+          </a:blip>
+          <a:srcRect r="12857"/>
+          <a:stretch/>
+        </p:blipFill>
+        <p:spPr>
+          <a:xfrm>
+            <a:off x="256903" y="534432"/>
+            <a:ext cx="8930640" cy="4123747"/>
+          </a:xfrm>
+          <a:prstGeom prst="rect">
+            <a:avLst/>
+          </a:prstGeom>
+        </p:spPr>
+      </p:pic>
+      <p:sp>
+        <p:nvSpPr>
+          <p:cNvPr id="7" name="TextBox 6">
+            <a:extLst>
+              <a:ext uri="{FF2B5EF4-FFF2-40B4-BE49-F238E27FC236}">
+                <a16:creationId xmlns:a16="http://schemas.microsoft.com/office/drawing/2014/main" id="{216B2768-961C-5366-A9BC-0C9A689DC267}"/>
               </a:ext>
             </a:extLst>
           </p:cNvPr>
@@ -3619,8 +3724,8 @@
         </p:nvSpPr>
         <p:spPr>
           <a:xfrm>
-            <a:off x="548504" y="928667"/>
-            <a:ext cx="11094991" cy="3139321"/>
+            <a:off x="152400" y="4720047"/>
+            <a:ext cx="11900263" cy="2031325"/>
           </a:xfrm>
           <a:prstGeom prst="rect">
             <a:avLst/>
@@ -3639,15 +3744,7 @@
             </a:pPr>
             <a:r>
               <a:rPr lang="en-US" dirty="0"/>
-              <a:t>The average ride duration (in seconds), </a:t>
-            </a:r>
-            <a:r>
-              <a:rPr lang="en-US" dirty="0" err="1"/>
-              <a:t>Cyclistic</a:t>
-            </a:r>
-            <a:r>
-              <a:rPr lang="en-US" dirty="0"/>
-              <a:t> Members are relatively constant.</a:t>
+              <a:t>The average ride duration (in seconds), Cyclistic Members are relatively constant.</a:t>
             </a:r>
           </a:p>
           <a:p>
@@ -3655,7 +3752,10 @@
               <a:buFont typeface="Arial" panose="020B0604020202020204" pitchFamily="34" charset="0"/>
               <a:buChar char="•"/>
             </a:pPr>
-            <a:endParaRPr lang="en-US" dirty="0"/>
+            <a:r>
+              <a:rPr lang="en-US" dirty="0"/>
+              <a:t>However, for Casual Riders, the ridership dipped during the weekdays period.</a:t>
+            </a:r>
           </a:p>
           <a:p>
             <a:pPr marL="285750" indent="-285750">
@@ -3664,7 +3764,7 @@
             </a:pPr>
             <a:r>
               <a:rPr lang="en-US" dirty="0"/>
-              <a:t>However, for Casual Riders, the ridership dipped during the weekdays period.</a:t>
+              <a:t>That said, the graph depicts that Casual Riders spent longer time riding than Cyclistic Members.</a:t>
             </a:r>
           </a:p>
           <a:p>
@@ -3672,7 +3772,10 @@
               <a:buFont typeface="Arial" panose="020B0604020202020204" pitchFamily="34" charset="0"/>
               <a:buChar char="•"/>
             </a:pPr>
-            <a:endParaRPr lang="en-US" dirty="0"/>
+            <a:r>
+              <a:rPr lang="en-US" dirty="0"/>
+              <a:t>We can derive a hypothesis that Cyclistic Members are using the Cyclistic bikes for their daily commute as duration is shorter.</a:t>
+            </a:r>
           </a:p>
           <a:p>
             <a:pPr marL="285750" indent="-285750">
@@ -3681,64 +3784,6 @@
             </a:pPr>
             <a:r>
               <a:rPr lang="en-US" dirty="0"/>
-              <a:t>That said, the graph depicts that Casual Riders spent longer time riding than </a:t>
-            </a:r>
-            <a:r>
-              <a:rPr lang="en-US" dirty="0" err="1"/>
-              <a:t>Cyclistic</a:t>
-            </a:r>
-            <a:r>
-              <a:rPr lang="en-US" dirty="0"/>
-              <a:t> Members.</a:t>
-            </a:r>
-          </a:p>
-          <a:p>
-            <a:pPr marL="285750" indent="-285750">
-              <a:buFont typeface="Arial" panose="020B0604020202020204" pitchFamily="34" charset="0"/>
-              <a:buChar char="•"/>
-            </a:pPr>
-            <a:endParaRPr lang="en-US" dirty="0"/>
-          </a:p>
-          <a:p>
-            <a:pPr marL="285750" indent="-285750">
-              <a:buFont typeface="Arial" panose="020B0604020202020204" pitchFamily="34" charset="0"/>
-              <a:buChar char="•"/>
-            </a:pPr>
-            <a:r>
-              <a:rPr lang="en-US" dirty="0"/>
-              <a:t>We can derive a hypothesis that </a:t>
-            </a:r>
-            <a:r>
-              <a:rPr lang="en-US" dirty="0" err="1"/>
-              <a:t>Cyclistic</a:t>
-            </a:r>
-            <a:r>
-              <a:rPr lang="en-US" dirty="0"/>
-              <a:t> Members are using the </a:t>
-            </a:r>
-            <a:r>
-              <a:rPr lang="en-US" dirty="0" err="1"/>
-              <a:t>Cyclistic</a:t>
-            </a:r>
-            <a:r>
-              <a:rPr lang="en-US" dirty="0"/>
-              <a:t> bikes for their daily commute as duration is shorter.</a:t>
-            </a:r>
-          </a:p>
-          <a:p>
-            <a:pPr marL="285750" indent="-285750">
-              <a:buFont typeface="Arial" panose="020B0604020202020204" pitchFamily="34" charset="0"/>
-              <a:buChar char="•"/>
-            </a:pPr>
-            <a:endParaRPr lang="en-US" dirty="0"/>
-          </a:p>
-          <a:p>
-            <a:pPr marL="285750" indent="-285750">
-              <a:buFont typeface="Arial" panose="020B0604020202020204" pitchFamily="34" charset="0"/>
-              <a:buChar char="•"/>
-            </a:pPr>
-            <a:r>
-              <a:rPr lang="en-US" dirty="0"/>
               <a:t>On the other hand, Casual Riders tended to travel longer and stop more frequent to rest-up or sightseeing for leisure purpose.</a:t>
             </a:r>
           </a:p>
@@ -3747,7 +3792,7 @@
     </p:spTree>
     <p:extLst>
       <p:ext uri="{BB962C8B-B14F-4D97-AF65-F5344CB8AC3E}">
-        <p14:creationId xmlns:p14="http://schemas.microsoft.com/office/powerpoint/2010/main" val="2678731123"/>
+        <p14:creationId xmlns:p14="http://schemas.microsoft.com/office/powerpoint/2010/main" val="95992585"/>
       </p:ext>
     </p:extLst>
   </p:cSld>
@@ -3807,21 +3852,7 @@
                 <a:latin typeface="Calibri" panose="020F0502020204030204" pitchFamily="34" charset="0"/>
                 <a:cs typeface="Calibri" panose="020F0502020204030204" pitchFamily="34" charset="0"/>
               </a:rPr>
-              <a:t>Ride Data Analysis Between Casual Riders and </a:t>
-            </a:r>
-            <a:r>
-              <a:rPr lang="en-US" dirty="0" err="1">
-                <a:latin typeface="Calibri" panose="020F0502020204030204" pitchFamily="34" charset="0"/>
-                <a:cs typeface="Calibri" panose="020F0502020204030204" pitchFamily="34" charset="0"/>
-              </a:rPr>
-              <a:t>Cyclistic</a:t>
-            </a:r>
-            <a:r>
-              <a:rPr lang="en-US" dirty="0">
-                <a:latin typeface="Calibri" panose="020F0502020204030204" pitchFamily="34" charset="0"/>
-                <a:cs typeface="Calibri" panose="020F0502020204030204" pitchFamily="34" charset="0"/>
-              </a:rPr>
-              <a:t> Members</a:t>
+              <a:t>Ride Data Analysis Between Casual Riders and Cyclistic Members</a:t>
             </a:r>
           </a:p>
         </p:txBody>
@@ -3840,7 +3871,7 @@
           </p:cNvPicPr>
           <p:nvPr/>
         </p:nvPicPr>
-        <p:blipFill>
+        <p:blipFill rotWithShape="1">
           <a:blip r:embed="rId2">
             <a:extLst>
               <a:ext uri="{28A0092B-C50C-407E-A947-70E740481C1C}">
@@ -3848,20 +3879,88 @@
               </a:ext>
             </a:extLst>
           </a:blip>
-          <a:stretch>
-            <a:fillRect/>
-          </a:stretch>
+          <a:srcRect r="10000"/>
+          <a:stretch/>
         </p:blipFill>
         <p:spPr>
           <a:xfrm>
-            <a:off x="152400" y="534432"/>
-            <a:ext cx="11887200" cy="4935229"/>
+            <a:off x="265611" y="534433"/>
+            <a:ext cx="8773886" cy="4047410"/>
           </a:xfrm>
           <a:prstGeom prst="rect">
             <a:avLst/>
           </a:prstGeom>
         </p:spPr>
       </p:pic>
+      <p:sp>
+        <p:nvSpPr>
+          <p:cNvPr id="2" name="TextBox 1">
+            <a:extLst>
+              <a:ext uri="{FF2B5EF4-FFF2-40B4-BE49-F238E27FC236}">
+                <a16:creationId xmlns:a16="http://schemas.microsoft.com/office/drawing/2014/main" id="{376C9544-FDCE-C829-C687-96B1302C73F1}"/>
+              </a:ext>
+            </a:extLst>
+          </p:cNvPr>
+          <p:cNvSpPr txBox="1"/>
+          <p:nvPr/>
+        </p:nvSpPr>
+        <p:spPr>
+          <a:xfrm>
+            <a:off x="152401" y="4581843"/>
+            <a:ext cx="11887200" cy="1754326"/>
+          </a:xfrm>
+          <a:prstGeom prst="rect">
+            <a:avLst/>
+          </a:prstGeom>
+          <a:noFill/>
+        </p:spPr>
+        <p:txBody>
+          <a:bodyPr wrap="square" rtlCol="0">
+            <a:spAutoFit/>
+          </a:bodyPr>
+          <a:lstStyle/>
+          <a:p>
+            <a:pPr marL="285750" indent="-285750">
+              <a:buFont typeface="Arial" panose="020B0604020202020204" pitchFamily="34" charset="0"/>
+              <a:buChar char="•"/>
+            </a:pPr>
+            <a:r>
+              <a:rPr lang="en-US" dirty="0"/>
+              <a:t>The average trip distance(in meters)</a:t>
+            </a:r>
+          </a:p>
+          <a:p>
+            <a:pPr marL="285750" indent="-285750">
+              <a:buFont typeface="Arial" panose="020B0604020202020204" pitchFamily="34" charset="0"/>
+              <a:buChar char="•"/>
+            </a:pPr>
+            <a:r>
+              <a:rPr lang="en-US" dirty="0"/>
+              <a:t>Casual Riders travel, on average, longer distance than Cyclistic Members</a:t>
+            </a:r>
+          </a:p>
+          <a:p>
+            <a:pPr marL="285750" indent="-285750">
+              <a:buFont typeface="Arial" panose="020B0604020202020204" pitchFamily="34" charset="0"/>
+              <a:buChar char="•"/>
+            </a:pPr>
+            <a:r>
+              <a:rPr lang="en-US" dirty="0"/>
+              <a:t>Cyclistic Members are using the Cyclistic bikes for their daily commute to school or work, which usually in closer proximity. </a:t>
+            </a:r>
+          </a:p>
+          <a:p>
+            <a:pPr marL="285750" indent="-285750">
+              <a:buFont typeface="Arial" panose="020B0604020202020204" pitchFamily="34" charset="0"/>
+              <a:buChar char="•"/>
+            </a:pPr>
+            <a:r>
+              <a:rPr lang="en-US" dirty="0"/>
+              <a:t>On the other hand, for Casual Riders, they traveled longer distance, this might indicates that they tended to travel to further area for leisure purpose</a:t>
+            </a:r>
+          </a:p>
+        </p:txBody>
+      </p:sp>
     </p:spTree>
     <p:extLst>
       <p:ext uri="{BB962C8B-B14F-4D97-AF65-F5344CB8AC3E}">
@@ -3897,202 +3996,6 @@
           <p:cNvPr id="3" name="TextBox 2">
             <a:extLst>
               <a:ext uri="{FF2B5EF4-FFF2-40B4-BE49-F238E27FC236}">
-                <a16:creationId xmlns:a16="http://schemas.microsoft.com/office/drawing/2014/main" id="{D6C4DFDF-D264-383F-AEE0-38FCF2B2513A}"/>
-              </a:ext>
-            </a:extLst>
-          </p:cNvPr>
-          <p:cNvSpPr txBox="1"/>
-          <p:nvPr/>
-        </p:nvSpPr>
-        <p:spPr>
-          <a:xfrm>
-            <a:off x="292100" y="203200"/>
-            <a:ext cx="6365289" cy="369332"/>
-          </a:xfrm>
-          <a:prstGeom prst="rect">
-            <a:avLst/>
-          </a:prstGeom>
-          <a:noFill/>
-        </p:spPr>
-        <p:txBody>
-          <a:bodyPr wrap="square" rtlCol="0">
-            <a:spAutoFit/>
-          </a:bodyPr>
-          <a:lstStyle/>
-          <a:p>
-            <a:r>
-              <a:rPr lang="en-US" dirty="0">
-                <a:latin typeface="Calibri" panose="020F0502020204030204" pitchFamily="34" charset="0"/>
-                <a:cs typeface="Calibri" panose="020F0502020204030204" pitchFamily="34" charset="0"/>
-              </a:rPr>
-              <a:t>Ride Data Analysis Between Casual Riders and </a:t>
-            </a:r>
-            <a:r>
-              <a:rPr lang="en-US" dirty="0" err="1">
-                <a:latin typeface="Calibri" panose="020F0502020204030204" pitchFamily="34" charset="0"/>
-                <a:cs typeface="Calibri" panose="020F0502020204030204" pitchFamily="34" charset="0"/>
-              </a:rPr>
-              <a:t>Cyclistic</a:t>
-            </a:r>
-            <a:r>
-              <a:rPr lang="en-US" dirty="0">
-                <a:latin typeface="Calibri" panose="020F0502020204030204" pitchFamily="34" charset="0"/>
-                <a:cs typeface="Calibri" panose="020F0502020204030204" pitchFamily="34" charset="0"/>
-              </a:rPr>
-              <a:t> Members</a:t>
-            </a:r>
-          </a:p>
-        </p:txBody>
-      </p:sp>
-      <p:sp>
-        <p:nvSpPr>
-          <p:cNvPr id="4" name="TextBox 3">
-            <a:extLst>
-              <a:ext uri="{FF2B5EF4-FFF2-40B4-BE49-F238E27FC236}">
-                <a16:creationId xmlns:a16="http://schemas.microsoft.com/office/drawing/2014/main" id="{2E26263B-FDD8-D53C-91D3-1725DC4B0605}"/>
-              </a:ext>
-            </a:extLst>
-          </p:cNvPr>
-          <p:cNvSpPr txBox="1"/>
-          <p:nvPr/>
-        </p:nvSpPr>
-        <p:spPr>
-          <a:xfrm>
-            <a:off x="548504" y="928667"/>
-            <a:ext cx="11094991" cy="2585323"/>
-          </a:xfrm>
-          <a:prstGeom prst="rect">
-            <a:avLst/>
-          </a:prstGeom>
-          <a:noFill/>
-        </p:spPr>
-        <p:txBody>
-          <a:bodyPr wrap="square" rtlCol="0">
-            <a:spAutoFit/>
-          </a:bodyPr>
-          <a:lstStyle/>
-          <a:p>
-            <a:pPr marL="285750" indent="-285750">
-              <a:buFont typeface="Arial" panose="020B0604020202020204" pitchFamily="34" charset="0"/>
-              <a:buChar char="•"/>
-            </a:pPr>
-            <a:r>
-              <a:rPr lang="en-US" dirty="0"/>
-              <a:t>The average trip distance(in meters)</a:t>
-            </a:r>
-          </a:p>
-          <a:p>
-            <a:pPr marL="285750" indent="-285750">
-              <a:buFont typeface="Arial" panose="020B0604020202020204" pitchFamily="34" charset="0"/>
-              <a:buChar char="•"/>
-            </a:pPr>
-            <a:endParaRPr lang="en-US" dirty="0"/>
-          </a:p>
-          <a:p>
-            <a:pPr marL="285750" indent="-285750">
-              <a:buFont typeface="Arial" panose="020B0604020202020204" pitchFamily="34" charset="0"/>
-              <a:buChar char="•"/>
-            </a:pPr>
-            <a:r>
-              <a:rPr lang="en-US" dirty="0"/>
-              <a:t>Casual Riders travel, on average, longer distance than </a:t>
-            </a:r>
-            <a:r>
-              <a:rPr lang="en-US" dirty="0" err="1"/>
-              <a:t>Cyclistic</a:t>
-            </a:r>
-            <a:r>
-              <a:rPr lang="en-US" dirty="0"/>
-              <a:t> Members</a:t>
-            </a:r>
-          </a:p>
-          <a:p>
-            <a:pPr marL="285750" indent="-285750">
-              <a:buFont typeface="Arial" panose="020B0604020202020204" pitchFamily="34" charset="0"/>
-              <a:buChar char="•"/>
-            </a:pPr>
-            <a:endParaRPr lang="en-US" dirty="0"/>
-          </a:p>
-          <a:p>
-            <a:pPr marL="285750" indent="-285750">
-              <a:buFont typeface="Arial" panose="020B0604020202020204" pitchFamily="34" charset="0"/>
-              <a:buChar char="•"/>
-            </a:pPr>
-            <a:r>
-              <a:rPr lang="en-US" dirty="0"/>
-              <a:t> </a:t>
-            </a:r>
-            <a:r>
-              <a:rPr lang="en-US" dirty="0" err="1"/>
-              <a:t>Cyclistic</a:t>
-            </a:r>
-            <a:r>
-              <a:rPr lang="en-US" dirty="0"/>
-              <a:t> Members are using the </a:t>
-            </a:r>
-            <a:r>
-              <a:rPr lang="en-US" dirty="0" err="1"/>
-              <a:t>Cyclistic</a:t>
-            </a:r>
-            <a:r>
-              <a:rPr lang="en-US" dirty="0"/>
-              <a:t> bikes for their daily commute to school or work, which usually in closer proximity. </a:t>
-            </a:r>
-          </a:p>
-          <a:p>
-            <a:pPr marL="285750" indent="-285750">
-              <a:buFont typeface="Arial" panose="020B0604020202020204" pitchFamily="34" charset="0"/>
-              <a:buChar char="•"/>
-            </a:pPr>
-            <a:endParaRPr lang="en-US" dirty="0"/>
-          </a:p>
-          <a:p>
-            <a:pPr marL="285750" indent="-285750">
-              <a:buFont typeface="Arial" panose="020B0604020202020204" pitchFamily="34" charset="0"/>
-              <a:buChar char="•"/>
-            </a:pPr>
-            <a:r>
-              <a:rPr lang="en-US" dirty="0"/>
-              <a:t>On the other hand, for Casual Riders, they traveled longer distance, this might indicates that they tended to travel to further area for leisure purpose</a:t>
-            </a:r>
-          </a:p>
-        </p:txBody>
-      </p:sp>
-    </p:spTree>
-    <p:extLst>
-      <p:ext uri="{BB962C8B-B14F-4D97-AF65-F5344CB8AC3E}">
-        <p14:creationId xmlns:p14="http://schemas.microsoft.com/office/powerpoint/2010/main" val="842532729"/>
-      </p:ext>
-    </p:extLst>
-  </p:cSld>
-  <p:clrMapOvr>
-    <a:masterClrMapping/>
-  </p:clrMapOvr>
-</p:sld>
-</file>
-
-<file path=ppt/slides/slide6.xml><?xml version="1.0" encoding="utf-8"?>
-<p:sld xmlns:a="http://schemas.openxmlformats.org/drawingml/2006/main" xmlns:r="http://schemas.openxmlformats.org/officeDocument/2006/relationships" xmlns:p="http://schemas.openxmlformats.org/presentationml/2006/main">
-  <p:cSld>
-    <p:spTree>
-      <p:nvGrpSpPr>
-        <p:cNvPr id="1" name=""/>
-        <p:cNvGrpSpPr/>
-        <p:nvPr/>
-      </p:nvGrpSpPr>
-      <p:grpSpPr>
-        <a:xfrm>
-          <a:off x="0" y="0"/>
-          <a:ext cx="0" cy="0"/>
-          <a:chOff x="0" y="0"/>
-          <a:chExt cx="0" cy="0"/>
-        </a:xfrm>
-      </p:grpSpPr>
-      <p:sp>
-        <p:nvSpPr>
-          <p:cNvPr id="3" name="TextBox 2">
-            <a:extLst>
-              <a:ext uri="{FF2B5EF4-FFF2-40B4-BE49-F238E27FC236}">
                 <a16:creationId xmlns:a16="http://schemas.microsoft.com/office/drawing/2014/main" id="{A4676E97-8700-5508-30D3-FA76206D5323}"/>
               </a:ext>
             </a:extLst>
@@ -4121,21 +4024,7 @@
                 <a:latin typeface="Calibri" panose="020F0502020204030204" pitchFamily="34" charset="0"/>
                 <a:cs typeface="Calibri" panose="020F0502020204030204" pitchFamily="34" charset="0"/>
               </a:rPr>
-              <a:t>Ride Data Analysis Between Casual Riders and </a:t>
-            </a:r>
-            <a:r>
-              <a:rPr lang="en-US" dirty="0" err="1">
-                <a:latin typeface="Calibri" panose="020F0502020204030204" pitchFamily="34" charset="0"/>
-                <a:cs typeface="Calibri" panose="020F0502020204030204" pitchFamily="34" charset="0"/>
-              </a:rPr>
-              <a:t>Cyclistic</a:t>
-            </a:r>
-            <a:r>
-              <a:rPr lang="en-US" dirty="0">
-                <a:latin typeface="Calibri" panose="020F0502020204030204" pitchFamily="34" charset="0"/>
-                <a:cs typeface="Calibri" panose="020F0502020204030204" pitchFamily="34" charset="0"/>
-              </a:rPr>
-              <a:t> Members</a:t>
+              <a:t>Ride Data Analysis Between Casual Riders and Cyclistic Members</a:t>
             </a:r>
           </a:p>
         </p:txBody>
@@ -4168,14 +4057,93 @@
         </p:blipFill>
         <p:spPr>
           <a:xfrm>
-            <a:off x="152400" y="534432"/>
-            <a:ext cx="11887200" cy="5165575"/>
+            <a:off x="256903" y="534432"/>
+            <a:ext cx="10062754" cy="4372763"/>
           </a:xfrm>
           <a:prstGeom prst="rect">
             <a:avLst/>
           </a:prstGeom>
         </p:spPr>
       </p:pic>
+      <p:sp>
+        <p:nvSpPr>
+          <p:cNvPr id="2" name="TextBox 1">
+            <a:extLst>
+              <a:ext uri="{FF2B5EF4-FFF2-40B4-BE49-F238E27FC236}">
+                <a16:creationId xmlns:a16="http://schemas.microsoft.com/office/drawing/2014/main" id="{285DC84E-5C8E-32E4-E8E7-2EE0610006B5}"/>
+              </a:ext>
+            </a:extLst>
+          </p:cNvPr>
+          <p:cNvSpPr txBox="1"/>
+          <p:nvPr/>
+        </p:nvSpPr>
+        <p:spPr>
+          <a:xfrm>
+            <a:off x="152400" y="4907195"/>
+            <a:ext cx="11887200" cy="1477328"/>
+          </a:xfrm>
+          <a:prstGeom prst="rect">
+            <a:avLst/>
+          </a:prstGeom>
+          <a:noFill/>
+        </p:spPr>
+        <p:txBody>
+          <a:bodyPr wrap="square" rtlCol="0">
+            <a:spAutoFit/>
+          </a:bodyPr>
+          <a:lstStyle/>
+          <a:p>
+            <a:pPr marL="285750" indent="-285750">
+              <a:buFont typeface="Arial" panose="020B0604020202020204" pitchFamily="34" charset="0"/>
+              <a:buChar char="•"/>
+            </a:pPr>
+            <a:r>
+              <a:rPr lang="en-US" dirty="0"/>
+              <a:t>During weekdays, Cyclistic Members have higher ridership than Casual Riders group.</a:t>
+            </a:r>
+          </a:p>
+          <a:p>
+            <a:pPr marL="285750" indent="-285750">
+              <a:buFont typeface="Arial" panose="020B0604020202020204" pitchFamily="34" charset="0"/>
+              <a:buChar char="•"/>
+            </a:pPr>
+            <a:r>
+              <a:rPr lang="en-US" dirty="0"/>
+              <a:t>However, the ridership of Casual Riders increased significantly during each weekends throughout the 12 months period.</a:t>
+            </a:r>
+          </a:p>
+          <a:p>
+            <a:pPr marL="285750" indent="-285750">
+              <a:buFont typeface="Arial" panose="020B0604020202020204" pitchFamily="34" charset="0"/>
+              <a:buChar char="•"/>
+            </a:pPr>
+            <a:r>
+              <a:rPr lang="en-US" dirty="0"/>
+              <a:t>This represents the following:</a:t>
+            </a:r>
+          </a:p>
+          <a:p>
+            <a:pPr marL="800100" lvl="1" indent="-342900">
+              <a:buFont typeface="+mj-lt"/>
+              <a:buAutoNum type="arabicPeriod"/>
+            </a:pPr>
+            <a:r>
+              <a:rPr lang="en-US" dirty="0"/>
+              <a:t>Cyclistic Members are using the Cyclistic bikes for their daily commute in close proximity</a:t>
+            </a:r>
+          </a:p>
+          <a:p>
+            <a:pPr marL="800100" lvl="1" indent="-342900">
+              <a:buFont typeface="+mj-lt"/>
+              <a:buAutoNum type="arabicPeriod"/>
+            </a:pPr>
+            <a:r>
+              <a:rPr lang="en-US" dirty="0"/>
+              <a:t>Casual Riders are using the bikes to travel to further for leisure.</a:t>
+            </a:r>
+          </a:p>
+        </p:txBody>
+      </p:sp>
     </p:spTree>
     <p:extLst>
       <p:ext uri="{BB962C8B-B14F-4D97-AF65-F5344CB8AC3E}">
@@ -4189,199 +4157,7 @@
 </p:sld>
 </file>
 
-<file path=ppt/slides/slide7.xml><?xml version="1.0" encoding="utf-8"?>
-<p:sld xmlns:a="http://schemas.openxmlformats.org/drawingml/2006/main" xmlns:r="http://schemas.openxmlformats.org/officeDocument/2006/relationships" xmlns:p="http://schemas.openxmlformats.org/presentationml/2006/main">
-  <p:cSld>
-    <p:spTree>
-      <p:nvGrpSpPr>
-        <p:cNvPr id="1" name=""/>
-        <p:cNvGrpSpPr/>
-        <p:nvPr/>
-      </p:nvGrpSpPr>
-      <p:grpSpPr>
-        <a:xfrm>
-          <a:off x="0" y="0"/>
-          <a:ext cx="0" cy="0"/>
-          <a:chOff x="0" y="0"/>
-          <a:chExt cx="0" cy="0"/>
-        </a:xfrm>
-      </p:grpSpPr>
-      <p:sp>
-        <p:nvSpPr>
-          <p:cNvPr id="3" name="TextBox 2">
-            <a:extLst>
-              <a:ext uri="{FF2B5EF4-FFF2-40B4-BE49-F238E27FC236}">
-                <a16:creationId xmlns:a16="http://schemas.microsoft.com/office/drawing/2014/main" id="{D6C4DFDF-D264-383F-AEE0-38FCF2B2513A}"/>
-              </a:ext>
-            </a:extLst>
-          </p:cNvPr>
-          <p:cNvSpPr txBox="1"/>
-          <p:nvPr/>
-        </p:nvSpPr>
-        <p:spPr>
-          <a:xfrm>
-            <a:off x="292100" y="203200"/>
-            <a:ext cx="6365289" cy="369332"/>
-          </a:xfrm>
-          <a:prstGeom prst="rect">
-            <a:avLst/>
-          </a:prstGeom>
-          <a:noFill/>
-        </p:spPr>
-        <p:txBody>
-          <a:bodyPr wrap="square" rtlCol="0">
-            <a:spAutoFit/>
-          </a:bodyPr>
-          <a:lstStyle/>
-          <a:p>
-            <a:r>
-              <a:rPr lang="en-US" dirty="0">
-                <a:latin typeface="Calibri" panose="020F0502020204030204" pitchFamily="34" charset="0"/>
-                <a:cs typeface="Calibri" panose="020F0502020204030204" pitchFamily="34" charset="0"/>
-              </a:rPr>
-              <a:t>Ride Data Analysis Between Casual Riders and </a:t>
-            </a:r>
-            <a:r>
-              <a:rPr lang="en-US" dirty="0" err="1">
-                <a:latin typeface="Calibri" panose="020F0502020204030204" pitchFamily="34" charset="0"/>
-                <a:cs typeface="Calibri" panose="020F0502020204030204" pitchFamily="34" charset="0"/>
-              </a:rPr>
-              <a:t>Cyclistic</a:t>
-            </a:r>
-            <a:r>
-              <a:rPr lang="en-US" dirty="0">
-                <a:latin typeface="Calibri" panose="020F0502020204030204" pitchFamily="34" charset="0"/>
-                <a:cs typeface="Calibri" panose="020F0502020204030204" pitchFamily="34" charset="0"/>
-              </a:rPr>
-              <a:t> Members</a:t>
-            </a:r>
-          </a:p>
-        </p:txBody>
-      </p:sp>
-      <p:sp>
-        <p:nvSpPr>
-          <p:cNvPr id="4" name="TextBox 3">
-            <a:extLst>
-              <a:ext uri="{FF2B5EF4-FFF2-40B4-BE49-F238E27FC236}">
-                <a16:creationId xmlns:a16="http://schemas.microsoft.com/office/drawing/2014/main" id="{2E26263B-FDD8-D53C-91D3-1725DC4B0605}"/>
-              </a:ext>
-            </a:extLst>
-          </p:cNvPr>
-          <p:cNvSpPr txBox="1"/>
-          <p:nvPr/>
-        </p:nvSpPr>
-        <p:spPr>
-          <a:xfrm>
-            <a:off x="548504" y="928667"/>
-            <a:ext cx="11094991" cy="2308324"/>
-          </a:xfrm>
-          <a:prstGeom prst="rect">
-            <a:avLst/>
-          </a:prstGeom>
-          <a:noFill/>
-        </p:spPr>
-        <p:txBody>
-          <a:bodyPr wrap="square" rtlCol="0">
-            <a:spAutoFit/>
-          </a:bodyPr>
-          <a:lstStyle/>
-          <a:p>
-            <a:pPr marL="285750" indent="-285750">
-              <a:buFont typeface="Arial" panose="020B0604020202020204" pitchFamily="34" charset="0"/>
-              <a:buChar char="•"/>
-            </a:pPr>
-            <a:r>
-              <a:rPr lang="en-US" dirty="0"/>
-              <a:t>During weekdays, </a:t>
-            </a:r>
-            <a:r>
-              <a:rPr lang="en-US" dirty="0" err="1"/>
-              <a:t>Cyclistic</a:t>
-            </a:r>
-            <a:r>
-              <a:rPr lang="en-US" dirty="0"/>
-              <a:t> Members have higher ridership than Casual Riders group.</a:t>
-            </a:r>
-            <a:br>
-              <a:rPr lang="en-US" dirty="0"/>
-            </a:br>
-            <a:endParaRPr lang="en-US" dirty="0"/>
-          </a:p>
-          <a:p>
-            <a:pPr marL="285750" indent="-285750">
-              <a:buFont typeface="Arial" panose="020B0604020202020204" pitchFamily="34" charset="0"/>
-              <a:buChar char="•"/>
-            </a:pPr>
-            <a:r>
-              <a:rPr lang="en-US" dirty="0"/>
-              <a:t>However, the ridership of Casual Riders increased significantly during each weekends throughout the 12 months period.</a:t>
-            </a:r>
-          </a:p>
-          <a:p>
-            <a:pPr marL="285750" indent="-285750">
-              <a:buFont typeface="Arial" panose="020B0604020202020204" pitchFamily="34" charset="0"/>
-              <a:buChar char="•"/>
-            </a:pPr>
-            <a:endParaRPr lang="en-US" dirty="0"/>
-          </a:p>
-          <a:p>
-            <a:pPr marL="285750" indent="-285750">
-              <a:buFont typeface="Arial" panose="020B0604020202020204" pitchFamily="34" charset="0"/>
-              <a:buChar char="•"/>
-            </a:pPr>
-            <a:r>
-              <a:rPr lang="en-US" dirty="0"/>
-              <a:t>This represents the following:</a:t>
-            </a:r>
-          </a:p>
-          <a:p>
-            <a:pPr marL="800100" lvl="1" indent="-342900">
-              <a:buFont typeface="+mj-lt"/>
-              <a:buAutoNum type="arabicPeriod"/>
-            </a:pPr>
-            <a:r>
-              <a:rPr lang="en-US" dirty="0" err="1"/>
-              <a:t>Cyclistic</a:t>
-            </a:r>
-            <a:r>
-              <a:rPr lang="en-US" dirty="0"/>
-              <a:t> Members are using the </a:t>
-            </a:r>
-            <a:r>
-              <a:rPr lang="en-US" dirty="0" err="1"/>
-              <a:t>Cyclistic</a:t>
-            </a:r>
-            <a:r>
-              <a:rPr lang="en-US" dirty="0"/>
-              <a:t> bikes for their daily commute in close proximity</a:t>
-            </a:r>
-          </a:p>
-          <a:p>
-            <a:pPr marL="800100" lvl="1" indent="-342900">
-              <a:buFont typeface="+mj-lt"/>
-              <a:buAutoNum type="arabicPeriod"/>
-            </a:pPr>
-            <a:r>
-              <a:rPr lang="en-US" dirty="0"/>
-              <a:t>Casual Riders are using the bikes to travel to further for leisure.</a:t>
-            </a:r>
-          </a:p>
-        </p:txBody>
-      </p:sp>
-    </p:spTree>
-    <p:extLst>
-      <p:ext uri="{BB962C8B-B14F-4D97-AF65-F5344CB8AC3E}">
-        <p14:creationId xmlns:p14="http://schemas.microsoft.com/office/powerpoint/2010/main" val="205128324"/>
-      </p:ext>
-    </p:extLst>
-  </p:cSld>
-  <p:clrMapOvr>
-    <a:masterClrMapping/>
-  </p:clrMapOvr>
-</p:sld>
-</file>
-
-<file path=ppt/slides/slide8.xml><?xml version="1.0" encoding="utf-8"?>
+<file path=ppt/slides/slide6.xml><?xml version="1.0" encoding="utf-8"?>
 <p:sld xmlns:a="http://schemas.openxmlformats.org/drawingml/2006/main" xmlns:r="http://schemas.openxmlformats.org/officeDocument/2006/relationships" xmlns:p="http://schemas.openxmlformats.org/presentationml/2006/main">
   <p:cSld>
     <p:spTree>
